--- a/SoloProj/Presentation.pptx
+++ b/SoloProj/Presentation.pptx
@@ -114,6 +114,11 @@
       </a:defRPr>
     </a:lvl9pPr>
   </p:defaultTextStyle>
+  <p:extLst>
+    <p:ext uri="{EFAFB233-063F-42B5-8137-9DF3F51BA10A}">
+      <p15:sldGuideLst xmlns:p15="http://schemas.microsoft.com/office/powerpoint/2012/main"/>
+    </p:ext>
+  </p:extLst>
 </p:presentation>
 </file>
 
@@ -6299,6 +6304,87 @@
           <a:bodyPr/>
           <a:lstStyle/>
           <a:p>
+            <a:r>
+              <a:rPr lang="en-GB"/>
+              <a:t>  -    Entity Relationship Diagrams (ERDs)</a:t>
+            </a:r>
+            <a:r>
+              <a:rPr lang="en-GB"/>
+              <a:t/>
+            </a:r>
+            <a:br>
+              <a:rPr lang="en-GB"/>
+            </a:br>
+            <a:r>
+              <a:rPr lang="en-GB"/>
+              <a:t>    -    User Stories and Use Cases</a:t>
+            </a:r>
+            <a:r>
+              <a:rPr lang="en-GB"/>
+              <a:t/>
+            </a:r>
+            <a:br>
+              <a:rPr lang="en-GB"/>
+            </a:br>
+            <a:r>
+              <a:rPr lang="en-GB"/>
+              <a:t>    -    Any and all wire-frames (hand drawn WFs are just as acceptable as digital ones)</a:t>
+            </a:r>
+            <a:r>
+              <a:rPr lang="en-GB"/>
+              <a:t/>
+            </a:r>
+            <a:br>
+              <a:rPr lang="en-GB"/>
+            </a:br>
+            <a:r>
+              <a:rPr lang="en-GB"/>
+              <a:t>    -    What went well / what didn't</a:t>
+            </a:r>
+            <a:r>
+              <a:rPr lang="en-GB"/>
+              <a:t/>
+            </a:r>
+            <a:br>
+              <a:rPr lang="en-GB"/>
+            </a:br>
+            <a:r>
+              <a:rPr lang="en-GB"/>
+              <a:t>    -    Things that had had to be abandoned this sprint, and therefore pushed to the next sprint (with supporting reasoning)</a:t>
+            </a:r>
+            <a:r>
+              <a:rPr lang="en-GB"/>
+              <a:t/>
+            </a:r>
+            <a:br>
+              <a:rPr lang="en-GB"/>
+            </a:br>
+            <a:r>
+              <a:rPr lang="en-GB"/>
+              <a:t>    -    Estimated work effort (time spent) of the project</a:t>
+            </a:r>
+            <a:r>
+              <a:rPr lang="en-GB"/>
+              <a:t/>
+            </a:r>
+            <a:br>
+              <a:rPr lang="en-GB"/>
+            </a:br>
+            <a:r>
+              <a:rPr lang="en-GB"/>
+              <a:t>    -    What you would do differently if asked to start again</a:t>
+            </a:r>
+            <a:r>
+              <a:rPr lang="en-GB"/>
+              <a:t/>
+            </a:r>
+            <a:br>
+              <a:rPr lang="en-GB"/>
+            </a:br>
+            <a:r>
+              <a:rPr lang="en-GB"/>
+              <a:t>    -    Any other documentation / information that can help justify your decisions</a:t>
+            </a:r>
             <a:endParaRPr lang="en-GB"/>
           </a:p>
         </p:txBody>

--- a/SoloProj/Presentation.pptx
+++ b/SoloProj/Presentation.pptx
@@ -9,15 +9,17 @@
     <p:sldId id="261" r:id="rId3"/>
     <p:sldId id="259" r:id="rId4"/>
     <p:sldId id="260" r:id="rId5"/>
-    <p:sldId id="262" r:id="rId6"/>
-    <p:sldId id="263" r:id="rId7"/>
-    <p:sldId id="257" r:id="rId8"/>
-    <p:sldId id="258" r:id="rId9"/>
-    <p:sldId id="267" r:id="rId10"/>
-    <p:sldId id="268" r:id="rId11"/>
-    <p:sldId id="264" r:id="rId12"/>
-    <p:sldId id="265" r:id="rId13"/>
-    <p:sldId id="266" r:id="rId14"/>
+    <p:sldId id="271" r:id="rId6"/>
+    <p:sldId id="262" r:id="rId7"/>
+    <p:sldId id="263" r:id="rId8"/>
+    <p:sldId id="269" r:id="rId9"/>
+    <p:sldId id="270" r:id="rId10"/>
+    <p:sldId id="267" r:id="rId11"/>
+    <p:sldId id="257" r:id="rId12"/>
+    <p:sldId id="268" r:id="rId13"/>
+    <p:sldId id="264" r:id="rId14"/>
+    <p:sldId id="265" r:id="rId15"/>
+    <p:sldId id="266" r:id="rId16"/>
   </p:sldIdLst>
   <p:sldSz cx="12192000" cy="6858000"/>
   <p:notesSz cx="6858000" cy="9144000"/>
@@ -122,6 +124,1059 @@
     </p:ext>
   </p:extLst>
 </p:presentation>
+</file>
+
+<file path=ppt/charts/chart1.xml><?xml version="1.0" encoding="utf-8"?>
+<c:chartSpace xmlns:c="http://schemas.openxmlformats.org/drawingml/2006/chart" xmlns:a="http://schemas.openxmlformats.org/drawingml/2006/main" xmlns:r="http://schemas.openxmlformats.org/officeDocument/2006/relationships" xmlns:c16r2="http://schemas.microsoft.com/office/drawing/2015/06/chart">
+  <c:date1904 val="0"/>
+  <c:lang val="en-US"/>
+  <c:roundedCorners val="0"/>
+  <mc:AlternateContent xmlns:mc="http://schemas.openxmlformats.org/markup-compatibility/2006">
+    <mc:Choice xmlns:c14="http://schemas.microsoft.com/office/drawing/2007/8/2/chart" Requires="c14">
+      <c14:style val="102"/>
+    </mc:Choice>
+    <mc:Fallback>
+      <c:style val="2"/>
+    </mc:Fallback>
+  </mc:AlternateContent>
+  <c:chart>
+    <c:title>
+      <c:layout/>
+      <c:overlay val="0"/>
+      <c:spPr>
+        <a:noFill/>
+        <a:ln>
+          <a:noFill/>
+        </a:ln>
+        <a:effectLst/>
+      </c:spPr>
+      <c:txPr>
+        <a:bodyPr rot="0" spcFirstLastPara="1" vertOverflow="ellipsis" vert="horz" wrap="square" anchor="ctr" anchorCtr="1"/>
+        <a:lstStyle/>
+        <a:p>
+          <a:pPr>
+            <a:defRPr sz="2200" b="1" i="0" u="none" strike="noStrike" kern="1200" baseline="0">
+              <a:solidFill>
+                <a:schemeClr val="dk1">
+                  <a:lumMod val="75000"/>
+                  <a:lumOff val="25000"/>
+                </a:schemeClr>
+              </a:solidFill>
+              <a:latin typeface="+mn-lt"/>
+              <a:ea typeface="+mn-ea"/>
+              <a:cs typeface="+mn-cs"/>
+            </a:defRPr>
+          </a:pPr>
+          <a:endParaRPr lang="en-US"/>
+        </a:p>
+      </c:txPr>
+    </c:title>
+    <c:autoTitleDeleted val="0"/>
+    <c:view3D>
+      <c:rotX val="50"/>
+      <c:rotY val="0"/>
+      <c:depthPercent val="100"/>
+      <c:rAngAx val="0"/>
+    </c:view3D>
+    <c:floor>
+      <c:thickness val="0"/>
+      <c:spPr>
+        <a:noFill/>
+        <a:ln>
+          <a:noFill/>
+        </a:ln>
+        <a:effectLst/>
+        <a:sp3d/>
+      </c:spPr>
+    </c:floor>
+    <c:sideWall>
+      <c:thickness val="0"/>
+      <c:spPr>
+        <a:noFill/>
+        <a:ln>
+          <a:noFill/>
+        </a:ln>
+        <a:effectLst/>
+        <a:sp3d/>
+      </c:spPr>
+    </c:sideWall>
+    <c:backWall>
+      <c:thickness val="0"/>
+      <c:spPr>
+        <a:noFill/>
+        <a:ln>
+          <a:noFill/>
+        </a:ln>
+        <a:effectLst/>
+        <a:sp3d/>
+      </c:spPr>
+    </c:backWall>
+    <c:plotArea>
+      <c:layout/>
+      <c:pie3DChart>
+        <c:varyColors val="1"/>
+        <c:ser>
+          <c:idx val="0"/>
+          <c:order val="0"/>
+          <c:tx>
+            <c:strRef>
+              <c:f>Sheet1!$B$1</c:f>
+              <c:strCache>
+                <c:ptCount val="1"/>
+                <c:pt idx="0">
+                  <c:v>Time</c:v>
+                </c:pt>
+              </c:strCache>
+            </c:strRef>
+          </c:tx>
+          <c:dPt>
+            <c:idx val="0"/>
+            <c:bubble3D val="0"/>
+            <c:spPr>
+              <a:solidFill>
+                <a:schemeClr val="accent6"/>
+              </a:solidFill>
+              <a:ln>
+                <a:noFill/>
+              </a:ln>
+              <a:effectLst>
+                <a:outerShdw blurRad="254000" sx="102000" sy="102000" algn="ctr" rotWithShape="0">
+                  <a:prstClr val="black">
+                    <a:alpha val="20000"/>
+                  </a:prstClr>
+                </a:outerShdw>
+              </a:effectLst>
+              <a:sp3d/>
+            </c:spPr>
+            <c:extLst>
+              <c:ext xmlns:c16="http://schemas.microsoft.com/office/drawing/2014/chart" uri="{C3380CC4-5D6E-409C-BE32-E72D297353CC}">
+                <c16:uniqueId val="{00000001-7D70-4E04-9201-558774052043}"/>
+              </c:ext>
+            </c:extLst>
+          </c:dPt>
+          <c:dPt>
+            <c:idx val="1"/>
+            <c:bubble3D val="0"/>
+            <c:spPr>
+              <a:solidFill>
+                <a:schemeClr val="accent5"/>
+              </a:solidFill>
+              <a:ln>
+                <a:noFill/>
+              </a:ln>
+              <a:effectLst>
+                <a:outerShdw blurRad="254000" sx="102000" sy="102000" algn="ctr" rotWithShape="0">
+                  <a:prstClr val="black">
+                    <a:alpha val="20000"/>
+                  </a:prstClr>
+                </a:outerShdw>
+              </a:effectLst>
+              <a:sp3d/>
+            </c:spPr>
+          </c:dPt>
+          <c:dPt>
+            <c:idx val="2"/>
+            <c:bubble3D val="0"/>
+            <c:spPr>
+              <a:solidFill>
+                <a:schemeClr val="accent4"/>
+              </a:solidFill>
+              <a:ln>
+                <a:noFill/>
+              </a:ln>
+              <a:effectLst>
+                <a:outerShdw blurRad="254000" sx="102000" sy="102000" algn="ctr" rotWithShape="0">
+                  <a:prstClr val="black">
+                    <a:alpha val="20000"/>
+                  </a:prstClr>
+                </a:outerShdw>
+              </a:effectLst>
+              <a:sp3d/>
+            </c:spPr>
+          </c:dPt>
+          <c:dPt>
+            <c:idx val="3"/>
+            <c:bubble3D val="0"/>
+            <c:spPr>
+              <a:solidFill>
+                <a:schemeClr val="accent6">
+                  <a:lumMod val="60000"/>
+                </a:schemeClr>
+              </a:solidFill>
+              <a:ln>
+                <a:noFill/>
+              </a:ln>
+              <a:effectLst>
+                <a:outerShdw blurRad="254000" sx="102000" sy="102000" algn="ctr" rotWithShape="0">
+                  <a:prstClr val="black">
+                    <a:alpha val="20000"/>
+                  </a:prstClr>
+                </a:outerShdw>
+              </a:effectLst>
+              <a:sp3d/>
+            </c:spPr>
+          </c:dPt>
+          <c:dLbls>
+            <c:spPr>
+              <a:pattFill prst="pct75">
+                <a:fgClr>
+                  <a:schemeClr val="dk1">
+                    <a:lumMod val="75000"/>
+                    <a:lumOff val="25000"/>
+                  </a:schemeClr>
+                </a:fgClr>
+                <a:bgClr>
+                  <a:schemeClr val="dk1">
+                    <a:lumMod val="65000"/>
+                    <a:lumOff val="35000"/>
+                  </a:schemeClr>
+                </a:bgClr>
+              </a:pattFill>
+              <a:ln>
+                <a:noFill/>
+              </a:ln>
+              <a:effectLst>
+                <a:outerShdw blurRad="50800" dist="38100" dir="2700000" algn="tl" rotWithShape="0">
+                  <a:prstClr val="black">
+                    <a:alpha val="40000"/>
+                  </a:prstClr>
+                </a:outerShdw>
+              </a:effectLst>
+            </c:spPr>
+            <c:txPr>
+              <a:bodyPr rot="0" spcFirstLastPara="1" vertOverflow="ellipsis" vert="horz" wrap="square" lIns="38100" tIns="19050" rIns="38100" bIns="19050" anchor="ctr" anchorCtr="1">
+                <a:spAutoFit/>
+              </a:bodyPr>
+              <a:lstStyle/>
+              <a:p>
+                <a:pPr>
+                  <a:defRPr sz="1330" b="1" i="0" u="none" strike="noStrike" kern="1200" baseline="0">
+                    <a:solidFill>
+                      <a:schemeClr val="lt1"/>
+                    </a:solidFill>
+                    <a:latin typeface="+mn-lt"/>
+                    <a:ea typeface="+mn-ea"/>
+                    <a:cs typeface="+mn-cs"/>
+                  </a:defRPr>
+                </a:pPr>
+                <a:endParaRPr lang="en-US"/>
+              </a:p>
+            </c:txPr>
+            <c:showLegendKey val="0"/>
+            <c:showVal val="0"/>
+            <c:showCatName val="0"/>
+            <c:showSerName val="0"/>
+            <c:showPercent val="1"/>
+            <c:showBubbleSize val="0"/>
+            <c:showLeaderLines val="1"/>
+            <c:leaderLines>
+              <c:spPr>
+                <a:ln w="9525">
+                  <a:solidFill>
+                    <a:schemeClr val="dk1">
+                      <a:lumMod val="50000"/>
+                      <a:lumOff val="50000"/>
+                    </a:schemeClr>
+                  </a:solidFill>
+                </a:ln>
+                <a:effectLst/>
+              </c:spPr>
+            </c:leaderLines>
+            <c:extLst>
+              <c:ext xmlns:c15="http://schemas.microsoft.com/office/drawing/2012/chart" uri="{CE6537A1-D6FC-4f65-9D91-7224C49458BB}">
+                <c15:layout/>
+              </c:ext>
+            </c:extLst>
+          </c:dLbls>
+          <c:cat>
+            <c:strRef>
+              <c:f>Sheet1!$A$2:$A$5</c:f>
+              <c:strCache>
+                <c:ptCount val="4"/>
+                <c:pt idx="0">
+                  <c:v>Front End</c:v>
+                </c:pt>
+                <c:pt idx="1">
+                  <c:v>Back End</c:v>
+                </c:pt>
+                <c:pt idx="2">
+                  <c:v>Testing</c:v>
+                </c:pt>
+                <c:pt idx="3">
+                  <c:v>Integration</c:v>
+                </c:pt>
+              </c:strCache>
+            </c:strRef>
+          </c:cat>
+          <c:val>
+            <c:numRef>
+              <c:f>Sheet1!$B$2:$B$5</c:f>
+              <c:numCache>
+                <c:formatCode>General</c:formatCode>
+                <c:ptCount val="4"/>
+                <c:pt idx="0">
+                  <c:v>6</c:v>
+                </c:pt>
+                <c:pt idx="1">
+                  <c:v>2</c:v>
+                </c:pt>
+                <c:pt idx="2">
+                  <c:v>1</c:v>
+                </c:pt>
+                <c:pt idx="3">
+                  <c:v>1</c:v>
+                </c:pt>
+              </c:numCache>
+            </c:numRef>
+          </c:val>
+          <c:extLst>
+            <c:ext xmlns:c16="http://schemas.microsoft.com/office/drawing/2014/chart" uri="{C3380CC4-5D6E-409C-BE32-E72D297353CC}">
+              <c16:uniqueId val="{00000000-7D70-4E04-9201-558774052043}"/>
+            </c:ext>
+          </c:extLst>
+        </c:ser>
+        <c:dLbls>
+          <c:showLegendKey val="0"/>
+          <c:showVal val="0"/>
+          <c:showCatName val="0"/>
+          <c:showSerName val="0"/>
+          <c:showPercent val="1"/>
+          <c:showBubbleSize val="0"/>
+          <c:showLeaderLines val="1"/>
+        </c:dLbls>
+      </c:pie3DChart>
+      <c:spPr>
+        <a:noFill/>
+        <a:ln>
+          <a:noFill/>
+        </a:ln>
+        <a:effectLst/>
+      </c:spPr>
+    </c:plotArea>
+    <c:legend>
+      <c:legendPos val="t"/>
+      <c:layout/>
+      <c:overlay val="0"/>
+      <c:spPr>
+        <a:solidFill>
+          <a:schemeClr val="lt1">
+            <a:lumMod val="95000"/>
+            <a:alpha val="39000"/>
+          </a:schemeClr>
+        </a:solidFill>
+        <a:ln>
+          <a:noFill/>
+        </a:ln>
+        <a:effectLst/>
+      </c:spPr>
+      <c:txPr>
+        <a:bodyPr rot="0" spcFirstLastPara="1" vertOverflow="ellipsis" vert="horz" wrap="square" anchor="ctr" anchorCtr="1"/>
+        <a:lstStyle/>
+        <a:p>
+          <a:pPr>
+            <a:defRPr sz="1197" b="0" i="0" u="none" strike="noStrike" kern="1200" baseline="0">
+              <a:solidFill>
+                <a:schemeClr val="dk1">
+                  <a:lumMod val="75000"/>
+                  <a:lumOff val="25000"/>
+                </a:schemeClr>
+              </a:solidFill>
+              <a:latin typeface="+mn-lt"/>
+              <a:ea typeface="+mn-ea"/>
+              <a:cs typeface="+mn-cs"/>
+            </a:defRPr>
+          </a:pPr>
+          <a:endParaRPr lang="en-US"/>
+        </a:p>
+      </c:txPr>
+    </c:legend>
+    <c:plotVisOnly val="1"/>
+    <c:dispBlanksAs val="gap"/>
+    <c:showDLblsOverMax val="0"/>
+  </c:chart>
+  <c:spPr>
+    <a:gradFill flip="none" rotWithShape="1">
+      <a:gsLst>
+        <a:gs pos="0">
+          <a:schemeClr val="lt1"/>
+        </a:gs>
+        <a:gs pos="39000">
+          <a:schemeClr val="lt1"/>
+        </a:gs>
+        <a:gs pos="100000">
+          <a:schemeClr val="lt1">
+            <a:lumMod val="75000"/>
+          </a:schemeClr>
+        </a:gs>
+      </a:gsLst>
+      <a:path path="circle">
+        <a:fillToRect l="50000" t="-80000" r="50000" b="180000"/>
+      </a:path>
+      <a:tileRect/>
+    </a:gradFill>
+    <a:ln w="9525" cap="flat" cmpd="sng" algn="ctr">
+      <a:solidFill>
+        <a:schemeClr val="dk1">
+          <a:lumMod val="25000"/>
+          <a:lumOff val="75000"/>
+        </a:schemeClr>
+      </a:solidFill>
+      <a:round/>
+    </a:ln>
+    <a:effectLst/>
+  </c:spPr>
+  <c:txPr>
+    <a:bodyPr/>
+    <a:lstStyle/>
+    <a:p>
+      <a:pPr>
+        <a:defRPr/>
+      </a:pPr>
+      <a:endParaRPr lang="en-US"/>
+    </a:p>
+  </c:txPr>
+  <c:externalData r:id="rId3">
+    <c:autoUpdate val="0"/>
+  </c:externalData>
+</c:chartSpace>
+</file>
+
+<file path=ppt/charts/colors1.xml><?xml version="1.0" encoding="utf-8"?>
+<cs:colorStyle xmlns:cs="http://schemas.microsoft.com/office/drawing/2012/chartStyle" xmlns:a="http://schemas.openxmlformats.org/drawingml/2006/main" meth="cycle" id="13">
+  <a:schemeClr val="accent6"/>
+  <a:schemeClr val="accent5"/>
+  <a:schemeClr val="accent4"/>
+  <cs:variation/>
+  <cs:variation>
+    <a:lumMod val="60000"/>
+  </cs:variation>
+  <cs:variation>
+    <a:lumMod val="80000"/>
+    <a:lumOff val="20000"/>
+  </cs:variation>
+  <cs:variation>
+    <a:lumMod val="80000"/>
+  </cs:variation>
+  <cs:variation>
+    <a:lumMod val="60000"/>
+    <a:lumOff val="40000"/>
+  </cs:variation>
+  <cs:variation>
+    <a:lumMod val="50000"/>
+  </cs:variation>
+  <cs:variation>
+    <a:lumMod val="70000"/>
+    <a:lumOff val="30000"/>
+  </cs:variation>
+  <cs:variation>
+    <a:lumMod val="70000"/>
+  </cs:variation>
+  <cs:variation>
+    <a:lumMod val="50000"/>
+    <a:lumOff val="50000"/>
+  </cs:variation>
+</cs:colorStyle>
+</file>
+
+<file path=ppt/charts/style1.xml><?xml version="1.0" encoding="utf-8"?>
+<cs:chartStyle xmlns:cs="http://schemas.microsoft.com/office/drawing/2012/chartStyle" xmlns:a="http://schemas.openxmlformats.org/drawingml/2006/main" id="264">
+  <cs:axisTitle>
+    <cs:lnRef idx="0"/>
+    <cs:fillRef idx="0"/>
+    <cs:effectRef idx="0"/>
+    <cs:fontRef idx="minor">
+      <a:schemeClr val="dk1">
+        <a:lumMod val="75000"/>
+        <a:lumOff val="25000"/>
+      </a:schemeClr>
+    </cs:fontRef>
+    <cs:defRPr sz="1197" b="1" kern="1200"/>
+  </cs:axisTitle>
+  <cs:categoryAxis>
+    <cs:lnRef idx="0"/>
+    <cs:fillRef idx="0"/>
+    <cs:effectRef idx="0"/>
+    <cs:fontRef idx="minor">
+      <a:schemeClr val="dk1">
+        <a:lumMod val="75000"/>
+        <a:lumOff val="25000"/>
+      </a:schemeClr>
+    </cs:fontRef>
+    <cs:spPr>
+      <a:ln w="19050" cap="flat" cmpd="sng" algn="ctr">
+        <a:solidFill>
+          <a:schemeClr val="dk1">
+            <a:lumMod val="75000"/>
+            <a:lumOff val="25000"/>
+          </a:schemeClr>
+        </a:solidFill>
+        <a:round/>
+      </a:ln>
+    </cs:spPr>
+    <cs:defRPr sz="1197" kern="1200" cap="all" baseline="0"/>
+  </cs:categoryAxis>
+  <cs:chartArea>
+    <cs:lnRef idx="0"/>
+    <cs:fillRef idx="0"/>
+    <cs:effectRef idx="0"/>
+    <cs:fontRef idx="minor">
+      <a:schemeClr val="dk1"/>
+    </cs:fontRef>
+    <cs:spPr>
+      <a:gradFill flip="none" rotWithShape="1">
+        <a:gsLst>
+          <a:gs pos="0">
+            <a:schemeClr val="lt1"/>
+          </a:gs>
+          <a:gs pos="39000">
+            <a:schemeClr val="lt1"/>
+          </a:gs>
+          <a:gs pos="100000">
+            <a:schemeClr val="lt1">
+              <a:lumMod val="75000"/>
+            </a:schemeClr>
+          </a:gs>
+        </a:gsLst>
+        <a:path path="circle">
+          <a:fillToRect l="50000" t="-80000" r="50000" b="180000"/>
+        </a:path>
+        <a:tileRect/>
+      </a:gradFill>
+      <a:ln w="9525" cap="flat" cmpd="sng" algn="ctr">
+        <a:solidFill>
+          <a:schemeClr val="dk1">
+            <a:lumMod val="25000"/>
+            <a:lumOff val="75000"/>
+          </a:schemeClr>
+        </a:solidFill>
+        <a:round/>
+      </a:ln>
+    </cs:spPr>
+    <cs:defRPr sz="1197" kern="1200"/>
+  </cs:chartArea>
+  <cs:dataLabel>
+    <cs:lnRef idx="0"/>
+    <cs:fillRef idx="0"/>
+    <cs:effectRef idx="0"/>
+    <cs:fontRef idx="minor">
+      <a:schemeClr val="lt1"/>
+    </cs:fontRef>
+    <cs:spPr>
+      <a:pattFill prst="pct75">
+        <a:fgClr>
+          <a:schemeClr val="dk1">
+            <a:lumMod val="75000"/>
+            <a:lumOff val="25000"/>
+          </a:schemeClr>
+        </a:fgClr>
+        <a:bgClr>
+          <a:schemeClr val="dk1">
+            <a:lumMod val="65000"/>
+            <a:lumOff val="35000"/>
+          </a:schemeClr>
+        </a:bgClr>
+      </a:pattFill>
+      <a:effectLst>
+        <a:outerShdw blurRad="50800" dist="38100" dir="2700000" algn="tl" rotWithShape="0">
+          <a:prstClr val="black">
+            <a:alpha val="40000"/>
+          </a:prstClr>
+        </a:outerShdw>
+      </a:effectLst>
+    </cs:spPr>
+    <cs:defRPr sz="1330" b="1" i="0" u="none" strike="noStrike" kern="1200" baseline="0"/>
+  </cs:dataLabel>
+  <cs:dataLabelCallout>
+    <cs:lnRef idx="0"/>
+    <cs:fillRef idx="0"/>
+    <cs:effectRef idx="0"/>
+    <cs:fontRef idx="minor">
+      <a:schemeClr val="lt1"/>
+    </cs:fontRef>
+    <cs:spPr>
+      <a:pattFill prst="pct75">
+        <a:fgClr>
+          <a:schemeClr val="dk1">
+            <a:lumMod val="75000"/>
+            <a:lumOff val="25000"/>
+          </a:schemeClr>
+        </a:fgClr>
+        <a:bgClr>
+          <a:schemeClr val="dk1">
+            <a:lumMod val="65000"/>
+            <a:lumOff val="35000"/>
+          </a:schemeClr>
+        </a:bgClr>
+      </a:pattFill>
+      <a:effectLst>
+        <a:outerShdw blurRad="50800" dist="38100" dir="2700000" algn="tl" rotWithShape="0">
+          <a:prstClr val="black">
+            <a:alpha val="40000"/>
+          </a:prstClr>
+        </a:outerShdw>
+      </a:effectLst>
+    </cs:spPr>
+    <cs:defRPr sz="1330" b="1" i="0" u="none" strike="noStrike" kern="1200" baseline="0"/>
+    <cs:bodyPr rot="0" spcFirstLastPara="1" vertOverflow="clip" horzOverflow="clip" vert="horz" wrap="square" lIns="36576" tIns="18288" rIns="36576" bIns="18288" anchor="ctr" anchorCtr="1">
+      <a:spAutoFit/>
+    </cs:bodyPr>
+  </cs:dataLabelCallout>
+  <cs:dataPoint>
+    <cs:lnRef idx="0"/>
+    <cs:fillRef idx="0">
+      <cs:styleClr val="auto"/>
+    </cs:fillRef>
+    <cs:effectRef idx="0"/>
+    <cs:fontRef idx="minor">
+      <a:schemeClr val="dk1"/>
+    </cs:fontRef>
+    <cs:spPr>
+      <a:solidFill>
+        <a:schemeClr val="phClr"/>
+      </a:solidFill>
+      <a:effectLst>
+        <a:outerShdw blurRad="254000" sx="102000" sy="102000" algn="ctr" rotWithShape="0">
+          <a:prstClr val="black">
+            <a:alpha val="20000"/>
+          </a:prstClr>
+        </a:outerShdw>
+      </a:effectLst>
+    </cs:spPr>
+  </cs:dataPoint>
+  <cs:dataPoint3D>
+    <cs:lnRef idx="0"/>
+    <cs:fillRef idx="0">
+      <cs:styleClr val="auto"/>
+    </cs:fillRef>
+    <cs:effectRef idx="0"/>
+    <cs:fontRef idx="minor">
+      <a:schemeClr val="dk1"/>
+    </cs:fontRef>
+    <cs:spPr>
+      <a:solidFill>
+        <a:schemeClr val="phClr"/>
+      </a:solidFill>
+      <a:effectLst>
+        <a:outerShdw blurRad="254000" sx="102000" sy="102000" algn="ctr" rotWithShape="0">
+          <a:prstClr val="black">
+            <a:alpha val="20000"/>
+          </a:prstClr>
+        </a:outerShdw>
+      </a:effectLst>
+    </cs:spPr>
+  </cs:dataPoint3D>
+  <cs:dataPointLine>
+    <cs:lnRef idx="0">
+      <cs:styleClr val="auto"/>
+    </cs:lnRef>
+    <cs:fillRef idx="0"/>
+    <cs:effectRef idx="0"/>
+    <cs:fontRef idx="minor">
+      <a:schemeClr val="dk1"/>
+    </cs:fontRef>
+    <cs:spPr>
+      <a:ln w="31750" cap="rnd">
+        <a:solidFill>
+          <a:schemeClr val="phClr">
+            <a:alpha val="85000"/>
+          </a:schemeClr>
+        </a:solidFill>
+        <a:round/>
+      </a:ln>
+    </cs:spPr>
+  </cs:dataPointLine>
+  <cs:dataPointMarker>
+    <cs:lnRef idx="0"/>
+    <cs:fillRef idx="0">
+      <cs:styleClr val="auto"/>
+    </cs:fillRef>
+    <cs:effectRef idx="0"/>
+    <cs:fontRef idx="minor">
+      <a:schemeClr val="dk1"/>
+    </cs:fontRef>
+    <cs:spPr>
+      <a:solidFill>
+        <a:schemeClr val="phClr">
+          <a:alpha val="85000"/>
+        </a:schemeClr>
+      </a:solidFill>
+    </cs:spPr>
+  </cs:dataPointMarker>
+  <cs:dataPointMarkerLayout symbol="circle" size="6"/>
+  <cs:dataPointWireframe>
+    <cs:lnRef idx="0">
+      <cs:styleClr val="auto"/>
+    </cs:lnRef>
+    <cs:fillRef idx="0"/>
+    <cs:effectRef idx="0"/>
+    <cs:fontRef idx="minor">
+      <a:schemeClr val="dk1"/>
+    </cs:fontRef>
+    <cs:spPr>
+      <a:ln w="9525" cap="rnd">
+        <a:solidFill>
+          <a:schemeClr val="phClr"/>
+        </a:solidFill>
+        <a:round/>
+      </a:ln>
+    </cs:spPr>
+  </cs:dataPointWireframe>
+  <cs:dataTable>
+    <cs:lnRef idx="0"/>
+    <cs:fillRef idx="0"/>
+    <cs:effectRef idx="0"/>
+    <cs:fontRef idx="minor">
+      <a:schemeClr val="dk1">
+        <a:lumMod val="75000"/>
+        <a:lumOff val="25000"/>
+      </a:schemeClr>
+    </cs:fontRef>
+    <cs:spPr>
+      <a:ln w="9525">
+        <a:solidFill>
+          <a:schemeClr val="dk1">
+            <a:lumMod val="35000"/>
+            <a:lumOff val="65000"/>
+          </a:schemeClr>
+        </a:solidFill>
+      </a:ln>
+    </cs:spPr>
+    <cs:defRPr sz="1197" kern="1200"/>
+  </cs:dataTable>
+  <cs:downBar>
+    <cs:lnRef idx="0"/>
+    <cs:fillRef idx="0"/>
+    <cs:effectRef idx="0"/>
+    <cs:fontRef idx="minor">
+      <a:schemeClr val="dk1"/>
+    </cs:fontRef>
+    <cs:spPr>
+      <a:solidFill>
+        <a:schemeClr val="dk1">
+          <a:lumMod val="50000"/>
+          <a:lumOff val="50000"/>
+        </a:schemeClr>
+      </a:solidFill>
+      <a:ln w="9525">
+        <a:solidFill>
+          <a:schemeClr val="dk1">
+            <a:lumMod val="65000"/>
+            <a:lumOff val="35000"/>
+          </a:schemeClr>
+        </a:solidFill>
+      </a:ln>
+    </cs:spPr>
+  </cs:downBar>
+  <cs:dropLine>
+    <cs:lnRef idx="0"/>
+    <cs:fillRef idx="0"/>
+    <cs:effectRef idx="0"/>
+    <cs:fontRef idx="minor">
+      <a:schemeClr val="dk1"/>
+    </cs:fontRef>
+    <cs:spPr>
+      <a:ln w="9525">
+        <a:solidFill>
+          <a:schemeClr val="dk1">
+            <a:lumMod val="35000"/>
+            <a:lumOff val="65000"/>
+          </a:schemeClr>
+        </a:solidFill>
+        <a:prstDash val="dash"/>
+      </a:ln>
+    </cs:spPr>
+  </cs:dropLine>
+  <cs:errorBar>
+    <cs:lnRef idx="0"/>
+    <cs:fillRef idx="0"/>
+    <cs:effectRef idx="0"/>
+    <cs:fontRef idx="minor">
+      <a:schemeClr val="dk1"/>
+    </cs:fontRef>
+    <cs:spPr>
+      <a:ln w="9525">
+        <a:solidFill>
+          <a:schemeClr val="dk1">
+            <a:lumMod val="65000"/>
+            <a:lumOff val="35000"/>
+          </a:schemeClr>
+        </a:solidFill>
+        <a:round/>
+      </a:ln>
+    </cs:spPr>
+  </cs:errorBar>
+  <cs:floor>
+    <cs:lnRef idx="0"/>
+    <cs:fillRef idx="0"/>
+    <cs:effectRef idx="0"/>
+    <cs:fontRef idx="minor">
+      <a:schemeClr val="dk1"/>
+    </cs:fontRef>
+  </cs:floor>
+  <cs:gridlineMajor>
+    <cs:lnRef idx="0"/>
+    <cs:fillRef idx="0"/>
+    <cs:effectRef idx="0"/>
+    <cs:fontRef idx="minor">
+      <a:schemeClr val="dk1"/>
+    </cs:fontRef>
+    <cs:spPr>
+      <a:ln w="9525" cap="flat" cmpd="sng" algn="ctr">
+        <a:gradFill>
+          <a:gsLst>
+            <a:gs pos="100000">
+              <a:schemeClr val="dk1">
+                <a:lumMod val="95000"/>
+                <a:lumOff val="5000"/>
+                <a:alpha val="42000"/>
+              </a:schemeClr>
+            </a:gs>
+            <a:gs pos="0">
+              <a:schemeClr val="lt1">
+                <a:lumMod val="75000"/>
+                <a:alpha val="36000"/>
+              </a:schemeClr>
+            </a:gs>
+          </a:gsLst>
+          <a:lin ang="5400000" scaled="0"/>
+        </a:gradFill>
+        <a:round/>
+      </a:ln>
+    </cs:spPr>
+  </cs:gridlineMajor>
+  <cs:gridlineMinor>
+    <cs:lnRef idx="0"/>
+    <cs:fillRef idx="0"/>
+    <cs:effectRef idx="0"/>
+    <cs:fontRef idx="minor">
+      <a:schemeClr val="dk1"/>
+    </cs:fontRef>
+    <cs:spPr>
+      <a:ln>
+        <a:gradFill>
+          <a:gsLst>
+            <a:gs pos="100000">
+              <a:schemeClr val="dk1">
+                <a:lumMod val="95000"/>
+                <a:lumOff val="5000"/>
+                <a:alpha val="42000"/>
+              </a:schemeClr>
+            </a:gs>
+            <a:gs pos="0">
+              <a:schemeClr val="lt1">
+                <a:lumMod val="75000"/>
+                <a:alpha val="36000"/>
+              </a:schemeClr>
+            </a:gs>
+          </a:gsLst>
+          <a:lin ang="5400000" scaled="0"/>
+        </a:gradFill>
+      </a:ln>
+    </cs:spPr>
+  </cs:gridlineMinor>
+  <cs:hiLoLine>
+    <cs:lnRef idx="0"/>
+    <cs:fillRef idx="0"/>
+    <cs:effectRef idx="0"/>
+    <cs:fontRef idx="minor">
+      <a:schemeClr val="dk1"/>
+    </cs:fontRef>
+    <cs:spPr>
+      <a:ln w="9525">
+        <a:solidFill>
+          <a:schemeClr val="dk1">
+            <a:lumMod val="35000"/>
+            <a:lumOff val="65000"/>
+          </a:schemeClr>
+        </a:solidFill>
+        <a:prstDash val="dash"/>
+      </a:ln>
+    </cs:spPr>
+  </cs:hiLoLine>
+  <cs:leaderLine>
+    <cs:lnRef idx="0"/>
+    <cs:fillRef idx="0"/>
+    <cs:effectRef idx="0"/>
+    <cs:fontRef idx="minor">
+      <a:schemeClr val="dk1"/>
+    </cs:fontRef>
+    <cs:spPr>
+      <a:ln w="9525">
+        <a:solidFill>
+          <a:schemeClr val="dk1">
+            <a:lumMod val="50000"/>
+            <a:lumOff val="50000"/>
+          </a:schemeClr>
+        </a:solidFill>
+      </a:ln>
+    </cs:spPr>
+  </cs:leaderLine>
+  <cs:legend>
+    <cs:lnRef idx="0"/>
+    <cs:fillRef idx="0"/>
+    <cs:effectRef idx="0"/>
+    <cs:fontRef idx="minor">
+      <a:schemeClr val="dk1">
+        <a:lumMod val="75000"/>
+        <a:lumOff val="25000"/>
+      </a:schemeClr>
+    </cs:fontRef>
+    <cs:spPr>
+      <a:solidFill>
+        <a:schemeClr val="lt1">
+          <a:lumMod val="95000"/>
+          <a:alpha val="39000"/>
+        </a:schemeClr>
+      </a:solidFill>
+    </cs:spPr>
+    <cs:defRPr sz="1197" kern="1200"/>
+  </cs:legend>
+  <cs:plotArea>
+    <cs:lnRef idx="0"/>
+    <cs:fillRef idx="0"/>
+    <cs:effectRef idx="0"/>
+    <cs:fontRef idx="minor">
+      <a:schemeClr val="dk1"/>
+    </cs:fontRef>
+  </cs:plotArea>
+  <cs:plotArea3D>
+    <cs:lnRef idx="0"/>
+    <cs:fillRef idx="0"/>
+    <cs:effectRef idx="0"/>
+    <cs:fontRef idx="minor">
+      <a:schemeClr val="dk1"/>
+    </cs:fontRef>
+  </cs:plotArea3D>
+  <cs:seriesAxis>
+    <cs:lnRef idx="0"/>
+    <cs:fillRef idx="0"/>
+    <cs:effectRef idx="0"/>
+    <cs:fontRef idx="minor">
+      <a:schemeClr val="dk1">
+        <a:lumMod val="75000"/>
+        <a:lumOff val="25000"/>
+      </a:schemeClr>
+    </cs:fontRef>
+    <cs:spPr>
+      <a:ln w="31750" cap="flat" cmpd="sng" algn="ctr">
+        <a:solidFill>
+          <a:schemeClr val="dk1">
+            <a:lumMod val="75000"/>
+            <a:lumOff val="25000"/>
+          </a:schemeClr>
+        </a:solidFill>
+        <a:round/>
+      </a:ln>
+    </cs:spPr>
+    <cs:defRPr sz="1197" kern="1200"/>
+  </cs:seriesAxis>
+  <cs:seriesLine>
+    <cs:lnRef idx="0"/>
+    <cs:fillRef idx="0"/>
+    <cs:effectRef idx="0"/>
+    <cs:fontRef idx="minor">
+      <a:schemeClr val="dk1"/>
+    </cs:fontRef>
+    <cs:spPr>
+      <a:ln w="9525">
+        <a:solidFill>
+          <a:schemeClr val="dk1">
+            <a:lumMod val="50000"/>
+            <a:lumOff val="50000"/>
+          </a:schemeClr>
+        </a:solidFill>
+        <a:round/>
+      </a:ln>
+    </cs:spPr>
+  </cs:seriesLine>
+  <cs:title>
+    <cs:lnRef idx="0"/>
+    <cs:fillRef idx="0"/>
+    <cs:effectRef idx="0"/>
+    <cs:fontRef idx="minor">
+      <a:schemeClr val="dk1">
+        <a:lumMod val="75000"/>
+        <a:lumOff val="25000"/>
+      </a:schemeClr>
+    </cs:fontRef>
+    <cs:defRPr sz="2200" b="1" kern="1200" baseline="0"/>
+  </cs:title>
+  <cs:trendline>
+    <cs:lnRef idx="0">
+      <cs:styleClr val="auto"/>
+    </cs:lnRef>
+    <cs:fillRef idx="0"/>
+    <cs:effectRef idx="0"/>
+    <cs:fontRef idx="minor">
+      <a:schemeClr val="dk1"/>
+    </cs:fontRef>
+    <cs:spPr>
+      <a:ln w="19050" cap="rnd">
+        <a:solidFill>
+          <a:schemeClr val="phClr"/>
+        </a:solidFill>
+      </a:ln>
+    </cs:spPr>
+  </cs:trendline>
+  <cs:trendlineLabel>
+    <cs:lnRef idx="0"/>
+    <cs:fillRef idx="0"/>
+    <cs:effectRef idx="0"/>
+    <cs:fontRef idx="minor">
+      <a:schemeClr val="dk1">
+        <a:lumMod val="75000"/>
+        <a:lumOff val="25000"/>
+      </a:schemeClr>
+    </cs:fontRef>
+    <cs:defRPr sz="1197" kern="1200"/>
+  </cs:trendlineLabel>
+  <cs:upBar>
+    <cs:lnRef idx="0"/>
+    <cs:fillRef idx="0"/>
+    <cs:effectRef idx="0"/>
+    <cs:fontRef idx="minor">
+      <a:schemeClr val="dk1"/>
+    </cs:fontRef>
+    <cs:spPr>
+      <a:solidFill>
+        <a:schemeClr val="lt1"/>
+      </a:solidFill>
+      <a:ln w="9525">
+        <a:solidFill>
+          <a:schemeClr val="dk1">
+            <a:lumMod val="65000"/>
+            <a:lumOff val="35000"/>
+          </a:schemeClr>
+        </a:solidFill>
+      </a:ln>
+    </cs:spPr>
+  </cs:upBar>
+  <cs:valueAxis>
+    <cs:lnRef idx="0"/>
+    <cs:fillRef idx="0"/>
+    <cs:effectRef idx="0"/>
+    <cs:fontRef idx="minor">
+      <a:schemeClr val="dk1">
+        <a:lumMod val="75000"/>
+        <a:lumOff val="25000"/>
+      </a:schemeClr>
+    </cs:fontRef>
+    <cs:spPr>
+      <a:ln>
+        <a:noFill/>
+      </a:ln>
+    </cs:spPr>
+    <cs:defRPr sz="1197" kern="1200"/>
+  </cs:valueAxis>
+  <cs:wall>
+    <cs:lnRef idx="0"/>
+    <cs:fillRef idx="0"/>
+    <cs:effectRef idx="0"/>
+    <cs:fontRef idx="minor">
+      <a:schemeClr val="dk1"/>
+    </cs:fontRef>
+  </cs:wall>
+</cs:chartStyle>
 </file>
 
 <file path=ppt/diagrams/colors1.xml><?xml version="1.0" encoding="utf-8"?>
@@ -1826,30 +2881,18 @@
             <a:defRPr b="1"/>
           </a:pPr>
           <a:r>
-            <a:rPr lang="en-GB" dirty="0"/>
-            <a:t>Ekow Asante</a:t>
-          </a:r>
-        </a:p>
-        <a:p>
-          <a:pPr>
-            <a:lnSpc>
-              <a:spcPct val="100000"/>
-            </a:lnSpc>
-            <a:defRPr b="1"/>
-          </a:pPr>
-          <a:r>
-            <a:rPr lang="en-GB" dirty="0"/>
-            <a:t> (Founder of </a:t>
-          </a:r>
-          <a:r>
             <a:rPr lang="en-GB" dirty="0" err="1"/>
-            <a:t>noCAP</a:t>
+            <a:t>Ekow</a:t>
           </a:r>
           <a:r>
             <a:rPr lang="en-GB" dirty="0"/>
-            <a:t> plc)</a:t>
+            <a:t> </a:t>
           </a:r>
-          <a:endParaRPr lang="en-US" dirty="0"/>
+          <a:r>
+            <a:rPr lang="en-GB" dirty="0" smtClean="0"/>
+            <a:t>Asante</a:t>
+          </a:r>
+          <a:endParaRPr lang="en-GB" dirty="0"/>
         </a:p>
       </dgm:t>
     </dgm:pt>
@@ -1973,10 +3016,18 @@
             </a:lnSpc>
           </a:pPr>
           <a:r>
-            <a:rPr lang="en-GB"/>
-            <a:t>Recommendations based on preferences</a:t>
+            <a:rPr lang="en-GB" dirty="0"/>
+            <a:t>Recommendations based </a:t>
           </a:r>
-          <a:endParaRPr lang="en-US"/>
+          <a:r>
+            <a:rPr lang="en-GB" dirty="0" smtClean="0"/>
+            <a:t>on user </a:t>
+          </a:r>
+          <a:r>
+            <a:rPr lang="en-GB" dirty="0"/>
+            <a:t>preferences</a:t>
+          </a:r>
+          <a:endParaRPr lang="en-US" dirty="0"/>
         </a:p>
       </dgm:t>
     </dgm:pt>
@@ -2010,6 +3061,13 @@
         </dgm:presLayoutVars>
       </dgm:prSet>
       <dgm:spPr/>
+      <dgm:t>
+        <a:bodyPr/>
+        <a:lstStyle/>
+        <a:p>
+          <a:endParaRPr lang="en-US"/>
+        </a:p>
+      </dgm:t>
     </dgm:pt>
     <dgm:pt modelId="{08A8B1D8-E150-4F52-83A8-24C855316C4E}" type="pres">
       <dgm:prSet presAssocID="{42B278D2-49C9-4B0E-BD83-072F9BBA413C}" presName="compNode" presStyleCnt="0"/>
@@ -2025,7 +3083,7 @@
                 <a14:useLocalDpi xmlns:a14="http://schemas.microsoft.com/office/drawing/2010/main" val="0"/>
               </a:ext>
               <a:ext uri="{96DAC541-7B7A-43D3-8B79-37D633B846F1}">
-                <asvg:svgBlip xmlns:asvg="http://schemas.microsoft.com/office/drawing/2016/SVG/main" r:embed="rId2"/>
+                <asvg:svgBlip xmlns:asvg="http://schemas.microsoft.com/office/drawing/2016/SVG/main" xmlns="" r:embed="rId2"/>
               </a:ext>
             </a:extLst>
           </a:blip>
@@ -2053,6 +3111,13 @@
         </dgm:presLayoutVars>
       </dgm:prSet>
       <dgm:spPr/>
+      <dgm:t>
+        <a:bodyPr/>
+        <a:lstStyle/>
+        <a:p>
+          <a:endParaRPr lang="en-US"/>
+        </a:p>
+      </dgm:t>
     </dgm:pt>
     <dgm:pt modelId="{2B3DA405-3F61-43E2-870E-CC52E011E481}" type="pres">
       <dgm:prSet presAssocID="{42B278D2-49C9-4B0E-BD83-072F9BBA413C}" presName="txSpace" presStyleCnt="0"/>
@@ -2082,7 +3147,7 @@
                 <a14:useLocalDpi xmlns:a14="http://schemas.microsoft.com/office/drawing/2010/main" val="0"/>
               </a:ext>
               <a:ext uri="{96DAC541-7B7A-43D3-8B79-37D633B846F1}">
-                <asvg:svgBlip xmlns:asvg="http://schemas.microsoft.com/office/drawing/2016/SVG/main" r:embed="rId4"/>
+                <asvg:svgBlip xmlns:asvg="http://schemas.microsoft.com/office/drawing/2016/SVG/main" xmlns="" r:embed="rId4"/>
               </a:ext>
             </a:extLst>
           </a:blip>
@@ -2109,6 +3174,13 @@
         </dgm:presLayoutVars>
       </dgm:prSet>
       <dgm:spPr/>
+      <dgm:t>
+        <a:bodyPr/>
+        <a:lstStyle/>
+        <a:p>
+          <a:endParaRPr lang="en-US"/>
+        </a:p>
+      </dgm:t>
     </dgm:pt>
     <dgm:pt modelId="{4F389211-6BBA-4946-8166-A5860564A0C4}" type="pres">
       <dgm:prSet presAssocID="{DB053FF7-965B-4C8D-A924-28D510714457}" presName="txSpace" presStyleCnt="0"/>
@@ -2119,18 +3191,25 @@
         <dgm:presLayoutVars/>
       </dgm:prSet>
       <dgm:spPr/>
+      <dgm:t>
+        <a:bodyPr/>
+        <a:lstStyle/>
+        <a:p>
+          <a:endParaRPr lang="en-US"/>
+        </a:p>
+      </dgm:t>
     </dgm:pt>
   </dgm:ptLst>
   <dgm:cxnLst>
+    <dgm:cxn modelId="{166EC457-A58E-438C-8EEB-7AB50EC2B25D}" srcId="{DB053FF7-965B-4C8D-A924-28D510714457}" destId="{F46763B5-2BC4-4684-8F9D-6699E2F4858A}" srcOrd="0" destOrd="0" parTransId="{DEF05DA6-8232-4C61-B333-DC40A0E80314}" sibTransId="{E2BC9EA4-1EB5-46C1-BD35-D75CE6A8013C}"/>
+    <dgm:cxn modelId="{F797422D-0E61-4BA7-8F6E-71B377149379}" srcId="{53B98F06-CE18-4F60-BCAB-7FA99DA4996B}" destId="{42B278D2-49C9-4B0E-BD83-072F9BBA413C}" srcOrd="0" destOrd="0" parTransId="{4FF5B97E-AE96-4A93-98D8-5C8950E9688E}" sibTransId="{1041BA86-FB41-40F5-8651-7CA09D9BBCA8}"/>
+    <dgm:cxn modelId="{E0AB5AE1-A7D8-497B-B1E1-8CB57DD70C96}" type="presOf" srcId="{DB053FF7-965B-4C8D-A924-28D510714457}" destId="{395475C4-01DA-4858-95BB-F3EDF750FF68}" srcOrd="0" destOrd="0" presId="urn:microsoft.com/office/officeart/2018/5/layout/CenteredIconLabelDescriptionList"/>
+    <dgm:cxn modelId="{F19BD374-AF9D-48CE-B2E1-F76E7A888BBC}" type="presOf" srcId="{53B98F06-CE18-4F60-BCAB-7FA99DA4996B}" destId="{AED30FC8-00BC-4A54-A102-B6E3E6D434F2}" srcOrd="0" destOrd="0" presId="urn:microsoft.com/office/officeart/2018/5/layout/CenteredIconLabelDescriptionList"/>
+    <dgm:cxn modelId="{7DC0B565-116C-45BB-88A1-B59F7B3EC547}" type="presOf" srcId="{42B278D2-49C9-4B0E-BD83-072F9BBA413C}" destId="{D31A0FE3-D7BC-4BFB-8BAC-6D5E936890D4}" srcOrd="0" destOrd="0" presId="urn:microsoft.com/office/officeart/2018/5/layout/CenteredIconLabelDescriptionList"/>
+    <dgm:cxn modelId="{C6AA908D-A768-4DB5-871E-7AC265674ABE}" type="presOf" srcId="{F46763B5-2BC4-4684-8F9D-6699E2F4858A}" destId="{B285604C-BA14-4C23-B496-BBC4F659B871}" srcOrd="0" destOrd="0" presId="urn:microsoft.com/office/officeart/2018/5/layout/CenteredIconLabelDescriptionList"/>
+    <dgm:cxn modelId="{82423F73-9D3B-4878-9265-6278A324673D}" srcId="{53B98F06-CE18-4F60-BCAB-7FA99DA4996B}" destId="{DB053FF7-965B-4C8D-A924-28D510714457}" srcOrd="1" destOrd="0" parTransId="{7DDF392C-DB31-430A-B0D9-64B8298B0274}" sibTransId="{1D0A332E-AD77-4150-9002-603EE546485C}"/>
+    <dgm:cxn modelId="{7CD7ECFA-80F0-46FE-9A7B-3205E801B9FF}" type="presOf" srcId="{4BAA3F71-D8AD-4243-873D-0973A4907A9C}" destId="{B285604C-BA14-4C23-B496-BBC4F659B871}" srcOrd="0" destOrd="1" presId="urn:microsoft.com/office/officeart/2018/5/layout/CenteredIconLabelDescriptionList"/>
     <dgm:cxn modelId="{34C28F05-0E90-4D18-9B69-F231775248C8}" srcId="{DB053FF7-965B-4C8D-A924-28D510714457}" destId="{4BAA3F71-D8AD-4243-873D-0973A4907A9C}" srcOrd="1" destOrd="0" parTransId="{2686F941-15E0-4D45-8EEF-7A8EC5AA3E5D}" sibTransId="{BA012605-EE7B-4D70-8DEB-C386CE5825CC}"/>
-    <dgm:cxn modelId="{F797422D-0E61-4BA7-8F6E-71B377149379}" srcId="{53B98F06-CE18-4F60-BCAB-7FA99DA4996B}" destId="{42B278D2-49C9-4B0E-BD83-072F9BBA413C}" srcOrd="0" destOrd="0" parTransId="{4FF5B97E-AE96-4A93-98D8-5C8950E9688E}" sibTransId="{1041BA86-FB41-40F5-8651-7CA09D9BBCA8}"/>
-    <dgm:cxn modelId="{7DC0B565-116C-45BB-88A1-B59F7B3EC547}" type="presOf" srcId="{42B278D2-49C9-4B0E-BD83-072F9BBA413C}" destId="{D31A0FE3-D7BC-4BFB-8BAC-6D5E936890D4}" srcOrd="0" destOrd="0" presId="urn:microsoft.com/office/officeart/2018/5/layout/CenteredIconLabelDescriptionList"/>
-    <dgm:cxn modelId="{82423F73-9D3B-4878-9265-6278A324673D}" srcId="{53B98F06-CE18-4F60-BCAB-7FA99DA4996B}" destId="{DB053FF7-965B-4C8D-A924-28D510714457}" srcOrd="1" destOrd="0" parTransId="{7DDF392C-DB31-430A-B0D9-64B8298B0274}" sibTransId="{1D0A332E-AD77-4150-9002-603EE546485C}"/>
-    <dgm:cxn modelId="{F19BD374-AF9D-48CE-B2E1-F76E7A888BBC}" type="presOf" srcId="{53B98F06-CE18-4F60-BCAB-7FA99DA4996B}" destId="{AED30FC8-00BC-4A54-A102-B6E3E6D434F2}" srcOrd="0" destOrd="0" presId="urn:microsoft.com/office/officeart/2018/5/layout/CenteredIconLabelDescriptionList"/>
-    <dgm:cxn modelId="{166EC457-A58E-438C-8EEB-7AB50EC2B25D}" srcId="{DB053FF7-965B-4C8D-A924-28D510714457}" destId="{F46763B5-2BC4-4684-8F9D-6699E2F4858A}" srcOrd="0" destOrd="0" parTransId="{DEF05DA6-8232-4C61-B333-DC40A0E80314}" sibTransId="{E2BC9EA4-1EB5-46C1-BD35-D75CE6A8013C}"/>
-    <dgm:cxn modelId="{C6AA908D-A768-4DB5-871E-7AC265674ABE}" type="presOf" srcId="{F46763B5-2BC4-4684-8F9D-6699E2F4858A}" destId="{B285604C-BA14-4C23-B496-BBC4F659B871}" srcOrd="0" destOrd="0" presId="urn:microsoft.com/office/officeart/2018/5/layout/CenteredIconLabelDescriptionList"/>
-    <dgm:cxn modelId="{E0AB5AE1-A7D8-497B-B1E1-8CB57DD70C96}" type="presOf" srcId="{DB053FF7-965B-4C8D-A924-28D510714457}" destId="{395475C4-01DA-4858-95BB-F3EDF750FF68}" srcOrd="0" destOrd="0" presId="urn:microsoft.com/office/officeart/2018/5/layout/CenteredIconLabelDescriptionList"/>
-    <dgm:cxn modelId="{7CD7ECFA-80F0-46FE-9A7B-3205E801B9FF}" type="presOf" srcId="{4BAA3F71-D8AD-4243-873D-0973A4907A9C}" destId="{B285604C-BA14-4C23-B496-BBC4F659B871}" srcOrd="0" destOrd="1" presId="urn:microsoft.com/office/officeart/2018/5/layout/CenteredIconLabelDescriptionList"/>
     <dgm:cxn modelId="{8BD2BBCC-FDFC-45B8-A7E2-C504E30A9206}" type="presParOf" srcId="{AED30FC8-00BC-4A54-A102-B6E3E6D434F2}" destId="{08A8B1D8-E150-4F52-83A8-24C855316C4E}" srcOrd="0" destOrd="0" presId="urn:microsoft.com/office/officeart/2018/5/layout/CenteredIconLabelDescriptionList"/>
     <dgm:cxn modelId="{BD804ED3-6A35-4595-B3BB-29CE6D9D11AA}" type="presParOf" srcId="{08A8B1D8-E150-4F52-83A8-24C855316C4E}" destId="{F715C62E-D7BC-4462-8799-D79A302F4BCA}" srcOrd="0" destOrd="0" presId="urn:microsoft.com/office/officeart/2018/5/layout/CenteredIconLabelDescriptionList"/>
     <dgm:cxn modelId="{0179EF3D-013E-42B3-B629-138DC767813A}" type="presParOf" srcId="{08A8B1D8-E150-4F52-83A8-24C855316C4E}" destId="{A4F1BDF4-37CC-43C4-BAA2-EDDA16C18465}" srcOrd="1" destOrd="0" presId="urn:microsoft.com/office/officeart/2018/5/layout/CenteredIconLabelDescriptionList"/>
@@ -2337,6 +3416,13 @@
         </dgm:presLayoutVars>
       </dgm:prSet>
       <dgm:spPr/>
+      <dgm:t>
+        <a:bodyPr/>
+        <a:lstStyle/>
+        <a:p>
+          <a:endParaRPr lang="en-US"/>
+        </a:p>
+      </dgm:t>
     </dgm:pt>
     <dgm:pt modelId="{ECF76FDD-04BE-46EC-892D-29D4DCD97562}" type="pres">
       <dgm:prSet presAssocID="{A1EA77C4-2F19-4480-B9B7-AE0AF7CB4AF7}" presName="compNode" presStyleCnt="0"/>
@@ -2356,7 +3442,7 @@
                 <a14:useLocalDpi xmlns:a14="http://schemas.microsoft.com/office/drawing/2010/main" val="0"/>
               </a:ext>
               <a:ext uri="{96DAC541-7B7A-43D3-8B79-37D633B846F1}">
-                <asvg:svgBlip xmlns:asvg="http://schemas.microsoft.com/office/drawing/2016/SVG/main" r:embed="rId2"/>
+                <asvg:svgBlip xmlns:asvg="http://schemas.microsoft.com/office/drawing/2016/SVG/main" xmlns="" r:embed="rId2"/>
               </a:ext>
             </a:extLst>
           </a:blip>
@@ -2386,6 +3472,13 @@
         </dgm:presLayoutVars>
       </dgm:prSet>
       <dgm:spPr/>
+      <dgm:t>
+        <a:bodyPr/>
+        <a:lstStyle/>
+        <a:p>
+          <a:endParaRPr lang="en-US"/>
+        </a:p>
+      </dgm:t>
     </dgm:pt>
     <dgm:pt modelId="{34FD46A2-55CF-4DA3-9D71-134292E158D9}" type="pres">
       <dgm:prSet presAssocID="{C33AD4E5-9D22-4E6E-8789-4417768EE443}" presName="sibTrans" presStyleCnt="0"/>
@@ -2409,7 +3502,7 @@
                 <a14:useLocalDpi xmlns:a14="http://schemas.microsoft.com/office/drawing/2010/main" val="0"/>
               </a:ext>
               <a:ext uri="{96DAC541-7B7A-43D3-8B79-37D633B846F1}">
-                <asvg:svgBlip xmlns:asvg="http://schemas.microsoft.com/office/drawing/2016/SVG/main" r:embed="rId4"/>
+                <asvg:svgBlip xmlns:asvg="http://schemas.microsoft.com/office/drawing/2016/SVG/main" xmlns="" r:embed="rId4"/>
               </a:ext>
             </a:extLst>
           </a:blip>
@@ -2439,6 +3532,13 @@
         </dgm:presLayoutVars>
       </dgm:prSet>
       <dgm:spPr/>
+      <dgm:t>
+        <a:bodyPr/>
+        <a:lstStyle/>
+        <a:p>
+          <a:endParaRPr lang="en-US"/>
+        </a:p>
+      </dgm:t>
     </dgm:pt>
     <dgm:pt modelId="{B03EEF8B-48A1-486A-8BD5-C02435F1294E}" type="pres">
       <dgm:prSet presAssocID="{EFB0BDA3-CD80-40A1-A477-F8DF0F1F9BCD}" presName="sibTrans" presStyleCnt="0"/>
@@ -2462,7 +3562,7 @@
                 <a14:useLocalDpi xmlns:a14="http://schemas.microsoft.com/office/drawing/2010/main" val="0"/>
               </a:ext>
               <a:ext uri="{96DAC541-7B7A-43D3-8B79-37D633B846F1}">
-                <asvg:svgBlip xmlns:asvg="http://schemas.microsoft.com/office/drawing/2016/SVG/main" r:embed="rId4"/>
+                <asvg:svgBlip xmlns:asvg="http://schemas.microsoft.com/office/drawing/2016/SVG/main" xmlns="" r:embed="rId4"/>
               </a:ext>
             </a:extLst>
           </a:blip>
@@ -2488,6 +3588,13 @@
         </dgm:presLayoutVars>
       </dgm:prSet>
       <dgm:spPr/>
+      <dgm:t>
+        <a:bodyPr/>
+        <a:lstStyle/>
+        <a:p>
+          <a:endParaRPr lang="en-US"/>
+        </a:p>
+      </dgm:t>
     </dgm:pt>
     <dgm:pt modelId="{5D8FAFAF-F1E2-4EAD-8C40-3905156F7D87}" type="pres">
       <dgm:prSet presAssocID="{8A8E33BB-3D9F-4220-844F-880C3F97204C}" presName="sibTrans" presStyleCnt="0"/>
@@ -2511,7 +3618,7 @@
                 <a14:useLocalDpi xmlns:a14="http://schemas.microsoft.com/office/drawing/2010/main" val="0"/>
               </a:ext>
               <a:ext uri="{96DAC541-7B7A-43D3-8B79-37D633B846F1}">
-                <asvg:svgBlip xmlns:asvg="http://schemas.microsoft.com/office/drawing/2016/SVG/main" r:embed="rId4"/>
+                <asvg:svgBlip xmlns:asvg="http://schemas.microsoft.com/office/drawing/2016/SVG/main" xmlns="" r:embed="rId4"/>
               </a:ext>
             </a:extLst>
           </a:blip>
@@ -2542,18 +3649,25 @@
         </dgm:presLayoutVars>
       </dgm:prSet>
       <dgm:spPr/>
+      <dgm:t>
+        <a:bodyPr/>
+        <a:lstStyle/>
+        <a:p>
+          <a:endParaRPr lang="en-US"/>
+        </a:p>
+      </dgm:t>
     </dgm:pt>
   </dgm:ptLst>
   <dgm:cxnLst>
+    <dgm:cxn modelId="{BDB388A7-088A-4B4D-861E-05F22CD58ECC}" srcId="{D2390683-873B-4A1F-9C3F-F98F784F8811}" destId="{A1EA77C4-2F19-4480-B9B7-AE0AF7CB4AF7}" srcOrd="0" destOrd="0" parTransId="{F7C88941-3431-4346-B2C8-B2AF65E44AB7}" sibTransId="{C33AD4E5-9D22-4E6E-8789-4417768EE443}"/>
+    <dgm:cxn modelId="{42A98E38-9C3B-420C-ACCE-5CFC50D434F1}" type="presOf" srcId="{D2390683-873B-4A1F-9C3F-F98F784F8811}" destId="{499FFAE5-0CC9-40E1-A73F-ACB30BC2115C}" srcOrd="0" destOrd="0" presId="urn:microsoft.com/office/officeart/2018/5/layout/IconCircleLabelList"/>
     <dgm:cxn modelId="{6AC7821A-573B-452D-96F8-9E02952B31D1}" type="presOf" srcId="{37C4D60F-4651-4866-869B-C945FB6773CF}" destId="{24166831-7CEE-4E80-8B19-F2B1EFD2C520}" srcOrd="0" destOrd="0" presId="urn:microsoft.com/office/officeart/2018/5/layout/IconCircleLabelList"/>
-    <dgm:cxn modelId="{42A98E38-9C3B-420C-ACCE-5CFC50D434F1}" type="presOf" srcId="{D2390683-873B-4A1F-9C3F-F98F784F8811}" destId="{499FFAE5-0CC9-40E1-A73F-ACB30BC2115C}" srcOrd="0" destOrd="0" presId="urn:microsoft.com/office/officeart/2018/5/layout/IconCircleLabelList"/>
+    <dgm:cxn modelId="{4843DBA3-2EC5-4A16-BD0F-A57E5929B06B}" type="presOf" srcId="{1E9D787F-5E74-4602-A8AC-789F023537A4}" destId="{AE9D1809-AED8-4F95-B992-F03E9CECBD6C}" srcOrd="0" destOrd="0" presId="urn:microsoft.com/office/officeart/2018/5/layout/IconCircleLabelList"/>
+    <dgm:cxn modelId="{EB0131BD-CA9F-44DF-9372-AAAAABC8FDE7}" srcId="{D2390683-873B-4A1F-9C3F-F98F784F8811}" destId="{2941F962-9B47-486C-9610-1DD59DE3D2D7}" srcOrd="1" destOrd="0" parTransId="{95421F61-0AB6-41EA-B08E-01BC417FF912}" sibTransId="{EFB0BDA3-CD80-40A1-A477-F8DF0F1F9BCD}"/>
     <dgm:cxn modelId="{209B053C-CECC-40B5-9279-A7D0966A970B}" type="presOf" srcId="{2941F962-9B47-486C-9610-1DD59DE3D2D7}" destId="{0079AAC4-5C7A-420F-BB60-24D2E7FB7DEB}" srcOrd="0" destOrd="0" presId="urn:microsoft.com/office/officeart/2018/5/layout/IconCircleLabelList"/>
+    <dgm:cxn modelId="{74DD17FE-9067-477A-8479-26CCC94BCD0D}" srcId="{D2390683-873B-4A1F-9C3F-F98F784F8811}" destId="{37C4D60F-4651-4866-869B-C945FB6773CF}" srcOrd="2" destOrd="0" parTransId="{A4AD55FE-E38F-497A-99CC-30F4EDEA1620}" sibTransId="{8A8E33BB-3D9F-4220-844F-880C3F97204C}"/>
     <dgm:cxn modelId="{81EEC85B-F9BF-41D4-B40C-8608CBC3C841}" type="presOf" srcId="{A1EA77C4-2F19-4480-B9B7-AE0AF7CB4AF7}" destId="{D6C27E7A-FB0B-4D67-A435-AF58C40F6483}" srcOrd="0" destOrd="0" presId="urn:microsoft.com/office/officeart/2018/5/layout/IconCircleLabelList"/>
     <dgm:cxn modelId="{E4802055-19CF-43BD-AF2F-B42DB5678E88}" srcId="{D2390683-873B-4A1F-9C3F-F98F784F8811}" destId="{1E9D787F-5E74-4602-A8AC-789F023537A4}" srcOrd="3" destOrd="0" parTransId="{15B07DA9-C06D-4948-96DC-4872ACE75FB8}" sibTransId="{A809EB5E-B1B8-4213-B6A2-2EC5072582BC}"/>
-    <dgm:cxn modelId="{4843DBA3-2EC5-4A16-BD0F-A57E5929B06B}" type="presOf" srcId="{1E9D787F-5E74-4602-A8AC-789F023537A4}" destId="{AE9D1809-AED8-4F95-B992-F03E9CECBD6C}" srcOrd="0" destOrd="0" presId="urn:microsoft.com/office/officeart/2018/5/layout/IconCircleLabelList"/>
-    <dgm:cxn modelId="{BDB388A7-088A-4B4D-861E-05F22CD58ECC}" srcId="{D2390683-873B-4A1F-9C3F-F98F784F8811}" destId="{A1EA77C4-2F19-4480-B9B7-AE0AF7CB4AF7}" srcOrd="0" destOrd="0" parTransId="{F7C88941-3431-4346-B2C8-B2AF65E44AB7}" sibTransId="{C33AD4E5-9D22-4E6E-8789-4417768EE443}"/>
-    <dgm:cxn modelId="{EB0131BD-CA9F-44DF-9372-AAAAABC8FDE7}" srcId="{D2390683-873B-4A1F-9C3F-F98F784F8811}" destId="{2941F962-9B47-486C-9610-1DD59DE3D2D7}" srcOrd="1" destOrd="0" parTransId="{95421F61-0AB6-41EA-B08E-01BC417FF912}" sibTransId="{EFB0BDA3-CD80-40A1-A477-F8DF0F1F9BCD}"/>
-    <dgm:cxn modelId="{74DD17FE-9067-477A-8479-26CCC94BCD0D}" srcId="{D2390683-873B-4A1F-9C3F-F98F784F8811}" destId="{37C4D60F-4651-4866-869B-C945FB6773CF}" srcOrd="2" destOrd="0" parTransId="{A4AD55FE-E38F-497A-99CC-30F4EDEA1620}" sibTransId="{8A8E33BB-3D9F-4220-844F-880C3F97204C}"/>
     <dgm:cxn modelId="{409D3859-ADD0-4A67-BD7B-C4653C317664}" type="presParOf" srcId="{499FFAE5-0CC9-40E1-A73F-ACB30BC2115C}" destId="{ECF76FDD-04BE-46EC-892D-29D4DCD97562}" srcOrd="0" destOrd="0" presId="urn:microsoft.com/office/officeart/2018/5/layout/IconCircleLabelList"/>
     <dgm:cxn modelId="{4F34827A-597C-4E45-9F1F-2C63C25ED31E}" type="presParOf" srcId="{ECF76FDD-04BE-46EC-892D-29D4DCD97562}" destId="{7FC1D402-24B5-4665-B936-FB2DD47B49F9}" srcOrd="0" destOrd="0" presId="urn:microsoft.com/office/officeart/2018/5/layout/IconCircleLabelList"/>
     <dgm:cxn modelId="{9B3B1598-B154-4C9D-B9FC-3DA81D1D800E}" type="presParOf" srcId="{ECF76FDD-04BE-46EC-892D-29D4DCD97562}" destId="{44A47B12-BCD9-40EA-BC8E-6C8471499CC8}" srcOrd="1" destOrd="0" presId="urn:microsoft.com/office/officeart/2018/5/layout/IconCircleLabelList"/>
@@ -2603,7 +3717,7 @@
       </dsp:nvSpPr>
       <dsp:spPr>
         <a:xfrm>
-          <a:off x="2153684" y="162733"/>
+          <a:off x="2153684" y="102241"/>
           <a:ext cx="1512000" cy="1512000"/>
         </a:xfrm>
         <a:prstGeom prst="rect">
@@ -2616,7 +3730,7 @@
                 <a14:useLocalDpi xmlns:a14="http://schemas.microsoft.com/office/drawing/2010/main" val="0"/>
               </a:ext>
               <a:ext uri="{96DAC541-7B7A-43D3-8B79-37D633B846F1}">
-                <asvg:svgBlip xmlns:asvg="http://schemas.microsoft.com/office/drawing/2016/SVG/main" r:embed="rId2"/>
+                <asvg:svgBlip xmlns:asvg="http://schemas.microsoft.com/office/drawing/2016/SVG/main" xmlns="" r:embed="rId2"/>
               </a:ext>
             </a:extLst>
           </a:blip>
@@ -2667,7 +3781,7 @@
       </dsp:nvSpPr>
       <dsp:spPr>
         <a:xfrm>
-          <a:off x="749684" y="1807122"/>
+          <a:off x="749684" y="1751832"/>
           <a:ext cx="4320000" cy="648000"/>
         </a:xfrm>
         <a:prstGeom prst="rect">
@@ -2697,7 +3811,7 @@
         </a:bodyPr>
         <a:lstStyle/>
         <a:p>
-          <a:pPr marL="0" lvl="0" indent="0" algn="ctr" defTabSz="755650">
+          <a:pPr lvl="0" algn="ctr" defTabSz="933450">
             <a:lnSpc>
               <a:spcPct val="100000"/>
             </a:lnSpc>
@@ -2707,45 +3821,25 @@
             <a:spcAft>
               <a:spcPct val="35000"/>
             </a:spcAft>
-            <a:buNone/>
             <a:defRPr b="1"/>
           </a:pPr>
           <a:r>
-            <a:rPr lang="en-GB" sz="1700" kern="1200" dirty="0"/>
-            <a:t>Ekow Asante</a:t>
-          </a:r>
-        </a:p>
-        <a:p>
-          <a:pPr marL="0" lvl="0" indent="0" algn="ctr" defTabSz="755650">
-            <a:lnSpc>
-              <a:spcPct val="100000"/>
-            </a:lnSpc>
-            <a:spcBef>
-              <a:spcPct val="0"/>
-            </a:spcBef>
-            <a:spcAft>
-              <a:spcPct val="35000"/>
-            </a:spcAft>
-            <a:buNone/>
-            <a:defRPr b="1"/>
-          </a:pPr>
-          <a:r>
-            <a:rPr lang="en-GB" sz="1700" kern="1200" dirty="0"/>
-            <a:t> (Founder of </a:t>
+            <a:rPr lang="en-GB" sz="2100" kern="1200" dirty="0" err="1"/>
+            <a:t>Ekow</a:t>
           </a:r>
           <a:r>
-            <a:rPr lang="en-GB" sz="1700" kern="1200" dirty="0" err="1"/>
-            <a:t>noCAP</a:t>
+            <a:rPr lang="en-GB" sz="2100" kern="1200" dirty="0"/>
+            <a:t> </a:t>
           </a:r>
           <a:r>
-            <a:rPr lang="en-GB" sz="1700" kern="1200" dirty="0"/>
-            <a:t> plc)</a:t>
+            <a:rPr lang="en-GB" sz="2100" kern="1200" dirty="0" smtClean="0"/>
+            <a:t>Asante</a:t>
           </a:r>
-          <a:endParaRPr lang="en-US" sz="1700" kern="1200" dirty="0"/>
+          <a:endParaRPr lang="en-GB" sz="2100" kern="1200" dirty="0"/>
         </a:p>
       </dsp:txBody>
       <dsp:txXfrm>
-        <a:off x="749684" y="1807122"/>
+        <a:off x="749684" y="1751832"/>
         <a:ext cx="4320000" cy="648000"/>
       </dsp:txXfrm>
     </dsp:sp>
@@ -2756,8 +3850,8 @@
       </dsp:nvSpPr>
       <dsp:spPr>
         <a:xfrm>
-          <a:off x="749684" y="2516698"/>
-          <a:ext cx="4320000" cy="724844"/>
+          <a:off x="749684" y="2463828"/>
+          <a:ext cx="4320000" cy="838207"/>
         </a:xfrm>
         <a:prstGeom prst="rect">
           <a:avLst/>
@@ -2788,7 +3882,7 @@
       </dsp:nvSpPr>
       <dsp:spPr>
         <a:xfrm>
-          <a:off x="7229685" y="162733"/>
+          <a:off x="7229685" y="102241"/>
           <a:ext cx="1512000" cy="1512000"/>
         </a:xfrm>
         <a:prstGeom prst="rect">
@@ -2801,7 +3895,7 @@
                 <a14:useLocalDpi xmlns:a14="http://schemas.microsoft.com/office/drawing/2010/main" val="0"/>
               </a:ext>
               <a:ext uri="{96DAC541-7B7A-43D3-8B79-37D633B846F1}">
-                <asvg:svgBlip xmlns:asvg="http://schemas.microsoft.com/office/drawing/2016/SVG/main" r:embed="rId4"/>
+                <asvg:svgBlip xmlns:asvg="http://schemas.microsoft.com/office/drawing/2016/SVG/main" xmlns="" r:embed="rId4"/>
               </a:ext>
             </a:extLst>
           </a:blip>
@@ -2851,7 +3945,7 @@
       </dsp:nvSpPr>
       <dsp:spPr>
         <a:xfrm>
-          <a:off x="5825684" y="1807122"/>
+          <a:off x="5825684" y="1751832"/>
           <a:ext cx="4320000" cy="648000"/>
         </a:xfrm>
         <a:prstGeom prst="rect">
@@ -2881,7 +3975,7 @@
         </a:bodyPr>
         <a:lstStyle/>
         <a:p>
-          <a:pPr marL="0" lvl="0" indent="0" algn="ctr" defTabSz="755650">
+          <a:pPr lvl="0" algn="ctr" defTabSz="933450">
             <a:lnSpc>
               <a:spcPct val="100000"/>
             </a:lnSpc>
@@ -2891,18 +3985,17 @@
             <a:spcAft>
               <a:spcPct val="35000"/>
             </a:spcAft>
-            <a:buNone/>
             <a:defRPr b="1"/>
           </a:pPr>
           <a:r>
-            <a:rPr lang="en-GB" sz="1700" kern="1200"/>
+            <a:rPr lang="en-GB" sz="2100" kern="1200"/>
             <a:t>The Great Game Recommender </a:t>
           </a:r>
-          <a:endParaRPr lang="en-US" sz="1700" kern="1200"/>
+          <a:endParaRPr lang="en-US" sz="2100" kern="1200"/>
         </a:p>
       </dsp:txBody>
       <dsp:txXfrm>
-        <a:off x="5825684" y="1807122"/>
+        <a:off x="5825684" y="1751832"/>
         <a:ext cx="4320000" cy="648000"/>
       </dsp:txXfrm>
     </dsp:sp>
@@ -2913,8 +4006,8 @@
       </dsp:nvSpPr>
       <dsp:spPr>
         <a:xfrm>
-          <a:off x="5825684" y="2516698"/>
-          <a:ext cx="4320000" cy="724844"/>
+          <a:off x="5825684" y="2463828"/>
+          <a:ext cx="4320000" cy="838207"/>
         </a:xfrm>
         <a:prstGeom prst="rect">
           <a:avLst/>
@@ -2943,7 +4036,7 @@
         </a:bodyPr>
         <a:lstStyle/>
         <a:p>
-          <a:pPr marL="0" lvl="0" indent="0" algn="ctr" defTabSz="577850">
+          <a:pPr lvl="0" algn="ctr" defTabSz="711200">
             <a:lnSpc>
               <a:spcPct val="100000"/>
             </a:lnSpc>
@@ -2953,16 +4046,15 @@
             <a:spcAft>
               <a:spcPct val="35000"/>
             </a:spcAft>
-            <a:buNone/>
           </a:pPr>
           <a:r>
-            <a:rPr lang="en-GB" sz="1300" kern="1200"/>
+            <a:rPr lang="en-GB" sz="1600" kern="1200"/>
             <a:t>A new way to find your next game</a:t>
           </a:r>
-          <a:endParaRPr lang="en-US" sz="1300" kern="1200"/>
+          <a:endParaRPr lang="en-US" sz="1600" kern="1200"/>
         </a:p>
         <a:p>
-          <a:pPr marL="0" lvl="0" indent="0" algn="ctr" defTabSz="577850">
+          <a:pPr lvl="0" algn="ctr" defTabSz="711200">
             <a:lnSpc>
               <a:spcPct val="100000"/>
             </a:lnSpc>
@@ -2972,18 +4064,25 @@
             <a:spcAft>
               <a:spcPct val="35000"/>
             </a:spcAft>
-            <a:buNone/>
           </a:pPr>
           <a:r>
-            <a:rPr lang="en-GB" sz="1300" kern="1200"/>
-            <a:t>Recommendations based on preferences</a:t>
+            <a:rPr lang="en-GB" sz="1600" kern="1200" dirty="0"/>
+            <a:t>Recommendations based </a:t>
           </a:r>
-          <a:endParaRPr lang="en-US" sz="1300" kern="1200"/>
+          <a:r>
+            <a:rPr lang="en-GB" sz="1600" kern="1200" dirty="0" smtClean="0"/>
+            <a:t>on user </a:t>
+          </a:r>
+          <a:r>
+            <a:rPr lang="en-GB" sz="1600" kern="1200" dirty="0"/>
+            <a:t>preferences</a:t>
+          </a:r>
+          <a:endParaRPr lang="en-US" sz="1600" kern="1200" dirty="0"/>
         </a:p>
       </dsp:txBody>
       <dsp:txXfrm>
-        <a:off x="5825684" y="2516698"/>
-        <a:ext cx="4320000" cy="724844"/>
+        <a:off x="5825684" y="2463828"/>
+        <a:ext cx="4320000" cy="838207"/>
       </dsp:txXfrm>
     </dsp:sp>
   </dsp:spTree>
@@ -3057,7 +4156,7 @@
                 <a14:useLocalDpi xmlns:a14="http://schemas.microsoft.com/office/drawing/2010/main" val="0"/>
               </a:ext>
               <a:ext uri="{96DAC541-7B7A-43D3-8B79-37D633B846F1}">
-                <asvg:svgBlip xmlns:asvg="http://schemas.microsoft.com/office/drawing/2016/SVG/main" r:embed="rId2"/>
+                <asvg:svgBlip xmlns:asvg="http://schemas.microsoft.com/office/drawing/2016/SVG/main" xmlns="" r:embed="rId2"/>
               </a:ext>
             </a:extLst>
           </a:blip>
@@ -3123,7 +4222,7 @@
         </a:bodyPr>
         <a:lstStyle/>
         <a:p>
-          <a:pPr marL="0" lvl="0" indent="0" algn="ctr" defTabSz="533400">
+          <a:pPr lvl="0" algn="ctr" defTabSz="533400">
             <a:lnSpc>
               <a:spcPct val="90000"/>
             </a:lnSpc>
@@ -3133,7 +4232,6 @@
             <a:spcAft>
               <a:spcPct val="35000"/>
             </a:spcAft>
-            <a:buNone/>
             <a:defRPr cap="all"/>
           </a:pPr>
           <a:r>
@@ -3207,7 +4305,7 @@
                 <a14:useLocalDpi xmlns:a14="http://schemas.microsoft.com/office/drawing/2010/main" val="0"/>
               </a:ext>
               <a:ext uri="{96DAC541-7B7A-43D3-8B79-37D633B846F1}">
-                <asvg:svgBlip xmlns:asvg="http://schemas.microsoft.com/office/drawing/2016/SVG/main" r:embed="rId4"/>
+                <asvg:svgBlip xmlns:asvg="http://schemas.microsoft.com/office/drawing/2016/SVG/main" xmlns="" r:embed="rId4"/>
               </a:ext>
             </a:extLst>
           </a:blip>
@@ -3273,7 +4371,7 @@
         </a:bodyPr>
         <a:lstStyle/>
         <a:p>
-          <a:pPr marL="0" lvl="0" indent="0" algn="ctr" defTabSz="533400">
+          <a:pPr lvl="0" algn="ctr" defTabSz="533400">
             <a:lnSpc>
               <a:spcPct val="90000"/>
             </a:lnSpc>
@@ -3283,7 +4381,6 @@
             <a:spcAft>
               <a:spcPct val="35000"/>
             </a:spcAft>
-            <a:buNone/>
             <a:defRPr cap="all"/>
           </a:pPr>
           <a:r>
@@ -3357,7 +4454,7 @@
                 <a14:useLocalDpi xmlns:a14="http://schemas.microsoft.com/office/drawing/2010/main" val="0"/>
               </a:ext>
               <a:ext uri="{96DAC541-7B7A-43D3-8B79-37D633B846F1}">
-                <asvg:svgBlip xmlns:asvg="http://schemas.microsoft.com/office/drawing/2016/SVG/main" r:embed="rId4"/>
+                <asvg:svgBlip xmlns:asvg="http://schemas.microsoft.com/office/drawing/2016/SVG/main" xmlns="" r:embed="rId4"/>
               </a:ext>
             </a:extLst>
           </a:blip>
@@ -3424,7 +4521,7 @@
         </a:bodyPr>
         <a:lstStyle/>
         <a:p>
-          <a:pPr marL="0" lvl="0" indent="0" algn="ctr" defTabSz="533400">
+          <a:pPr lvl="0" algn="ctr" defTabSz="533400">
             <a:lnSpc>
               <a:spcPct val="90000"/>
             </a:lnSpc>
@@ -3434,7 +4531,6 @@
             <a:spcAft>
               <a:spcPct val="35000"/>
             </a:spcAft>
-            <a:buNone/>
             <a:defRPr cap="all"/>
           </a:pPr>
           <a:r>
@@ -3508,7 +4604,7 @@
                 <a14:useLocalDpi xmlns:a14="http://schemas.microsoft.com/office/drawing/2010/main" val="0"/>
               </a:ext>
               <a:ext uri="{96DAC541-7B7A-43D3-8B79-37D633B846F1}">
-                <asvg:svgBlip xmlns:asvg="http://schemas.microsoft.com/office/drawing/2016/SVG/main" r:embed="rId4"/>
+                <asvg:svgBlip xmlns:asvg="http://schemas.microsoft.com/office/drawing/2016/SVG/main" xmlns="" r:embed="rId4"/>
               </a:ext>
             </a:extLst>
           </a:blip>
@@ -3575,7 +4671,7 @@
         </a:bodyPr>
         <a:lstStyle/>
         <a:p>
-          <a:pPr marL="0" lvl="0" indent="0" algn="ctr" defTabSz="533400">
+          <a:pPr lvl="0" algn="ctr" defTabSz="533400">
             <a:lnSpc>
               <a:spcPct val="90000"/>
             </a:lnSpc>
@@ -3585,7 +4681,6 @@
             <a:spcAft>
               <a:spcPct val="35000"/>
             </a:spcAft>
-            <a:buNone/>
             <a:defRPr cap="all"/>
           </a:pPr>
           <a:r>
@@ -3787,7 +4882,7 @@
   </dgm:layoutNode>
   <dgm:extLst>
     <a:ext uri="{68A01E43-0DF5-4B5B-8FA6-DAF915123BFB}">
-      <dgm1612:lstStyle xmlns:dgm1612="http://schemas.microsoft.com/office/drawing/2016/12/diagram">
+      <dgm1612:lstStyle xmlns:dgm1612="http://schemas.microsoft.com/office/drawing/2016/12/diagram" xmlns="">
         <a:lvl1pPr>
           <a:lnSpc>
             <a:spcPct val="100000"/>
@@ -4007,7 +5102,7 @@
   </dgm:layoutNode>
   <dgm:extLst>
     <a:ext uri="{68A01E43-0DF5-4B5B-8FA6-DAF915123BFB}">
-      <dgm1612:lstStyle xmlns:dgm1612="http://schemas.microsoft.com/office/drawing/2016/12/diagram">
+      <dgm1612:lstStyle xmlns:dgm1612="http://schemas.microsoft.com/office/drawing/2016/12/diagram" xmlns="">
         <a:lvl1pPr>
           <a:lnSpc>
             <a:spcPct val="100000"/>
@@ -6502,7 +7597,7 @@
           <a:p>
             <a:fld id="{4AAD347D-5ACD-4C99-B74B-A9C85AD731AF}" type="datetimeFigureOut">
               <a:rPr lang="en-US" dirty="0"/>
-              <a:t>11/19/2019</a:t>
+              <a:t>11/20/2019</a:t>
             </a:fld>
             <a:endParaRPr lang="en-US" dirty="0"/>
           </a:p>
@@ -6772,7 +7867,7 @@
           <a:p>
             <a:fld id="{4509A250-FF31-4206-8172-F9D3106AACB1}" type="datetimeFigureOut">
               <a:rPr lang="en-US" dirty="0"/>
-              <a:t>11/19/2019</a:t>
+              <a:t>11/20/2019</a:t>
             </a:fld>
             <a:endParaRPr lang="en-US" dirty="0"/>
           </a:p>
@@ -6961,7 +8056,7 @@
           <a:p>
             <a:fld id="{4509A250-FF31-4206-8172-F9D3106AACB1}" type="datetimeFigureOut">
               <a:rPr lang="en-US" dirty="0"/>
-              <a:t>11/19/2019</a:t>
+              <a:t>11/20/2019</a:t>
             </a:fld>
             <a:endParaRPr lang="en-US" dirty="0"/>
           </a:p>
@@ -7229,7 +8324,7 @@
           <a:p>
             <a:fld id="{4509A250-FF31-4206-8172-F9D3106AACB1}" type="datetimeFigureOut">
               <a:rPr lang="en-US" dirty="0"/>
-              <a:t>11/19/2019</a:t>
+              <a:t>11/20/2019</a:t>
             </a:fld>
             <a:endParaRPr lang="en-US" dirty="0"/>
           </a:p>
@@ -7565,7 +8660,7 @@
           <a:p>
             <a:fld id="{4509A250-FF31-4206-8172-F9D3106AACB1}" type="datetimeFigureOut">
               <a:rPr lang="en-US" dirty="0"/>
-              <a:t>11/19/2019</a:t>
+              <a:t>11/20/2019</a:t>
             </a:fld>
             <a:endParaRPr lang="en-US" dirty="0"/>
           </a:p>
@@ -8183,7 +9278,7 @@
           <a:p>
             <a:fld id="{4509A250-FF31-4206-8172-F9D3106AACB1}" type="datetimeFigureOut">
               <a:rPr lang="en-US" dirty="0"/>
-              <a:t>11/19/2019</a:t>
+              <a:t>11/20/2019</a:t>
             </a:fld>
             <a:endParaRPr lang="en-US" dirty="0"/>
           </a:p>
@@ -9038,7 +10133,7 @@
           <a:p>
             <a:fld id="{4509A250-FF31-4206-8172-F9D3106AACB1}" type="datetimeFigureOut">
               <a:rPr lang="en-US" dirty="0"/>
-              <a:t>11/19/2019</a:t>
+              <a:t>11/20/2019</a:t>
             </a:fld>
             <a:endParaRPr lang="en-US" dirty="0"/>
           </a:p>
@@ -9203,7 +10298,7 @@
           <a:p>
             <a:fld id="{4509A250-FF31-4206-8172-F9D3106AACB1}" type="datetimeFigureOut">
               <a:rPr lang="en-US" dirty="0"/>
-              <a:t>11/19/2019</a:t>
+              <a:t>11/20/2019</a:t>
             </a:fld>
             <a:endParaRPr lang="en-US" dirty="0"/>
           </a:p>
@@ -9378,7 +10473,7 @@
           <a:p>
             <a:fld id="{4509A250-FF31-4206-8172-F9D3106AACB1}" type="datetimeFigureOut">
               <a:rPr lang="en-US" dirty="0"/>
-              <a:t>11/19/2019</a:t>
+              <a:t>11/20/2019</a:t>
             </a:fld>
             <a:endParaRPr lang="en-US" dirty="0"/>
           </a:p>
@@ -9543,7 +10638,7 @@
           <a:p>
             <a:fld id="{4509A250-FF31-4206-8172-F9D3106AACB1}" type="datetimeFigureOut">
               <a:rPr lang="en-US" dirty="0"/>
-              <a:t>11/19/2019</a:t>
+              <a:t>11/20/2019</a:t>
             </a:fld>
             <a:endParaRPr lang="en-US" dirty="0"/>
           </a:p>
@@ -9785,7 +10880,7 @@
           <a:p>
             <a:fld id="{9796027F-7875-4030-9381-8BD8C4F21935}" type="datetimeFigureOut">
               <a:rPr lang="en-US" dirty="0"/>
-              <a:t>11/19/2019</a:t>
+              <a:t>11/20/2019</a:t>
             </a:fld>
             <a:endParaRPr lang="en-US" dirty="0"/>
           </a:p>
@@ -10072,7 +11167,7 @@
           <a:p>
             <a:fld id="{9796027F-7875-4030-9381-8BD8C4F21935}" type="datetimeFigureOut">
               <a:rPr lang="en-US" dirty="0"/>
-              <a:t>11/19/2019</a:t>
+              <a:t>11/20/2019</a:t>
             </a:fld>
             <a:endParaRPr lang="en-US" dirty="0"/>
           </a:p>
@@ -10511,7 +11606,7 @@
           <a:p>
             <a:fld id="{9796027F-7875-4030-9381-8BD8C4F21935}" type="datetimeFigureOut">
               <a:rPr lang="en-US" dirty="0"/>
-              <a:t>11/19/2019</a:t>
+              <a:t>11/20/2019</a:t>
             </a:fld>
             <a:endParaRPr lang="en-US" dirty="0"/>
           </a:p>
@@ -10624,7 +11719,7 @@
           <a:p>
             <a:fld id="{4509A250-FF31-4206-8172-F9D3106AACB1}" type="datetimeFigureOut">
               <a:rPr lang="en-US" dirty="0"/>
-              <a:t>11/19/2019</a:t>
+              <a:t>11/20/2019</a:t>
             </a:fld>
             <a:endParaRPr lang="en-US" dirty="0"/>
           </a:p>
@@ -10714,7 +11809,7 @@
           <a:p>
             <a:fld id="{4509A250-FF31-4206-8172-F9D3106AACB1}" type="datetimeFigureOut">
               <a:rPr lang="en-US" dirty="0"/>
-              <a:t>11/19/2019</a:t>
+              <a:t>11/20/2019</a:t>
             </a:fld>
             <a:endParaRPr lang="en-US" dirty="0"/>
           </a:p>
@@ -10988,7 +12083,7 @@
           <a:p>
             <a:fld id="{4509A250-FF31-4206-8172-F9D3106AACB1}" type="datetimeFigureOut">
               <a:rPr lang="en-US" dirty="0"/>
-              <a:t>11/19/2019</a:t>
+              <a:t>11/20/2019</a:t>
             </a:fld>
             <a:endParaRPr lang="en-US" dirty="0"/>
           </a:p>
@@ -11258,7 +12353,7 @@
           <a:p>
             <a:fld id="{4509A250-FF31-4206-8172-F9D3106AACB1}" type="datetimeFigureOut">
               <a:rPr lang="en-US" dirty="0"/>
-              <a:t>11/19/2019</a:t>
+              <a:t>11/20/2019</a:t>
             </a:fld>
             <a:endParaRPr lang="en-US" dirty="0"/>
           </a:p>
@@ -11682,7 +12777,7 @@
           <a:p>
             <a:fld id="{4AAD347D-5ACD-4C99-B74B-A9C85AD731AF}" type="datetimeFigureOut">
               <a:rPr lang="en-US" dirty="0"/>
-              <a:t>11/19/2019</a:t>
+              <a:t>11/20/2019</a:t>
             </a:fld>
             <a:endParaRPr lang="en-US" dirty="0"/>
           </a:p>
@@ -12348,7 +13443,7 @@
           <p:cNvPr id="2" name="Title 1">
             <a:extLst>
               <a:ext uri="{FF2B5EF4-FFF2-40B4-BE49-F238E27FC236}">
-                <a16:creationId xmlns:a16="http://schemas.microsoft.com/office/drawing/2014/main" id="{9710BB7A-4846-436F-BD4A-2E55C4339C0B}"/>
+                <a16:creationId xmlns:a16="http://schemas.microsoft.com/office/drawing/2014/main" id="{7DFE71B5-3461-484E-A6E5-D9A6C029F259}"/>
               </a:ext>
             </a:extLst>
           </p:cNvPr>
@@ -12366,8 +13461,309 @@
           <a:p>
             <a:r>
               <a:rPr lang="en-GB" dirty="0"/>
-              <a:t>What could’ve been different</a:t>
+              <a:t>What didn’t make it to the final build</a:t>
             </a:r>
+          </a:p>
+        </p:txBody>
+      </p:sp>
+      <p:sp>
+        <p:nvSpPr>
+          <p:cNvPr id="3" name="Content Placeholder 2">
+            <a:extLst>
+              <a:ext uri="{FF2B5EF4-FFF2-40B4-BE49-F238E27FC236}">
+                <a16:creationId xmlns:a16="http://schemas.microsoft.com/office/drawing/2014/main" id="{58651D71-9DCC-4843-BDA7-68A885A7DFF3}"/>
+              </a:ext>
+            </a:extLst>
+          </p:cNvPr>
+          <p:cNvSpPr>
+            <a:spLocks noGrp="1"/>
+          </p:cNvSpPr>
+          <p:nvPr>
+            <p:ph idx="1"/>
+          </p:nvPr>
+        </p:nvSpPr>
+        <p:spPr/>
+        <p:txBody>
+          <a:bodyPr/>
+          <a:lstStyle/>
+          <a:p>
+            <a:r>
+              <a:rPr lang="en-GB" dirty="0"/>
+              <a:t>Multiple recommendations displayed</a:t>
+            </a:r>
+          </a:p>
+          <a:p>
+            <a:r>
+              <a:rPr lang="en-GB" dirty="0"/>
+              <a:t>Guest recommendations</a:t>
+            </a:r>
+          </a:p>
+          <a:p>
+            <a:r>
+              <a:rPr lang="en-GB" dirty="0"/>
+              <a:t>Deeper user customisation</a:t>
+            </a:r>
+          </a:p>
+          <a:p>
+            <a:r>
+              <a:rPr lang="en-GB" dirty="0"/>
+              <a:t>Game box art display</a:t>
+            </a:r>
+          </a:p>
+          <a:p>
+            <a:r>
+              <a:rPr lang="en-GB" dirty="0"/>
+              <a:t>Game additional data</a:t>
+            </a:r>
+          </a:p>
+          <a:p>
+            <a:endParaRPr lang="en-GB" dirty="0"/>
+          </a:p>
+        </p:txBody>
+      </p:sp>
+    </p:spTree>
+    <p:extLst>
+      <p:ext uri="{BB962C8B-B14F-4D97-AF65-F5344CB8AC3E}">
+        <p14:creationId xmlns:p14="http://schemas.microsoft.com/office/powerpoint/2010/main" val="698083350"/>
+      </p:ext>
+    </p:extLst>
+  </p:cSld>
+  <p:clrMapOvr>
+    <a:masterClrMapping/>
+  </p:clrMapOvr>
+  <p:timing>
+    <p:tnLst>
+      <p:par>
+        <p:cTn id="1" dur="indefinite" restart="never" nodeType="tmRoot"/>
+      </p:par>
+    </p:tnLst>
+  </p:timing>
+</p:sld>
+</file>
+
+<file path=ppt/slides/slide11.xml><?xml version="1.0" encoding="utf-8"?>
+<p:sld xmlns:a="http://schemas.openxmlformats.org/drawingml/2006/main" xmlns:r="http://schemas.openxmlformats.org/officeDocument/2006/relationships" xmlns:p="http://schemas.openxmlformats.org/presentationml/2006/main">
+  <p:cSld>
+    <p:spTree>
+      <p:nvGrpSpPr>
+        <p:cNvPr id="1" name=""/>
+        <p:cNvGrpSpPr/>
+        <p:nvPr/>
+      </p:nvGrpSpPr>
+      <p:grpSpPr>
+        <a:xfrm>
+          <a:off x="0" y="0"/>
+          <a:ext cx="0" cy="0"/>
+          <a:chOff x="0" y="0"/>
+          <a:chExt cx="0" cy="0"/>
+        </a:xfrm>
+      </p:grpSpPr>
+      <p:sp>
+        <p:nvSpPr>
+          <p:cNvPr id="2" name="Title 1"/>
+          <p:cNvSpPr>
+            <a:spLocks noGrp="1"/>
+          </p:cNvSpPr>
+          <p:nvPr>
+            <p:ph type="title"/>
+          </p:nvPr>
+        </p:nvSpPr>
+        <p:spPr/>
+        <p:txBody>
+          <a:bodyPr/>
+          <a:lstStyle/>
+          <a:p>
+            <a:r>
+              <a:rPr lang="en-GB" dirty="0" smtClean="0"/>
+              <a:t>Retrospective</a:t>
+            </a:r>
+            <a:endParaRPr lang="en-GB" dirty="0"/>
+          </a:p>
+        </p:txBody>
+      </p:sp>
+      <p:sp>
+        <p:nvSpPr>
+          <p:cNvPr id="4" name="Text Placeholder 3"/>
+          <p:cNvSpPr>
+            <a:spLocks noGrp="1"/>
+          </p:cNvSpPr>
+          <p:nvPr>
+            <p:ph type="body" idx="1"/>
+          </p:nvPr>
+        </p:nvSpPr>
+        <p:spPr/>
+        <p:txBody>
+          <a:bodyPr/>
+          <a:lstStyle/>
+          <a:p>
+            <a:r>
+              <a:rPr lang="en-GB" dirty="0"/>
+              <a:t>What went well</a:t>
+            </a:r>
+          </a:p>
+        </p:txBody>
+      </p:sp>
+      <p:sp>
+        <p:nvSpPr>
+          <p:cNvPr id="3" name="Content Placeholder 2"/>
+          <p:cNvSpPr>
+            <a:spLocks noGrp="1"/>
+          </p:cNvSpPr>
+          <p:nvPr>
+            <p:ph sz="half" idx="2"/>
+          </p:nvPr>
+        </p:nvSpPr>
+        <p:spPr/>
+        <p:txBody>
+          <a:bodyPr/>
+          <a:lstStyle/>
+          <a:p>
+            <a:r>
+              <a:rPr lang="en-GB" dirty="0"/>
+              <a:t>Database and testing was straightforward</a:t>
+            </a:r>
+          </a:p>
+          <a:p>
+            <a:r>
+              <a:rPr lang="en-GB" dirty="0"/>
+              <a:t>Website was functional early</a:t>
+            </a:r>
+          </a:p>
+          <a:p>
+            <a:endParaRPr lang="en-GB" dirty="0"/>
+          </a:p>
+        </p:txBody>
+      </p:sp>
+      <p:sp>
+        <p:nvSpPr>
+          <p:cNvPr id="5" name="Text Placeholder 4"/>
+          <p:cNvSpPr>
+            <a:spLocks noGrp="1"/>
+          </p:cNvSpPr>
+          <p:nvPr>
+            <p:ph type="body" sz="quarter" idx="3"/>
+          </p:nvPr>
+        </p:nvSpPr>
+        <p:spPr/>
+        <p:txBody>
+          <a:bodyPr/>
+          <a:lstStyle/>
+          <a:p>
+            <a:r>
+              <a:rPr lang="en-GB" dirty="0"/>
+              <a:t>What could go better</a:t>
+            </a:r>
+          </a:p>
+        </p:txBody>
+      </p:sp>
+      <p:sp>
+        <p:nvSpPr>
+          <p:cNvPr id="6" name="Content Placeholder 5"/>
+          <p:cNvSpPr>
+            <a:spLocks noGrp="1"/>
+          </p:cNvSpPr>
+          <p:nvPr>
+            <p:ph sz="quarter" idx="4"/>
+          </p:nvPr>
+        </p:nvSpPr>
+        <p:spPr/>
+        <p:txBody>
+          <a:bodyPr/>
+          <a:lstStyle/>
+          <a:p>
+            <a:r>
+              <a:rPr lang="en-GB" dirty="0"/>
+              <a:t>More intuitive website design</a:t>
+            </a:r>
+          </a:p>
+          <a:p>
+            <a:r>
+              <a:rPr lang="en-GB" dirty="0"/>
+              <a:t>Better time management </a:t>
+            </a:r>
+          </a:p>
+          <a:p>
+            <a:r>
+              <a:rPr lang="en-GB" dirty="0"/>
+              <a:t>More features </a:t>
+            </a:r>
+          </a:p>
+          <a:p>
+            <a:endParaRPr lang="en-GB" dirty="0"/>
+          </a:p>
+        </p:txBody>
+      </p:sp>
+    </p:spTree>
+    <p:extLst>
+      <p:ext uri="{BB962C8B-B14F-4D97-AF65-F5344CB8AC3E}">
+        <p14:creationId xmlns:p14="http://schemas.microsoft.com/office/powerpoint/2010/main" val="134008791"/>
+      </p:ext>
+    </p:extLst>
+  </p:cSld>
+  <p:clrMapOvr>
+    <a:masterClrMapping/>
+  </p:clrMapOvr>
+  <p:timing>
+    <p:tnLst>
+      <p:par>
+        <p:cTn id="1" dur="indefinite" restart="never" nodeType="tmRoot"/>
+      </p:par>
+    </p:tnLst>
+  </p:timing>
+</p:sld>
+</file>
+
+<file path=ppt/slides/slide12.xml><?xml version="1.0" encoding="utf-8"?>
+<p:sld xmlns:a="http://schemas.openxmlformats.org/drawingml/2006/main" xmlns:r="http://schemas.openxmlformats.org/officeDocument/2006/relationships" xmlns:p="http://schemas.openxmlformats.org/presentationml/2006/main">
+  <p:cSld>
+    <p:spTree>
+      <p:nvGrpSpPr>
+        <p:cNvPr id="1" name=""/>
+        <p:cNvGrpSpPr/>
+        <p:nvPr/>
+      </p:nvGrpSpPr>
+      <p:grpSpPr>
+        <a:xfrm>
+          <a:off x="0" y="0"/>
+          <a:ext cx="0" cy="0"/>
+          <a:chOff x="0" y="0"/>
+          <a:chExt cx="0" cy="0"/>
+        </a:xfrm>
+      </p:grpSpPr>
+      <p:sp>
+        <p:nvSpPr>
+          <p:cNvPr id="2" name="Title 1">
+            <a:extLst>
+              <a:ext uri="{FF2B5EF4-FFF2-40B4-BE49-F238E27FC236}">
+                <a16:creationId xmlns:a16="http://schemas.microsoft.com/office/drawing/2014/main" id="{9710BB7A-4846-436F-BD4A-2E55C4339C0B}"/>
+              </a:ext>
+            </a:extLst>
+          </p:cNvPr>
+          <p:cNvSpPr>
+            <a:spLocks noGrp="1"/>
+          </p:cNvSpPr>
+          <p:nvPr>
+            <p:ph type="title"/>
+          </p:nvPr>
+        </p:nvSpPr>
+        <p:spPr>
+          <a:xfrm>
+            <a:off x="1103312" y="452718"/>
+            <a:ext cx="8947522" cy="1400530"/>
+          </a:xfrm>
+        </p:spPr>
+        <p:txBody>
+          <a:bodyPr/>
+          <a:lstStyle/>
+          <a:p>
+            <a:r>
+              <a:rPr lang="en-GB" dirty="0" smtClean="0"/>
+              <a:t>Retrospective continued</a:t>
+            </a:r>
+            <a:br>
+              <a:rPr lang="en-GB" dirty="0" smtClean="0"/>
+            </a:br>
+            <a:endParaRPr lang="en-GB" dirty="0"/>
           </a:p>
         </p:txBody>
       </p:sp>
@@ -12392,6 +13788,47 @@
           <a:bodyPr/>
           <a:lstStyle/>
           <a:p>
+            <a:pPr marL="0" indent="0">
+              <a:buNone/>
+            </a:pPr>
+            <a:r>
+              <a:rPr lang="en-GB" dirty="0"/>
+              <a:t>What could’ve been done </a:t>
+            </a:r>
+            <a:r>
+              <a:rPr lang="en-GB" dirty="0" smtClean="0"/>
+              <a:t>differently</a:t>
+            </a:r>
+          </a:p>
+          <a:p>
+            <a:pPr marL="0" indent="0">
+              <a:buNone/>
+            </a:pPr>
+            <a:endParaRPr lang="en-GB" dirty="0"/>
+          </a:p>
+          <a:p>
+            <a:r>
+              <a:rPr lang="en-GB" dirty="0" smtClean="0"/>
+              <a:t>Games with one general genre</a:t>
+            </a:r>
+          </a:p>
+          <a:p>
+            <a:r>
+              <a:rPr lang="en-GB" dirty="0" smtClean="0"/>
+              <a:t>Games page showing all games in the database</a:t>
+            </a:r>
+          </a:p>
+          <a:p>
+            <a:r>
+              <a:rPr lang="en-GB" dirty="0" smtClean="0"/>
+              <a:t>Recommendations not tied to members</a:t>
+            </a:r>
+          </a:p>
+          <a:p>
+            <a:r>
+              <a:rPr lang="en-GB" dirty="0" smtClean="0"/>
+              <a:t>Homepage with links to other pages only</a:t>
+            </a:r>
             <a:endParaRPr lang="en-GB" dirty="0"/>
           </a:p>
         </p:txBody>
@@ -12406,10 +13843,17 @@
   <p:clrMapOvr>
     <a:masterClrMapping/>
   </p:clrMapOvr>
+  <p:timing>
+    <p:tnLst>
+      <p:par>
+        <p:cTn id="1" dur="indefinite" restart="never" nodeType="tmRoot"/>
+      </p:par>
+    </p:tnLst>
+  </p:timing>
 </p:sld>
 </file>
 
-<file path=ppt/slides/slide11.xml><?xml version="1.0" encoding="utf-8"?>
+<file path=ppt/slides/slide13.xml><?xml version="1.0" encoding="utf-8"?>
 <p:sld xmlns:a="http://schemas.openxmlformats.org/drawingml/2006/main" xmlns:r="http://schemas.openxmlformats.org/officeDocument/2006/relationships" xmlns:p="http://schemas.openxmlformats.org/presentationml/2006/main">
   <p:cSld>
     <p:spTree>
@@ -12522,10 +13966,17 @@
   <p:clrMapOvr>
     <a:masterClrMapping/>
   </p:clrMapOvr>
+  <p:timing>
+    <p:tnLst>
+      <p:par>
+        <p:cTn id="1" dur="indefinite" restart="never" nodeType="tmRoot"/>
+      </p:par>
+    </p:tnLst>
+  </p:timing>
 </p:sld>
 </file>
 
-<file path=ppt/slides/slide12.xml><?xml version="1.0" encoding="utf-8"?>
+<file path=ppt/slides/slide14.xml><?xml version="1.0" encoding="utf-8"?>
 <p:sld xmlns:a="http://schemas.openxmlformats.org/drawingml/2006/main" xmlns:r="http://schemas.openxmlformats.org/officeDocument/2006/relationships" xmlns:p="http://schemas.openxmlformats.org/presentationml/2006/main">
   <p:cSld>
     <p:spTree>
@@ -12571,7 +14022,7 @@
             <a:spLocks noGrp="1"/>
           </p:cNvSpPr>
           <p:nvPr>
-            <p:ph idx="1"/>
+            <p:ph sz="half" idx="1"/>
           </p:nvPr>
         </p:nvSpPr>
         <p:spPr/>
@@ -12581,23 +14032,85 @@
           <a:p>
             <a:r>
               <a:rPr lang="en-GB" dirty="0"/>
-              <a:t>Majority of the time was spent on the front end to ensure a smooth user experience.</a:t>
+              <a:t>Majority of the time was spent on the front end </a:t>
             </a:r>
+            <a:r>
+              <a:rPr lang="en-GB" dirty="0" smtClean="0"/>
+              <a:t>design and functionality.60%</a:t>
+            </a:r>
+            <a:endParaRPr lang="en-GB" dirty="0"/>
           </a:p>
           <a:p>
             <a:r>
               <a:rPr lang="en-GB" dirty="0"/>
-              <a:t>Adequate time was spent on the back end to reach its MVP state</a:t>
+              <a:t>Adequate time was spent on the back end to reach its MVP </a:t>
             </a:r>
+            <a:r>
+              <a:rPr lang="en-GB" dirty="0" smtClean="0"/>
+              <a:t>state.20%</a:t>
+            </a:r>
+            <a:endParaRPr lang="en-GB" dirty="0"/>
           </a:p>
           <a:p>
             <a:r>
               <a:rPr lang="en-GB" dirty="0"/>
               <a:t>Automated Testing had the lowest time allocation </a:t>
             </a:r>
+            <a:r>
+              <a:rPr lang="en-GB" dirty="0" smtClean="0"/>
+              <a:t>10%</a:t>
+            </a:r>
+          </a:p>
+          <a:p>
+            <a:r>
+              <a:rPr lang="en-GB" dirty="0" smtClean="0"/>
+              <a:t>Integration of complete system. 10%</a:t>
+            </a:r>
+            <a:endParaRPr lang="en-GB" dirty="0"/>
           </a:p>
         </p:txBody>
       </p:sp>
+      <p:sp>
+        <p:nvSpPr>
+          <p:cNvPr id="7" name="Content Placeholder 6"/>
+          <p:cNvSpPr>
+            <a:spLocks noGrp="1"/>
+          </p:cNvSpPr>
+          <p:nvPr>
+            <p:ph sz="half" idx="2"/>
+          </p:nvPr>
+        </p:nvSpPr>
+        <p:spPr/>
+        <p:txBody>
+          <a:bodyPr/>
+          <a:lstStyle/>
+          <a:p>
+            <a:endParaRPr lang="en-GB"/>
+          </a:p>
+        </p:txBody>
+      </p:sp>
+      <p:graphicFrame>
+        <p:nvGraphicFramePr>
+          <p:cNvPr id="6" name="Chart 5"/>
+          <p:cNvGraphicFramePr/>
+          <p:nvPr>
+            <p:extLst>
+              <p:ext uri="{D42A27DB-BD31-4B8C-83A1-F6EECF244321}">
+                <p14:modId xmlns:p14="http://schemas.microsoft.com/office/powerpoint/2010/main" val="1987801258"/>
+              </p:ext>
+            </p:extLst>
+          </p:nvPr>
+        </p:nvGraphicFramePr>
+        <p:xfrm>
+          <a:off x="5654493" y="2056092"/>
+          <a:ext cx="5878946" cy="3669453"/>
+        </p:xfrm>
+        <a:graphic>
+          <a:graphicData uri="http://schemas.openxmlformats.org/drawingml/2006/chart">
+            <c:chart xmlns:c="http://schemas.openxmlformats.org/drawingml/2006/chart" xmlns:r="http://schemas.openxmlformats.org/officeDocument/2006/relationships" r:id="rId2"/>
+          </a:graphicData>
+        </a:graphic>
+      </p:graphicFrame>
     </p:spTree>
     <p:extLst>
       <p:ext uri="{BB962C8B-B14F-4D97-AF65-F5344CB8AC3E}">
@@ -12608,10 +14121,17 @@
   <p:clrMapOvr>
     <a:masterClrMapping/>
   </p:clrMapOvr>
+  <p:timing>
+    <p:tnLst>
+      <p:par>
+        <p:cTn id="1" dur="indefinite" restart="never" nodeType="tmRoot"/>
+      </p:par>
+    </p:tnLst>
+  </p:timing>
 </p:sld>
 </file>
 
-<file path=ppt/slides/slide13.xml><?xml version="1.0" encoding="utf-8"?>
+<file path=ppt/slides/slide15.xml><?xml version="1.0" encoding="utf-8"?>
 <p:sld xmlns:a="http://schemas.openxmlformats.org/drawingml/2006/main" xmlns:r="http://schemas.openxmlformats.org/officeDocument/2006/relationships" xmlns:p="http://schemas.openxmlformats.org/presentationml/2006/main">
   <p:cSld>
     <p:bg>
@@ -12726,6 +14246,13 @@
   <p:clrMapOvr>
     <a:masterClrMapping/>
   </p:clrMapOvr>
+  <p:timing>
+    <p:tnLst>
+      <p:par>
+        <p:cTn id="1" dur="indefinite" restart="never" nodeType="tmRoot"/>
+      </p:par>
+    </p:tnLst>
+  </p:timing>
 </p:sld>
 </file>
 
@@ -12762,7 +14289,7 @@
                 <a16:creationId xmlns:a16="http://schemas.microsoft.com/office/drawing/2014/main" id="{F747F1B4-B831-4277-8AB0-32767F7EB7BF}"/>
               </a:ext>
               <a:ext uri="{C183D7F6-B498-43B3-948B-1728B52AA6E4}">
-                <adec:decorative xmlns:adec="http://schemas.microsoft.com/office/drawing/2017/decorative" val="1"/>
+                <adec:decorative xmlns:adec="http://schemas.microsoft.com/office/drawing/2017/decorative" xmlns="" val="1"/>
               </a:ext>
             </a:extLst>
           </p:cNvPr>
@@ -12822,7 +14349,7 @@
                 <a16:creationId xmlns:a16="http://schemas.microsoft.com/office/drawing/2014/main" id="{D80CFA21-AB7C-4BEB-9BFF-05764FBBF3C6}"/>
               </a:ext>
               <a:ext uri="{C183D7F6-B498-43B3-948B-1728B52AA6E4}">
-                <adec:decorative xmlns:adec="http://schemas.microsoft.com/office/drawing/2017/decorative" val="1"/>
+                <adec:decorative xmlns:adec="http://schemas.microsoft.com/office/drawing/2017/decorative" xmlns="" val="1"/>
               </a:ext>
             </a:extLst>
           </p:cNvPr>
@@ -13219,7 +14746,7 @@
                 <a16:creationId xmlns:a16="http://schemas.microsoft.com/office/drawing/2014/main" id="{12F7E335-851A-4CAE-B09F-E657819D4600}"/>
               </a:ext>
               <a:ext uri="{C183D7F6-B498-43B3-948B-1728B52AA6E4}">
-                <adec:decorative xmlns:adec="http://schemas.microsoft.com/office/drawing/2017/decorative" val="1"/>
+                <adec:decorative xmlns:adec="http://schemas.microsoft.com/office/drawing/2017/decorative" xmlns="" val="1"/>
               </a:ext>
             </a:extLst>
           </p:cNvPr>
@@ -13272,7 +14799,7 @@
                 <a16:creationId xmlns:a16="http://schemas.microsoft.com/office/drawing/2014/main" id="{10B541F0-7F6E-402E-84D8-CF96EACA5FBC}"/>
               </a:ext>
               <a:ext uri="{C183D7F6-B498-43B3-948B-1728B52AA6E4}">
-                <adec:decorative xmlns:adec="http://schemas.microsoft.com/office/drawing/2017/decorative" val="1"/>
+                <adec:decorative xmlns:adec="http://schemas.microsoft.com/office/drawing/2017/decorative" xmlns="" val="1"/>
               </a:ext>
             </a:extLst>
           </p:cNvPr>
@@ -13778,7 +15305,7 @@
             <p:ph idx="1"/>
             <p:extLst>
               <p:ext uri="{D42A27DB-BD31-4B8C-83A1-F6EECF244321}">
-                <p14:modId xmlns:p14="http://schemas.microsoft.com/office/powerpoint/2010/main" val="1246356371"/>
+                <p14:modId xmlns:p14="http://schemas.microsoft.com/office/powerpoint/2010/main" val="788109512"/>
               </p:ext>
             </p:extLst>
           </p:nvPr>
@@ -13803,6 +15330,13 @@
   <p:clrMapOvr>
     <a:overrideClrMapping bg1="lt1" tx1="dk1" bg2="lt2" tx2="dk2" accent1="accent1" accent2="accent2" accent3="accent3" accent4="accent4" accent5="accent5" accent6="accent6" hlink="hlink" folHlink="folHlink"/>
   </p:clrMapOvr>
+  <p:timing>
+    <p:tnLst>
+      <p:par>
+        <p:cTn id="1" dur="indefinite" restart="never" nodeType="tmRoot"/>
+      </p:par>
+    </p:tnLst>
+  </p:timing>
 </p:sld>
 </file>
 
@@ -13860,6 +15394,16 @@
           <a:bodyPr/>
           <a:lstStyle/>
           <a:p>
+            <a:endParaRPr lang="en-GB" dirty="0" smtClean="0"/>
+          </a:p>
+          <a:p>
+            <a:endParaRPr lang="en-GB" dirty="0"/>
+          </a:p>
+          <a:p>
+            <a:r>
+              <a:rPr lang="en-GB" dirty="0"/>
+              <a:t/>
+            </a:r>
             <a:br>
               <a:rPr lang="en-GB" dirty="0"/>
             </a:br>
@@ -13908,6 +15452,13 @@
   <p:clrMapOvr>
     <a:masterClrMapping/>
   </p:clrMapOvr>
+  <p:timing>
+    <p:tnLst>
+      <p:par>
+        <p:cTn id="1" dur="indefinite" restart="never" nodeType="tmRoot"/>
+      </p:par>
+    </p:tnLst>
+  </p:timing>
 </p:sld>
 </file>
 
@@ -13944,7 +15495,7 @@
                 <a16:creationId xmlns:a16="http://schemas.microsoft.com/office/drawing/2014/main" id="{5F3FC718-FDE3-4EF7-921E-A5F374EAF824}"/>
               </a:ext>
               <a:ext uri="{C183D7F6-B498-43B3-948B-1728B52AA6E4}">
-                <adec:decorative xmlns:adec="http://schemas.microsoft.com/office/drawing/2017/decorative" val="1"/>
+                <adec:decorative xmlns:adec="http://schemas.microsoft.com/office/drawing/2017/decorative" xmlns="" val="1"/>
               </a:ext>
             </a:extLst>
           </p:cNvPr>
@@ -14037,7 +15588,7 @@
                 <a16:creationId xmlns:a16="http://schemas.microsoft.com/office/drawing/2014/main" id="{FAA0F719-3DC8-4F08-AD8F-5A845658CB9D}"/>
               </a:ext>
               <a:ext uri="{C183D7F6-B498-43B3-948B-1728B52AA6E4}">
-                <adec:decorative xmlns:adec="http://schemas.microsoft.com/office/drawing/2017/decorative" val="1"/>
+                <adec:decorative xmlns:adec="http://schemas.microsoft.com/office/drawing/2017/decorative" xmlns="" val="1"/>
               </a:ext>
             </a:extLst>
           </p:cNvPr>
@@ -14389,7 +15940,7 @@
                 <a16:creationId xmlns:a16="http://schemas.microsoft.com/office/drawing/2014/main" id="{7DCB61BE-FA0F-4EFB-BE0E-268BAD8E30D6}"/>
               </a:ext>
               <a:ext uri="{C183D7F6-B498-43B3-948B-1728B52AA6E4}">
-                <adec:decorative xmlns:adec="http://schemas.microsoft.com/office/drawing/2017/decorative" val="1"/>
+                <adec:decorative xmlns:adec="http://schemas.microsoft.com/office/drawing/2017/decorative" xmlns="" val="1"/>
               </a:ext>
             </a:extLst>
           </p:cNvPr>
@@ -14852,7 +16403,7 @@
                 <a16:creationId xmlns:a16="http://schemas.microsoft.com/office/drawing/2014/main" id="{A4B31EAA-7423-46F7-9B90-4AB2B09C35C4}"/>
               </a:ext>
               <a:ext uri="{C183D7F6-B498-43B3-948B-1728B52AA6E4}">
-                <adec:decorative xmlns:adec="http://schemas.microsoft.com/office/drawing/2017/decorative" val="1"/>
+                <adec:decorative xmlns:adec="http://schemas.microsoft.com/office/drawing/2017/decorative" xmlns="" val="1"/>
               </a:ext>
             </a:extLst>
           </p:cNvPr>
@@ -15013,10 +16564,102 @@
   <p:clrMapOvr>
     <a:overrideClrMapping bg1="lt1" tx1="dk1" bg2="lt2" tx2="dk2" accent1="accent1" accent2="accent2" accent3="accent3" accent4="accent4" accent5="accent5" accent6="accent6" hlink="hlink" folHlink="folHlink"/>
   </p:clrMapOvr>
+  <p:timing>
+    <p:tnLst>
+      <p:par>
+        <p:cTn id="1" dur="indefinite" restart="never" nodeType="tmRoot"/>
+      </p:par>
+    </p:tnLst>
+  </p:timing>
 </p:sld>
 </file>
 
 <file path=ppt/slides/slide5.xml><?xml version="1.0" encoding="utf-8"?>
+<p:sld xmlns:a="http://schemas.openxmlformats.org/drawingml/2006/main" xmlns:r="http://schemas.openxmlformats.org/officeDocument/2006/relationships" xmlns:p="http://schemas.openxmlformats.org/presentationml/2006/main">
+  <p:cSld>
+    <p:spTree>
+      <p:nvGrpSpPr>
+        <p:cNvPr id="1" name=""/>
+        <p:cNvGrpSpPr/>
+        <p:nvPr/>
+      </p:nvGrpSpPr>
+      <p:grpSpPr>
+        <a:xfrm>
+          <a:off x="0" y="0"/>
+          <a:ext cx="0" cy="0"/>
+          <a:chOff x="0" y="0"/>
+          <a:chExt cx="0" cy="0"/>
+        </a:xfrm>
+      </p:grpSpPr>
+      <p:sp>
+        <p:nvSpPr>
+          <p:cNvPr id="2" name="Title 1"/>
+          <p:cNvSpPr>
+            <a:spLocks noGrp="1"/>
+          </p:cNvSpPr>
+          <p:nvPr>
+            <p:ph type="title"/>
+          </p:nvPr>
+        </p:nvSpPr>
+        <p:spPr/>
+        <p:txBody>
+          <a:bodyPr/>
+          <a:lstStyle/>
+          <a:p>
+            <a:r>
+              <a:rPr lang="en-GB" dirty="0" smtClean="0"/>
+              <a:t>Trello Board</a:t>
+            </a:r>
+            <a:endParaRPr lang="en-GB" dirty="0"/>
+          </a:p>
+        </p:txBody>
+      </p:sp>
+      <p:pic>
+        <p:nvPicPr>
+          <p:cNvPr id="4" name="Content Placeholder 3"/>
+          <p:cNvPicPr>
+            <a:picLocks noGrp="1" noChangeAspect="1"/>
+          </p:cNvPicPr>
+          <p:nvPr>
+            <p:ph idx="1"/>
+          </p:nvPr>
+        </p:nvPicPr>
+        <p:blipFill rotWithShape="1">
+          <a:blip r:embed="rId2"/>
+          <a:srcRect t="6355" r="17780" b="35596"/>
+          <a:stretch/>
+        </p:blipFill>
+        <p:spPr>
+          <a:xfrm>
+            <a:off x="111655" y="1456266"/>
+            <a:ext cx="11908794" cy="4729481"/>
+          </a:xfrm>
+          <a:prstGeom prst="rect">
+            <a:avLst/>
+          </a:prstGeom>
+        </p:spPr>
+      </p:pic>
+    </p:spTree>
+    <p:extLst>
+      <p:ext uri="{BB962C8B-B14F-4D97-AF65-F5344CB8AC3E}">
+        <p14:creationId xmlns:p14="http://schemas.microsoft.com/office/powerpoint/2010/main" val="2065316049"/>
+      </p:ext>
+    </p:extLst>
+  </p:cSld>
+  <p:clrMapOvr>
+    <a:masterClrMapping/>
+  </p:clrMapOvr>
+  <p:timing>
+    <p:tnLst>
+      <p:par>
+        <p:cTn id="1" dur="indefinite" restart="never" nodeType="tmRoot"/>
+      </p:par>
+    </p:tnLst>
+  </p:timing>
+</p:sld>
+</file>
+
+<file path=ppt/slides/slide6.xml><?xml version="1.0" encoding="utf-8"?>
 <p:sld xmlns:a="http://schemas.openxmlformats.org/drawingml/2006/main" xmlns:r="http://schemas.openxmlformats.org/officeDocument/2006/relationships" xmlns:p="http://schemas.openxmlformats.org/presentationml/2006/main">
   <p:cSld>
     <p:bg>
@@ -15049,7 +16692,7 @@
                 <a16:creationId xmlns:a16="http://schemas.microsoft.com/office/drawing/2014/main" id="{F747F1B4-B831-4277-8AB0-32767F7EB7BF}"/>
               </a:ext>
               <a:ext uri="{C183D7F6-B498-43B3-948B-1728B52AA6E4}">
-                <adec:decorative xmlns:adec="http://schemas.microsoft.com/office/drawing/2017/decorative" val="1"/>
+                <adec:decorative xmlns:adec="http://schemas.microsoft.com/office/drawing/2017/decorative" xmlns="" val="1"/>
               </a:ext>
             </a:extLst>
           </p:cNvPr>
@@ -15109,7 +16752,7 @@
                 <a16:creationId xmlns:a16="http://schemas.microsoft.com/office/drawing/2014/main" id="{D80CFA21-AB7C-4BEB-9BFF-05764FBBF3C6}"/>
               </a:ext>
               <a:ext uri="{C183D7F6-B498-43B3-948B-1728B52AA6E4}">
-                <adec:decorative xmlns:adec="http://schemas.microsoft.com/office/drawing/2017/decorative" val="1"/>
+                <adec:decorative xmlns:adec="http://schemas.microsoft.com/office/drawing/2017/decorative" xmlns="" val="1"/>
               </a:ext>
             </a:extLst>
           </p:cNvPr>
@@ -15506,7 +17149,7 @@
                 <a16:creationId xmlns:a16="http://schemas.microsoft.com/office/drawing/2014/main" id="{12F7E335-851A-4CAE-B09F-E657819D4600}"/>
               </a:ext>
               <a:ext uri="{C183D7F6-B498-43B3-948B-1728B52AA6E4}">
-                <adec:decorative xmlns:adec="http://schemas.microsoft.com/office/drawing/2017/decorative" val="1"/>
+                <adec:decorative xmlns:adec="http://schemas.microsoft.com/office/drawing/2017/decorative" xmlns="" val="1"/>
               </a:ext>
             </a:extLst>
           </p:cNvPr>
@@ -15559,7 +17202,7 @@
                 <a16:creationId xmlns:a16="http://schemas.microsoft.com/office/drawing/2014/main" id="{10B541F0-7F6E-402E-84D8-CF96EACA5FBC}"/>
               </a:ext>
               <a:ext uri="{C183D7F6-B498-43B3-948B-1728B52AA6E4}">
-                <adec:decorative xmlns:adec="http://schemas.microsoft.com/office/drawing/2017/decorative" val="1"/>
+                <adec:decorative xmlns:adec="http://schemas.microsoft.com/office/drawing/2017/decorative" xmlns="" val="1"/>
               </a:ext>
             </a:extLst>
           </p:cNvPr>
@@ -16090,10 +17733,17 @@
   <p:clrMapOvr>
     <a:overrideClrMapping bg1="lt1" tx1="dk1" bg2="lt2" tx2="dk2" accent1="accent1" accent2="accent2" accent3="accent3" accent4="accent4" accent5="accent5" accent6="accent6" hlink="hlink" folHlink="folHlink"/>
   </p:clrMapOvr>
+  <p:timing>
+    <p:tnLst>
+      <p:par>
+        <p:cTn id="1" dur="indefinite" restart="never" nodeType="tmRoot"/>
+      </p:par>
+    </p:tnLst>
+  </p:timing>
 </p:sld>
 </file>
 
-<file path=ppt/slides/slide6.xml><?xml version="1.0" encoding="utf-8"?>
+<file path=ppt/slides/slide7.xml><?xml version="1.0" encoding="utf-8"?>
 <p:sld xmlns:a="http://schemas.openxmlformats.org/drawingml/2006/main" xmlns:r="http://schemas.openxmlformats.org/officeDocument/2006/relationships" xmlns:p="http://schemas.openxmlformats.org/presentationml/2006/main">
   <p:cSld>
     <p:bg>
@@ -16142,7 +17792,7 @@
                 <a16:creationId xmlns:a16="http://schemas.microsoft.com/office/drawing/2014/main" id="{412E3267-7ABE-412B-8580-47EC0D1F61FE}"/>
               </a:ext>
               <a:ext uri="{C183D7F6-B498-43B3-948B-1728B52AA6E4}">
-                <adec:decorative xmlns:adec="http://schemas.microsoft.com/office/drawing/2017/decorative" val="1"/>
+                <adec:decorative xmlns:adec="http://schemas.microsoft.com/office/drawing/2017/decorative" xmlns="" val="1"/>
               </a:ext>
             </a:extLst>
           </p:cNvPr>
@@ -16186,7 +17836,7 @@
                 <a16:creationId xmlns:a16="http://schemas.microsoft.com/office/drawing/2014/main" id="{20B62C5A-2250-4380-AB23-DB87446CCED0}"/>
               </a:ext>
               <a:ext uri="{C183D7F6-B498-43B3-948B-1728B52AA6E4}">
-                <adec:decorative xmlns:adec="http://schemas.microsoft.com/office/drawing/2017/decorative" val="1"/>
+                <adec:decorative xmlns:adec="http://schemas.microsoft.com/office/drawing/2017/decorative" xmlns="" val="1"/>
               </a:ext>
             </a:extLst>
           </p:cNvPr>
@@ -16230,7 +17880,7 @@
                 <a16:creationId xmlns:a16="http://schemas.microsoft.com/office/drawing/2014/main" id="{D42CF425-7213-4F89-B0FF-4C2BDDD9C680}"/>
               </a:ext>
               <a:ext uri="{C183D7F6-B498-43B3-948B-1728B52AA6E4}">
-                <adec:decorative xmlns:adec="http://schemas.microsoft.com/office/drawing/2017/decorative" val="1"/>
+                <adec:decorative xmlns:adec="http://schemas.microsoft.com/office/drawing/2017/decorative" xmlns="" val="1"/>
               </a:ext>
             </a:extLst>
           </p:cNvPr>
@@ -16310,7 +17960,7 @@
                 <a16:creationId xmlns:a16="http://schemas.microsoft.com/office/drawing/2014/main" id="{D35DA97D-88F8-4249-B650-4FC9FD50A382}"/>
               </a:ext>
               <a:ext uri="{C183D7F6-B498-43B3-948B-1728B52AA6E4}">
-                <adec:decorative xmlns:adec="http://schemas.microsoft.com/office/drawing/2017/decorative" val="1"/>
+                <adec:decorative xmlns:adec="http://schemas.microsoft.com/office/drawing/2017/decorative" xmlns="" val="1"/>
               </a:ext>
             </a:extLst>
           </p:cNvPr>
@@ -16354,7 +18004,7 @@
                 <a16:creationId xmlns:a16="http://schemas.microsoft.com/office/drawing/2014/main" id="{43F38673-6E30-4BAE-AC67-0B283EBF4291}"/>
               </a:ext>
               <a:ext uri="{C183D7F6-B498-43B3-948B-1728B52AA6E4}">
-                <adec:decorative xmlns:adec="http://schemas.microsoft.com/office/drawing/2017/decorative" val="1"/>
+                <adec:decorative xmlns:adec="http://schemas.microsoft.com/office/drawing/2017/decorative" xmlns="" val="1"/>
               </a:ext>
             </a:extLst>
           </p:cNvPr>
@@ -16398,7 +18048,7 @@
                 <a16:creationId xmlns:a16="http://schemas.microsoft.com/office/drawing/2014/main" id="{202A25CB-1ED1-4C87-AB49-8D3BC684D1CE}"/>
               </a:ext>
               <a:ext uri="{C183D7F6-B498-43B3-948B-1728B52AA6E4}">
-                <adec:decorative xmlns:adec="http://schemas.microsoft.com/office/drawing/2017/decorative" val="1"/>
+                <adec:decorative xmlns:adec="http://schemas.microsoft.com/office/drawing/2017/decorative" xmlns="" val="1"/>
               </a:ext>
             </a:extLst>
           </p:cNvPr>
@@ -16480,7 +18130,7 @@
                 <a16:creationId xmlns:a16="http://schemas.microsoft.com/office/drawing/2014/main" id="{3484F10F-334C-431A-8E30-B66B496C56E8}"/>
               </a:ext>
               <a:ext uri="{C183D7F6-B498-43B3-948B-1728B52AA6E4}">
-                <adec:decorative xmlns:adec="http://schemas.microsoft.com/office/drawing/2017/decorative" val="1"/>
+                <adec:decorative xmlns:adec="http://schemas.microsoft.com/office/drawing/2017/decorative" xmlns="" val="1"/>
               </a:ext>
             </a:extLst>
           </p:cNvPr>
@@ -16956,7 +18606,7 @@
         </p:blipFill>
         <p:spPr>
           <a:xfrm>
-            <a:off x="647701" y="-3632"/>
+            <a:off x="1030086" y="2741668"/>
             <a:ext cx="5233195" cy="3309997"/>
           </a:xfrm>
           <a:prstGeom prst="rect">
@@ -16973,7 +18623,7 @@
                 <a16:creationId xmlns:a16="http://schemas.microsoft.com/office/drawing/2014/main" id="{AEA0BB24-2B23-4B19-996F-58DA607EE280}"/>
               </a:ext>
               <a:ext uri="{C183D7F6-B498-43B3-948B-1728B52AA6E4}">
-                <adec:decorative xmlns:adec="http://schemas.microsoft.com/office/drawing/2017/decorative" val="1"/>
+                <adec:decorative xmlns:adec="http://schemas.microsoft.com/office/drawing/2017/decorative" xmlns="" val="1"/>
               </a:ext>
             </a:extLst>
           </p:cNvPr>
@@ -17317,37 +18967,6 @@
           </a:p>
         </p:txBody>
       </p:sp>
-      <p:pic>
-        <p:nvPicPr>
-          <p:cNvPr id="5" name="Picture 4" descr="A screenshot of a cell phone&#10;&#10;Description automatically generated">
-            <a:extLst>
-              <a:ext uri="{FF2B5EF4-FFF2-40B4-BE49-F238E27FC236}">
-                <a16:creationId xmlns:a16="http://schemas.microsoft.com/office/drawing/2014/main" id="{390F351B-250E-4F57-9CE8-CACCE6CFB7D4}"/>
-              </a:ext>
-            </a:extLst>
-          </p:cNvPr>
-          <p:cNvPicPr>
-            <a:picLocks noChangeAspect="1"/>
-          </p:cNvPicPr>
-          <p:nvPr/>
-        </p:nvPicPr>
-        <p:blipFill>
-          <a:blip r:embed="rId8"/>
-          <a:stretch>
-            <a:fillRect/>
-          </a:stretch>
-        </p:blipFill>
-        <p:spPr>
-          <a:xfrm>
-            <a:off x="600928" y="3688082"/>
-            <a:ext cx="5494741" cy="3090793"/>
-          </a:xfrm>
-          <a:prstGeom prst="rect">
-            <a:avLst/>
-          </a:prstGeom>
-          <a:effectLst/>
-        </p:spPr>
-      </p:pic>
       <p:sp>
         <p:nvSpPr>
           <p:cNvPr id="6" name="TextBox 5">
@@ -17362,7 +18981,7 @@
         </p:nvSpPr>
         <p:spPr>
           <a:xfrm>
-            <a:off x="6095669" y="823965"/>
+            <a:off x="2954853" y="1863350"/>
             <a:ext cx="1508780" cy="369332"/>
           </a:xfrm>
           <a:prstGeom prst="rect">
@@ -17387,6 +19006,1247 @@
           </a:p>
         </p:txBody>
       </p:sp>
+    </p:spTree>
+    <p:extLst>
+      <p:ext uri="{BB962C8B-B14F-4D97-AF65-F5344CB8AC3E}">
+        <p14:creationId xmlns:p14="http://schemas.microsoft.com/office/powerpoint/2010/main" val="3726607038"/>
+      </p:ext>
+    </p:extLst>
+  </p:cSld>
+  <p:clrMapOvr>
+    <a:masterClrMapping/>
+  </p:clrMapOvr>
+</p:sld>
+</file>
+
+<file path=ppt/slides/slide8.xml><?xml version="1.0" encoding="utf-8"?>
+<p:sld xmlns:a="http://schemas.openxmlformats.org/drawingml/2006/main" xmlns:r="http://schemas.openxmlformats.org/officeDocument/2006/relationships" xmlns:p="http://schemas.openxmlformats.org/presentationml/2006/main">
+  <p:cSld>
+    <p:bg>
+      <p:bgPr>
+        <a:blipFill rotWithShape="1">
+          <a:blip r:embed="rId2">
+            <a:duotone>
+              <a:schemeClr val="bg2">
+                <a:shade val="69000"/>
+                <a:hueMod val="108000"/>
+                <a:satMod val="164000"/>
+                <a:lumMod val="74000"/>
+              </a:schemeClr>
+              <a:schemeClr val="bg2">
+                <a:tint val="96000"/>
+                <a:hueMod val="88000"/>
+                <a:satMod val="140000"/>
+                <a:lumMod val="132000"/>
+              </a:schemeClr>
+            </a:duotone>
+          </a:blip>
+          <a:stretch/>
+        </a:blipFill>
+        <a:effectLst/>
+      </p:bgPr>
+    </p:bg>
+    <p:spTree>
+      <p:nvGrpSpPr>
+        <p:cNvPr id="1" name=""/>
+        <p:cNvGrpSpPr/>
+        <p:nvPr/>
+      </p:nvGrpSpPr>
+      <p:grpSpPr>
+        <a:xfrm>
+          <a:off x="0" y="0"/>
+          <a:ext cx="0" cy="0"/>
+          <a:chOff x="0" y="0"/>
+          <a:chExt cx="0" cy="0"/>
+        </a:xfrm>
+      </p:grpSpPr>
+      <p:pic>
+        <p:nvPicPr>
+          <p:cNvPr id="10" name="Picture 9">
+            <a:extLst>
+              <a:ext uri="{FF2B5EF4-FFF2-40B4-BE49-F238E27FC236}">
+                <a16:creationId xmlns:a16="http://schemas.microsoft.com/office/drawing/2014/main" id="{412E3267-7ABE-412B-8580-47EC0D1F61FE}"/>
+              </a:ext>
+              <a:ext uri="{C183D7F6-B498-43B3-948B-1728B52AA6E4}">
+                <adec:decorative xmlns:adec="http://schemas.microsoft.com/office/drawing/2017/decorative" xmlns="" val="1"/>
+              </a:ext>
+            </a:extLst>
+          </p:cNvPr>
+          <p:cNvPicPr>
+            <a:picLocks noGrp="1" noRot="1" noChangeAspect="1" noMove="1" noResize="1" noEditPoints="1" noAdjustHandles="1" noChangeArrowheads="1" noChangeShapeType="1" noCrop="1"/>
+          </p:cNvPicPr>
+          <p:nvPr>
+            <p:extLst>
+              <p:ext uri="{386F3935-93C4-4BCD-93E2-E3B085C9AB24}">
+                <p16:designElem xmlns:p16="http://schemas.microsoft.com/office/powerpoint/2015/main" val="1"/>
+              </p:ext>
+            </p:extLst>
+          </p:nvPr>
+        </p:nvPicPr>
+        <p:blipFill rotWithShape="1">
+          <a:blip r:embed="rId3">
+            <a:extLst>
+              <a:ext uri="{28A0092B-C50C-407E-A947-70E740481C1C}">
+                <a14:useLocalDpi xmlns:a14="http://schemas.microsoft.com/office/drawing/2010/main" val="0"/>
+              </a:ext>
+            </a:extLst>
+          </a:blip>
+          <a:srcRect l="3613"/>
+          <a:stretch/>
+        </p:blipFill>
+        <p:spPr>
+          <a:xfrm>
+            <a:off x="0" y="2669685"/>
+            <a:ext cx="4037012" cy="4188315"/>
+          </a:xfrm>
+          <a:prstGeom prst="rect">
+            <a:avLst/>
+          </a:prstGeom>
+        </p:spPr>
+      </p:pic>
+      <p:pic>
+        <p:nvPicPr>
+          <p:cNvPr id="12" name="Picture 11">
+            <a:extLst>
+              <a:ext uri="{FF2B5EF4-FFF2-40B4-BE49-F238E27FC236}">
+                <a16:creationId xmlns:a16="http://schemas.microsoft.com/office/drawing/2014/main" id="{20B62C5A-2250-4380-AB23-DB87446CCED0}"/>
+              </a:ext>
+              <a:ext uri="{C183D7F6-B498-43B3-948B-1728B52AA6E4}">
+                <adec:decorative xmlns:adec="http://schemas.microsoft.com/office/drawing/2017/decorative" xmlns="" val="1"/>
+              </a:ext>
+            </a:extLst>
+          </p:cNvPr>
+          <p:cNvPicPr>
+            <a:picLocks noGrp="1" noRot="1" noChangeAspect="1" noMove="1" noResize="1" noEditPoints="1" noAdjustHandles="1" noChangeArrowheads="1" noChangeShapeType="1" noCrop="1"/>
+          </p:cNvPicPr>
+          <p:nvPr>
+            <p:extLst>
+              <p:ext uri="{386F3935-93C4-4BCD-93E2-E3B085C9AB24}">
+                <p16:designElem xmlns:p16="http://schemas.microsoft.com/office/powerpoint/2015/main" val="1"/>
+              </p:ext>
+            </p:extLst>
+          </p:nvPr>
+        </p:nvPicPr>
+        <p:blipFill rotWithShape="1">
+          <a:blip r:embed="rId4">
+            <a:extLst>
+              <a:ext uri="{28A0092B-C50C-407E-A947-70E740481C1C}">
+                <a14:useLocalDpi xmlns:a14="http://schemas.microsoft.com/office/drawing/2010/main" val="0"/>
+              </a:ext>
+            </a:extLst>
+          </a:blip>
+          <a:srcRect l="35640"/>
+          <a:stretch/>
+        </p:blipFill>
+        <p:spPr>
+          <a:xfrm>
+            <a:off x="0" y="2892347"/>
+            <a:ext cx="1522412" cy="2365453"/>
+          </a:xfrm>
+          <a:prstGeom prst="rect">
+            <a:avLst/>
+          </a:prstGeom>
+        </p:spPr>
+      </p:pic>
+      <p:sp>
+        <p:nvSpPr>
+          <p:cNvPr id="14" name="Oval 13">
+            <a:extLst>
+              <a:ext uri="{FF2B5EF4-FFF2-40B4-BE49-F238E27FC236}">
+                <a16:creationId xmlns:a16="http://schemas.microsoft.com/office/drawing/2014/main" id="{D42CF425-7213-4F89-B0FF-4C2BDDD9C680}"/>
+              </a:ext>
+              <a:ext uri="{C183D7F6-B498-43B3-948B-1728B52AA6E4}">
+                <adec:decorative xmlns:adec="http://schemas.microsoft.com/office/drawing/2017/decorative" xmlns="" val="1"/>
+              </a:ext>
+            </a:extLst>
+          </p:cNvPr>
+          <p:cNvSpPr>
+            <a:spLocks noGrp="1" noRot="1" noChangeAspect="1" noMove="1" noResize="1" noEditPoints="1" noAdjustHandles="1" noChangeArrowheads="1" noChangeShapeType="1" noTextEdit="1"/>
+          </p:cNvSpPr>
+          <p:nvPr>
+            <p:extLst>
+              <p:ext uri="{386F3935-93C4-4BCD-93E2-E3B085C9AB24}">
+                <p16:designElem xmlns:p16="http://schemas.microsoft.com/office/powerpoint/2015/main" val="1"/>
+              </p:ext>
+            </p:extLst>
+          </p:nvPr>
+        </p:nvSpPr>
+        <p:spPr>
+          <a:xfrm>
+            <a:off x="8609012" y="1676400"/>
+            <a:ext cx="2819400" cy="2819400"/>
+          </a:xfrm>
+          <a:prstGeom prst="ellipse">
+            <a:avLst/>
+          </a:prstGeom>
+          <a:gradFill flip="none" rotWithShape="1">
+            <a:gsLst>
+              <a:gs pos="0">
+                <a:schemeClr val="bg2">
+                  <a:lumMod val="60000"/>
+                  <a:lumOff val="40000"/>
+                  <a:alpha val="7000"/>
+                </a:schemeClr>
+              </a:gs>
+              <a:gs pos="69000">
+                <a:schemeClr val="bg2">
+                  <a:lumMod val="60000"/>
+                  <a:lumOff val="40000"/>
+                  <a:alpha val="0"/>
+                </a:schemeClr>
+              </a:gs>
+              <a:gs pos="36000">
+                <a:schemeClr val="bg2">
+                  <a:lumMod val="60000"/>
+                  <a:lumOff val="40000"/>
+                  <a:alpha val="6000"/>
+                </a:schemeClr>
+              </a:gs>
+            </a:gsLst>
+            <a:path path="circle">
+              <a:fillToRect l="50000" t="50000" r="50000" b="50000"/>
+            </a:path>
+            <a:tileRect/>
+          </a:gradFill>
+          <a:ln>
+            <a:noFill/>
+          </a:ln>
+          <a:effectLst/>
+        </p:spPr>
+        <p:style>
+          <a:lnRef idx="1">
+            <a:schemeClr val="accent1"/>
+          </a:lnRef>
+          <a:fillRef idx="3">
+            <a:schemeClr val="accent1"/>
+          </a:fillRef>
+          <a:effectRef idx="2">
+            <a:schemeClr val="accent1"/>
+          </a:effectRef>
+          <a:fontRef idx="minor">
+            <a:schemeClr val="lt1"/>
+          </a:fontRef>
+        </p:style>
+      </p:sp>
+      <p:pic>
+        <p:nvPicPr>
+          <p:cNvPr id="16" name="Picture 15">
+            <a:extLst>
+              <a:ext uri="{FF2B5EF4-FFF2-40B4-BE49-F238E27FC236}">
+                <a16:creationId xmlns:a16="http://schemas.microsoft.com/office/drawing/2014/main" id="{D35DA97D-88F8-4249-B650-4FC9FD50A382}"/>
+              </a:ext>
+              <a:ext uri="{C183D7F6-B498-43B3-948B-1728B52AA6E4}">
+                <adec:decorative xmlns:adec="http://schemas.microsoft.com/office/drawing/2017/decorative" xmlns="" val="1"/>
+              </a:ext>
+            </a:extLst>
+          </p:cNvPr>
+          <p:cNvPicPr>
+            <a:picLocks noGrp="1" noRot="1" noChangeAspect="1" noMove="1" noResize="1" noEditPoints="1" noAdjustHandles="1" noChangeArrowheads="1" noChangeShapeType="1" noCrop="1"/>
+          </p:cNvPicPr>
+          <p:nvPr>
+            <p:extLst>
+              <p:ext uri="{386F3935-93C4-4BCD-93E2-E3B085C9AB24}">
+                <p16:designElem xmlns:p16="http://schemas.microsoft.com/office/powerpoint/2015/main" val="1"/>
+              </p:ext>
+            </p:extLst>
+          </p:nvPr>
+        </p:nvPicPr>
+        <p:blipFill rotWithShape="1">
+          <a:blip r:embed="rId5">
+            <a:extLst>
+              <a:ext uri="{28A0092B-C50C-407E-A947-70E740481C1C}">
+                <a14:useLocalDpi xmlns:a14="http://schemas.microsoft.com/office/drawing/2010/main" val="0"/>
+              </a:ext>
+            </a:extLst>
+          </a:blip>
+          <a:srcRect t="28813"/>
+          <a:stretch/>
+        </p:blipFill>
+        <p:spPr>
+          <a:xfrm>
+            <a:off x="7999412" y="0"/>
+            <a:ext cx="1603387" cy="1141407"/>
+          </a:xfrm>
+          <a:prstGeom prst="rect">
+            <a:avLst/>
+          </a:prstGeom>
+        </p:spPr>
+      </p:pic>
+      <p:pic>
+        <p:nvPicPr>
+          <p:cNvPr id="18" name="Picture 17">
+            <a:extLst>
+              <a:ext uri="{FF2B5EF4-FFF2-40B4-BE49-F238E27FC236}">
+                <a16:creationId xmlns:a16="http://schemas.microsoft.com/office/drawing/2014/main" id="{43F38673-6E30-4BAE-AC67-0B283EBF4291}"/>
+              </a:ext>
+              <a:ext uri="{C183D7F6-B498-43B3-948B-1728B52AA6E4}">
+                <adec:decorative xmlns:adec="http://schemas.microsoft.com/office/drawing/2017/decorative" xmlns="" val="1"/>
+              </a:ext>
+            </a:extLst>
+          </p:cNvPr>
+          <p:cNvPicPr>
+            <a:picLocks noGrp="1" noRot="1" noChangeAspect="1" noMove="1" noResize="1" noEditPoints="1" noAdjustHandles="1" noChangeArrowheads="1" noChangeShapeType="1" noCrop="1"/>
+          </p:cNvPicPr>
+          <p:nvPr>
+            <p:extLst>
+              <p:ext uri="{386F3935-93C4-4BCD-93E2-E3B085C9AB24}">
+                <p16:designElem xmlns:p16="http://schemas.microsoft.com/office/powerpoint/2015/main" val="1"/>
+              </p:ext>
+            </p:extLst>
+          </p:nvPr>
+        </p:nvPicPr>
+        <p:blipFill rotWithShape="1">
+          <a:blip r:embed="rId6">
+            <a:extLst>
+              <a:ext uri="{28A0092B-C50C-407E-A947-70E740481C1C}">
+                <a14:useLocalDpi xmlns:a14="http://schemas.microsoft.com/office/drawing/2010/main" val="0"/>
+              </a:ext>
+            </a:extLst>
+          </a:blip>
+          <a:srcRect b="23320"/>
+          <a:stretch/>
+        </p:blipFill>
+        <p:spPr>
+          <a:xfrm>
+            <a:off x="8605878" y="6096000"/>
+            <a:ext cx="993734" cy="762000"/>
+          </a:xfrm>
+          <a:prstGeom prst="rect">
+            <a:avLst/>
+          </a:prstGeom>
+        </p:spPr>
+      </p:pic>
+      <p:sp>
+        <p:nvSpPr>
+          <p:cNvPr id="20" name="Rectangle 19">
+            <a:extLst>
+              <a:ext uri="{FF2B5EF4-FFF2-40B4-BE49-F238E27FC236}">
+                <a16:creationId xmlns:a16="http://schemas.microsoft.com/office/drawing/2014/main" id="{202A25CB-1ED1-4C87-AB49-8D3BC684D1CE}"/>
+              </a:ext>
+              <a:ext uri="{C183D7F6-B498-43B3-948B-1728B52AA6E4}">
+                <adec:decorative xmlns:adec="http://schemas.microsoft.com/office/drawing/2017/decorative" xmlns="" val="1"/>
+              </a:ext>
+            </a:extLst>
+          </p:cNvPr>
+          <p:cNvSpPr>
+            <a:spLocks noGrp="1" noRot="1" noChangeAspect="1" noMove="1" noResize="1" noEditPoints="1" noAdjustHandles="1" noChangeArrowheads="1" noChangeShapeType="1" noTextEdit="1"/>
+          </p:cNvSpPr>
+          <p:nvPr>
+            <p:extLst>
+              <p:ext uri="{386F3935-93C4-4BCD-93E2-E3B085C9AB24}">
+                <p16:designElem xmlns:p16="http://schemas.microsoft.com/office/powerpoint/2015/main" val="1"/>
+              </p:ext>
+            </p:extLst>
+          </p:nvPr>
+        </p:nvSpPr>
+        <p:spPr>
+          <a:xfrm>
+            <a:off x="10437812" y="0"/>
+            <a:ext cx="685800" cy="1143000"/>
+          </a:xfrm>
+          <a:prstGeom prst="rect">
+            <a:avLst/>
+          </a:prstGeom>
+          <a:solidFill>
+            <a:schemeClr val="accent1"/>
+          </a:solidFill>
+          <a:ln>
+            <a:noFill/>
+          </a:ln>
+        </p:spPr>
+        <p:style>
+          <a:lnRef idx="1">
+            <a:schemeClr val="accent1"/>
+          </a:lnRef>
+          <a:fillRef idx="3">
+            <a:schemeClr val="accent1"/>
+          </a:fillRef>
+          <a:effectRef idx="2">
+            <a:schemeClr val="accent1"/>
+          </a:effectRef>
+          <a:fontRef idx="minor">
+            <a:schemeClr val="lt1"/>
+          </a:fontRef>
+        </p:style>
+      </p:sp>
+      <p:sp>
+        <p:nvSpPr>
+          <p:cNvPr id="2" name="Title 1"/>
+          <p:cNvSpPr>
+            <a:spLocks noGrp="1"/>
+          </p:cNvSpPr>
+          <p:nvPr>
+            <p:ph type="title"/>
+          </p:nvPr>
+        </p:nvSpPr>
+        <p:spPr>
+          <a:xfrm>
+            <a:off x="8210623" y="1447800"/>
+            <a:ext cx="3333676" cy="3096987"/>
+          </a:xfrm>
+        </p:spPr>
+        <p:txBody>
+          <a:bodyPr vert="horz" lIns="91440" tIns="45720" rIns="91440" bIns="45720" rtlCol="0" anchor="b">
+            <a:normAutofit/>
+          </a:bodyPr>
+          <a:lstStyle/>
+          <a:p>
+            <a:r>
+              <a:rPr lang="en-US" sz="4600"/>
+              <a:t>Wireframes</a:t>
+            </a:r>
+          </a:p>
+        </p:txBody>
+      </p:sp>
+      <p:sp>
+        <p:nvSpPr>
+          <p:cNvPr id="22" name="Freeform: Shape 21">
+            <a:extLst>
+              <a:ext uri="{FF2B5EF4-FFF2-40B4-BE49-F238E27FC236}">
+                <a16:creationId xmlns:a16="http://schemas.microsoft.com/office/drawing/2014/main" id="{3484F10F-334C-431A-8E30-B66B496C56E8}"/>
+              </a:ext>
+              <a:ext uri="{C183D7F6-B498-43B3-948B-1728B52AA6E4}">
+                <adec:decorative xmlns:adec="http://schemas.microsoft.com/office/drawing/2017/decorative" xmlns="" val="1"/>
+              </a:ext>
+            </a:extLst>
+          </p:cNvPr>
+          <p:cNvSpPr>
+            <a:spLocks noGrp="1" noRot="1" noChangeAspect="1" noMove="1" noResize="1" noEditPoints="1" noAdjustHandles="1" noChangeArrowheads="1" noChangeShapeType="1" noTextEdit="1"/>
+          </p:cNvSpPr>
+          <p:nvPr>
+            <p:extLst>
+              <p:ext uri="{386F3935-93C4-4BCD-93E2-E3B085C9AB24}">
+                <p16:designElem xmlns:p16="http://schemas.microsoft.com/office/powerpoint/2015/main" val="1"/>
+              </p:ext>
+            </p:extLst>
+          </p:nvPr>
+        </p:nvSpPr>
+        <p:spPr bwMode="gray">
+          <a:xfrm rot="5400000" flipH="1">
+            <a:off x="475977" y="-475977"/>
+            <a:ext cx="6858000" cy="7809953"/>
+          </a:xfrm>
+          <a:custGeom>
+            <a:avLst/>
+            <a:gdLst>
+              <a:gd name="connsiteX0" fmla="*/ 6858000 w 6858000"/>
+              <a:gd name="connsiteY0" fmla="*/ 1344715 h 7809953"/>
+              <a:gd name="connsiteX1" fmla="*/ 6858000 w 6858000"/>
+              <a:gd name="connsiteY1" fmla="*/ 1177 h 7809953"/>
+              <a:gd name="connsiteX2" fmla="*/ 6702323 w 6858000"/>
+              <a:gd name="connsiteY2" fmla="*/ 26222 h 7809953"/>
+              <a:gd name="connsiteX3" fmla="*/ 6547332 w 6858000"/>
+              <a:gd name="connsiteY3" fmla="*/ 50091 h 7809953"/>
+              <a:gd name="connsiteX4" fmla="*/ 6391656 w 6858000"/>
+              <a:gd name="connsiteY4" fmla="*/ 73455 h 7809953"/>
+              <a:gd name="connsiteX5" fmla="*/ 6235293 w 6858000"/>
+              <a:gd name="connsiteY5" fmla="*/ 93458 h 7809953"/>
+              <a:gd name="connsiteX6" fmla="*/ 6079617 w 6858000"/>
+              <a:gd name="connsiteY6" fmla="*/ 113629 h 7809953"/>
+              <a:gd name="connsiteX7" fmla="*/ 5923254 w 6858000"/>
+              <a:gd name="connsiteY7" fmla="*/ 132455 h 7809953"/>
+              <a:gd name="connsiteX8" fmla="*/ 5768949 w 6858000"/>
+              <a:gd name="connsiteY8" fmla="*/ 148591 h 7809953"/>
+              <a:gd name="connsiteX9" fmla="*/ 5612587 w 6858000"/>
+              <a:gd name="connsiteY9" fmla="*/ 163887 h 7809953"/>
+              <a:gd name="connsiteX10" fmla="*/ 5456910 w 6858000"/>
+              <a:gd name="connsiteY10" fmla="*/ 177839 h 7809953"/>
+              <a:gd name="connsiteX11" fmla="*/ 5303977 w 6858000"/>
+              <a:gd name="connsiteY11" fmla="*/ 189941 h 7809953"/>
+              <a:gd name="connsiteX12" fmla="*/ 5148986 w 6858000"/>
+              <a:gd name="connsiteY12" fmla="*/ 202044 h 7809953"/>
+              <a:gd name="connsiteX13" fmla="*/ 4996053 w 6858000"/>
+              <a:gd name="connsiteY13" fmla="*/ 212129 h 7809953"/>
+              <a:gd name="connsiteX14" fmla="*/ 4843119 w 6858000"/>
+              <a:gd name="connsiteY14" fmla="*/ 220029 h 7809953"/>
+              <a:gd name="connsiteX15" fmla="*/ 4690872 w 6858000"/>
+              <a:gd name="connsiteY15" fmla="*/ 228266 h 7809953"/>
+              <a:gd name="connsiteX16" fmla="*/ 4539996 w 6858000"/>
+              <a:gd name="connsiteY16" fmla="*/ 235157 h 7809953"/>
+              <a:gd name="connsiteX17" fmla="*/ 4390491 w 6858000"/>
+              <a:gd name="connsiteY17" fmla="*/ 240032 h 7809953"/>
+              <a:gd name="connsiteX18" fmla="*/ 4240987 w 6858000"/>
+              <a:gd name="connsiteY18" fmla="*/ 244234 h 7809953"/>
+              <a:gd name="connsiteX19" fmla="*/ 4092855 w 6858000"/>
+              <a:gd name="connsiteY19" fmla="*/ 248268 h 7809953"/>
+              <a:gd name="connsiteX20" fmla="*/ 3946779 w 6858000"/>
+              <a:gd name="connsiteY20" fmla="*/ 250117 h 7809953"/>
+              <a:gd name="connsiteX21" fmla="*/ 3800704 w 6858000"/>
+              <a:gd name="connsiteY21" fmla="*/ 252134 h 7809953"/>
+              <a:gd name="connsiteX22" fmla="*/ 3656685 w 6858000"/>
+              <a:gd name="connsiteY22" fmla="*/ 253143 h 7809953"/>
+              <a:gd name="connsiteX23" fmla="*/ 3514039 w 6858000"/>
+              <a:gd name="connsiteY23" fmla="*/ 252134 h 7809953"/>
+              <a:gd name="connsiteX24" fmla="*/ 3372765 w 6858000"/>
+              <a:gd name="connsiteY24" fmla="*/ 252134 h 7809953"/>
+              <a:gd name="connsiteX25" fmla="*/ 3232861 w 6858000"/>
+              <a:gd name="connsiteY25" fmla="*/ 250117 h 7809953"/>
+              <a:gd name="connsiteX26" fmla="*/ 3095701 w 6858000"/>
+              <a:gd name="connsiteY26" fmla="*/ 247092 h 7809953"/>
+              <a:gd name="connsiteX27" fmla="*/ 2959913 w 6858000"/>
+              <a:gd name="connsiteY27" fmla="*/ 244234 h 7809953"/>
+              <a:gd name="connsiteX28" fmla="*/ 2826868 w 6858000"/>
+              <a:gd name="connsiteY28" fmla="*/ 241040 h 7809953"/>
+              <a:gd name="connsiteX29" fmla="*/ 2694508 w 6858000"/>
+              <a:gd name="connsiteY29" fmla="*/ 236166 h 7809953"/>
+              <a:gd name="connsiteX30" fmla="*/ 2564207 w 6858000"/>
+              <a:gd name="connsiteY30" fmla="*/ 230955 h 7809953"/>
+              <a:gd name="connsiteX31" fmla="*/ 2436648 w 6858000"/>
+              <a:gd name="connsiteY31" fmla="*/ 226249 h 7809953"/>
+              <a:gd name="connsiteX32" fmla="*/ 2187702 w 6858000"/>
+              <a:gd name="connsiteY32" fmla="*/ 212969 h 7809953"/>
+              <a:gd name="connsiteX33" fmla="*/ 1949044 w 6858000"/>
+              <a:gd name="connsiteY33" fmla="*/ 198850 h 7809953"/>
+              <a:gd name="connsiteX34" fmla="*/ 1719987 w 6858000"/>
+              <a:gd name="connsiteY34" fmla="*/ 184058 h 7809953"/>
+              <a:gd name="connsiteX35" fmla="*/ 1503274 w 6858000"/>
+              <a:gd name="connsiteY35" fmla="*/ 167753 h 7809953"/>
+              <a:gd name="connsiteX36" fmla="*/ 1296162 w 6858000"/>
+              <a:gd name="connsiteY36" fmla="*/ 150776 h 7809953"/>
+              <a:gd name="connsiteX37" fmla="*/ 1104138 w 6858000"/>
+              <a:gd name="connsiteY37" fmla="*/ 132455 h 7809953"/>
+              <a:gd name="connsiteX38" fmla="*/ 923773 w 6858000"/>
+              <a:gd name="connsiteY38" fmla="*/ 114469 h 7809953"/>
+              <a:gd name="connsiteX39" fmla="*/ 757809 w 6858000"/>
+              <a:gd name="connsiteY39" fmla="*/ 96484 h 7809953"/>
+              <a:gd name="connsiteX40" fmla="*/ 605562 w 6858000"/>
+              <a:gd name="connsiteY40" fmla="*/ 79507 h 7809953"/>
+              <a:gd name="connsiteX41" fmla="*/ 470459 w 6858000"/>
+              <a:gd name="connsiteY41" fmla="*/ 63370 h 7809953"/>
+              <a:gd name="connsiteX42" fmla="*/ 348387 w 6858000"/>
+              <a:gd name="connsiteY42" fmla="*/ 48074 h 7809953"/>
+              <a:gd name="connsiteX43" fmla="*/ 245517 w 6858000"/>
+              <a:gd name="connsiteY43" fmla="*/ 35299 h 7809953"/>
+              <a:gd name="connsiteX44" fmla="*/ 159106 w 6858000"/>
+              <a:gd name="connsiteY44" fmla="*/ 23197 h 7809953"/>
+              <a:gd name="connsiteX45" fmla="*/ 40462 w 6858000"/>
+              <a:gd name="connsiteY45" fmla="*/ 5883 h 7809953"/>
+              <a:gd name="connsiteX46" fmla="*/ 0 w 6858000"/>
+              <a:gd name="connsiteY46" fmla="*/ 0 h 7809953"/>
+              <a:gd name="connsiteX47" fmla="*/ 0 w 6858000"/>
+              <a:gd name="connsiteY47" fmla="*/ 652830 h 7809953"/>
+              <a:gd name="connsiteX48" fmla="*/ 0 w 6858000"/>
+              <a:gd name="connsiteY48" fmla="*/ 652830 h 7809953"/>
+              <a:gd name="connsiteX49" fmla="*/ 0 w 6858000"/>
+              <a:gd name="connsiteY49" fmla="*/ 7809953 h 7809953"/>
+              <a:gd name="connsiteX50" fmla="*/ 6857999 w 6858000"/>
+              <a:gd name="connsiteY50" fmla="*/ 7809953 h 7809953"/>
+              <a:gd name="connsiteX51" fmla="*/ 6857999 w 6858000"/>
+              <a:gd name="connsiteY51" fmla="*/ 1344715 h 7809953"/>
+            </a:gdLst>
+            <a:ahLst/>
+            <a:cxnLst>
+              <a:cxn ang="0">
+                <a:pos x="connsiteX0" y="connsiteY0"/>
+              </a:cxn>
+              <a:cxn ang="0">
+                <a:pos x="connsiteX1" y="connsiteY1"/>
+              </a:cxn>
+              <a:cxn ang="0">
+                <a:pos x="connsiteX2" y="connsiteY2"/>
+              </a:cxn>
+              <a:cxn ang="0">
+                <a:pos x="connsiteX3" y="connsiteY3"/>
+              </a:cxn>
+              <a:cxn ang="0">
+                <a:pos x="connsiteX4" y="connsiteY4"/>
+              </a:cxn>
+              <a:cxn ang="0">
+                <a:pos x="connsiteX5" y="connsiteY5"/>
+              </a:cxn>
+              <a:cxn ang="0">
+                <a:pos x="connsiteX6" y="connsiteY6"/>
+              </a:cxn>
+              <a:cxn ang="0">
+                <a:pos x="connsiteX7" y="connsiteY7"/>
+              </a:cxn>
+              <a:cxn ang="0">
+                <a:pos x="connsiteX8" y="connsiteY8"/>
+              </a:cxn>
+              <a:cxn ang="0">
+                <a:pos x="connsiteX9" y="connsiteY9"/>
+              </a:cxn>
+              <a:cxn ang="0">
+                <a:pos x="connsiteX10" y="connsiteY10"/>
+              </a:cxn>
+              <a:cxn ang="0">
+                <a:pos x="connsiteX11" y="connsiteY11"/>
+              </a:cxn>
+              <a:cxn ang="0">
+                <a:pos x="connsiteX12" y="connsiteY12"/>
+              </a:cxn>
+              <a:cxn ang="0">
+                <a:pos x="connsiteX13" y="connsiteY13"/>
+              </a:cxn>
+              <a:cxn ang="0">
+                <a:pos x="connsiteX14" y="connsiteY14"/>
+              </a:cxn>
+              <a:cxn ang="0">
+                <a:pos x="connsiteX15" y="connsiteY15"/>
+              </a:cxn>
+              <a:cxn ang="0">
+                <a:pos x="connsiteX16" y="connsiteY16"/>
+              </a:cxn>
+              <a:cxn ang="0">
+                <a:pos x="connsiteX17" y="connsiteY17"/>
+              </a:cxn>
+              <a:cxn ang="0">
+                <a:pos x="connsiteX18" y="connsiteY18"/>
+              </a:cxn>
+              <a:cxn ang="0">
+                <a:pos x="connsiteX19" y="connsiteY19"/>
+              </a:cxn>
+              <a:cxn ang="0">
+                <a:pos x="connsiteX20" y="connsiteY20"/>
+              </a:cxn>
+              <a:cxn ang="0">
+                <a:pos x="connsiteX21" y="connsiteY21"/>
+              </a:cxn>
+              <a:cxn ang="0">
+                <a:pos x="connsiteX22" y="connsiteY22"/>
+              </a:cxn>
+              <a:cxn ang="0">
+                <a:pos x="connsiteX23" y="connsiteY23"/>
+              </a:cxn>
+              <a:cxn ang="0">
+                <a:pos x="connsiteX24" y="connsiteY24"/>
+              </a:cxn>
+              <a:cxn ang="0">
+                <a:pos x="connsiteX25" y="connsiteY25"/>
+              </a:cxn>
+              <a:cxn ang="0">
+                <a:pos x="connsiteX26" y="connsiteY26"/>
+              </a:cxn>
+              <a:cxn ang="0">
+                <a:pos x="connsiteX27" y="connsiteY27"/>
+              </a:cxn>
+              <a:cxn ang="0">
+                <a:pos x="connsiteX28" y="connsiteY28"/>
+              </a:cxn>
+              <a:cxn ang="0">
+                <a:pos x="connsiteX29" y="connsiteY29"/>
+              </a:cxn>
+              <a:cxn ang="0">
+                <a:pos x="connsiteX30" y="connsiteY30"/>
+              </a:cxn>
+              <a:cxn ang="0">
+                <a:pos x="connsiteX31" y="connsiteY31"/>
+              </a:cxn>
+              <a:cxn ang="0">
+                <a:pos x="connsiteX32" y="connsiteY32"/>
+              </a:cxn>
+              <a:cxn ang="0">
+                <a:pos x="connsiteX33" y="connsiteY33"/>
+              </a:cxn>
+              <a:cxn ang="0">
+                <a:pos x="connsiteX34" y="connsiteY34"/>
+              </a:cxn>
+              <a:cxn ang="0">
+                <a:pos x="connsiteX35" y="connsiteY35"/>
+              </a:cxn>
+              <a:cxn ang="0">
+                <a:pos x="connsiteX36" y="connsiteY36"/>
+              </a:cxn>
+              <a:cxn ang="0">
+                <a:pos x="connsiteX37" y="connsiteY37"/>
+              </a:cxn>
+              <a:cxn ang="0">
+                <a:pos x="connsiteX38" y="connsiteY38"/>
+              </a:cxn>
+              <a:cxn ang="0">
+                <a:pos x="connsiteX39" y="connsiteY39"/>
+              </a:cxn>
+              <a:cxn ang="0">
+                <a:pos x="connsiteX40" y="connsiteY40"/>
+              </a:cxn>
+              <a:cxn ang="0">
+                <a:pos x="connsiteX41" y="connsiteY41"/>
+              </a:cxn>
+              <a:cxn ang="0">
+                <a:pos x="connsiteX42" y="connsiteY42"/>
+              </a:cxn>
+              <a:cxn ang="0">
+                <a:pos x="connsiteX43" y="connsiteY43"/>
+              </a:cxn>
+              <a:cxn ang="0">
+                <a:pos x="connsiteX44" y="connsiteY44"/>
+              </a:cxn>
+              <a:cxn ang="0">
+                <a:pos x="connsiteX45" y="connsiteY45"/>
+              </a:cxn>
+              <a:cxn ang="0">
+                <a:pos x="connsiteX46" y="connsiteY46"/>
+              </a:cxn>
+              <a:cxn ang="0">
+                <a:pos x="connsiteX47" y="connsiteY47"/>
+              </a:cxn>
+              <a:cxn ang="0">
+                <a:pos x="connsiteX48" y="connsiteY48"/>
+              </a:cxn>
+              <a:cxn ang="0">
+                <a:pos x="connsiteX49" y="connsiteY49"/>
+              </a:cxn>
+              <a:cxn ang="0">
+                <a:pos x="connsiteX50" y="connsiteY50"/>
+              </a:cxn>
+              <a:cxn ang="0">
+                <a:pos x="connsiteX51" y="connsiteY51"/>
+              </a:cxn>
+            </a:cxnLst>
+            <a:rect l="l" t="t" r="r" b="b"/>
+            <a:pathLst>
+              <a:path w="6858000" h="7809953">
+                <a:moveTo>
+                  <a:pt x="6858000" y="1344715"/>
+                </a:moveTo>
+                <a:lnTo>
+                  <a:pt x="6858000" y="1177"/>
+                </a:lnTo>
+                <a:lnTo>
+                  <a:pt x="6702323" y="26222"/>
+                </a:lnTo>
+                <a:lnTo>
+                  <a:pt x="6547332" y="50091"/>
+                </a:lnTo>
+                <a:lnTo>
+                  <a:pt x="6391656" y="73455"/>
+                </a:lnTo>
+                <a:lnTo>
+                  <a:pt x="6235293" y="93458"/>
+                </a:lnTo>
+                <a:lnTo>
+                  <a:pt x="6079617" y="113629"/>
+                </a:lnTo>
+                <a:lnTo>
+                  <a:pt x="5923254" y="132455"/>
+                </a:lnTo>
+                <a:lnTo>
+                  <a:pt x="5768949" y="148591"/>
+                </a:lnTo>
+                <a:lnTo>
+                  <a:pt x="5612587" y="163887"/>
+                </a:lnTo>
+                <a:lnTo>
+                  <a:pt x="5456910" y="177839"/>
+                </a:lnTo>
+                <a:lnTo>
+                  <a:pt x="5303977" y="189941"/>
+                </a:lnTo>
+                <a:lnTo>
+                  <a:pt x="5148986" y="202044"/>
+                </a:lnTo>
+                <a:lnTo>
+                  <a:pt x="4996053" y="212129"/>
+                </a:lnTo>
+                <a:lnTo>
+                  <a:pt x="4843119" y="220029"/>
+                </a:lnTo>
+                <a:lnTo>
+                  <a:pt x="4690872" y="228266"/>
+                </a:lnTo>
+                <a:lnTo>
+                  <a:pt x="4539996" y="235157"/>
+                </a:lnTo>
+                <a:lnTo>
+                  <a:pt x="4390491" y="240032"/>
+                </a:lnTo>
+                <a:lnTo>
+                  <a:pt x="4240987" y="244234"/>
+                </a:lnTo>
+                <a:lnTo>
+                  <a:pt x="4092855" y="248268"/>
+                </a:lnTo>
+                <a:lnTo>
+                  <a:pt x="3946779" y="250117"/>
+                </a:lnTo>
+                <a:lnTo>
+                  <a:pt x="3800704" y="252134"/>
+                </a:lnTo>
+                <a:lnTo>
+                  <a:pt x="3656685" y="253143"/>
+                </a:lnTo>
+                <a:lnTo>
+                  <a:pt x="3514039" y="252134"/>
+                </a:lnTo>
+                <a:lnTo>
+                  <a:pt x="3372765" y="252134"/>
+                </a:lnTo>
+                <a:lnTo>
+                  <a:pt x="3232861" y="250117"/>
+                </a:lnTo>
+                <a:lnTo>
+                  <a:pt x="3095701" y="247092"/>
+                </a:lnTo>
+                <a:lnTo>
+                  <a:pt x="2959913" y="244234"/>
+                </a:lnTo>
+                <a:lnTo>
+                  <a:pt x="2826868" y="241040"/>
+                </a:lnTo>
+                <a:lnTo>
+                  <a:pt x="2694508" y="236166"/>
+                </a:lnTo>
+                <a:lnTo>
+                  <a:pt x="2564207" y="230955"/>
+                </a:lnTo>
+                <a:lnTo>
+                  <a:pt x="2436648" y="226249"/>
+                </a:lnTo>
+                <a:lnTo>
+                  <a:pt x="2187702" y="212969"/>
+                </a:lnTo>
+                <a:lnTo>
+                  <a:pt x="1949044" y="198850"/>
+                </a:lnTo>
+                <a:lnTo>
+                  <a:pt x="1719987" y="184058"/>
+                </a:lnTo>
+                <a:lnTo>
+                  <a:pt x="1503274" y="167753"/>
+                </a:lnTo>
+                <a:lnTo>
+                  <a:pt x="1296162" y="150776"/>
+                </a:lnTo>
+                <a:lnTo>
+                  <a:pt x="1104138" y="132455"/>
+                </a:lnTo>
+                <a:lnTo>
+                  <a:pt x="923773" y="114469"/>
+                </a:lnTo>
+                <a:lnTo>
+                  <a:pt x="757809" y="96484"/>
+                </a:lnTo>
+                <a:lnTo>
+                  <a:pt x="605562" y="79507"/>
+                </a:lnTo>
+                <a:lnTo>
+                  <a:pt x="470459" y="63370"/>
+                </a:lnTo>
+                <a:lnTo>
+                  <a:pt x="348387" y="48074"/>
+                </a:lnTo>
+                <a:lnTo>
+                  <a:pt x="245517" y="35299"/>
+                </a:lnTo>
+                <a:lnTo>
+                  <a:pt x="159106" y="23197"/>
+                </a:lnTo>
+                <a:lnTo>
+                  <a:pt x="40462" y="5883"/>
+                </a:lnTo>
+                <a:lnTo>
+                  <a:pt x="0" y="0"/>
+                </a:lnTo>
+                <a:lnTo>
+                  <a:pt x="0" y="652830"/>
+                </a:lnTo>
+                <a:lnTo>
+                  <a:pt x="0" y="652830"/>
+                </a:lnTo>
+                <a:lnTo>
+                  <a:pt x="0" y="7809953"/>
+                </a:lnTo>
+                <a:lnTo>
+                  <a:pt x="6857999" y="7809953"/>
+                </a:lnTo>
+                <a:lnTo>
+                  <a:pt x="6857999" y="1344715"/>
+                </a:lnTo>
+                <a:close/>
+              </a:path>
+            </a:pathLst>
+          </a:custGeom>
+          <a:solidFill>
+            <a:srgbClr val="FFFFFF"/>
+          </a:solidFill>
+          <a:ln>
+            <a:noFill/>
+          </a:ln>
+        </p:spPr>
+      </p:sp>
+      <p:sp>
+        <p:nvSpPr>
+          <p:cNvPr id="24" name="Freeform 31">
+            <a:extLst>
+              <a:ext uri="{FF2B5EF4-FFF2-40B4-BE49-F238E27FC236}">
+                <a16:creationId xmlns:a16="http://schemas.microsoft.com/office/drawing/2014/main" id="{AEA0BB24-2B23-4B19-996F-58DA607EE280}"/>
+              </a:ext>
+              <a:ext uri="{C183D7F6-B498-43B3-948B-1728B52AA6E4}">
+                <adec:decorative xmlns:adec="http://schemas.microsoft.com/office/drawing/2017/decorative" xmlns="" val="1"/>
+              </a:ext>
+            </a:extLst>
+          </p:cNvPr>
+          <p:cNvSpPr>
+            <a:spLocks noGrp="1" noRot="1" noChangeAspect="1" noMove="1" noResize="1" noEditPoints="1" noAdjustHandles="1" noChangeArrowheads="1" noChangeShapeType="1" noTextEdit="1"/>
+          </p:cNvSpPr>
+          <p:nvPr>
+            <p:extLst>
+              <p:ext uri="{386F3935-93C4-4BCD-93E2-E3B085C9AB24}">
+                <p16:designElem xmlns:p16="http://schemas.microsoft.com/office/powerpoint/2015/main" val="1"/>
+              </p:ext>
+            </p:extLst>
+          </p:nvPr>
+        </p:nvSpPr>
+        <p:spPr>
+          <a:xfrm flipH="1">
+            <a:off x="7463681" y="-1"/>
+            <a:ext cx="559472" cy="3709642"/>
+          </a:xfrm>
+          <a:custGeom>
+            <a:avLst/>
+            <a:gdLst>
+              <a:gd name="connsiteX0" fmla="*/ 0 w 559472"/>
+              <a:gd name="connsiteY0" fmla="*/ 0 h 3709642"/>
+              <a:gd name="connsiteX1" fmla="*/ 473952 w 559472"/>
+              <a:gd name="connsiteY1" fmla="*/ 0 h 3709642"/>
+              <a:gd name="connsiteX2" fmla="*/ 485840 w 559472"/>
+              <a:gd name="connsiteY2" fmla="*/ 161194 h 3709642"/>
+              <a:gd name="connsiteX3" fmla="*/ 523949 w 559472"/>
+              <a:gd name="connsiteY3" fmla="*/ 3672197 h 3709642"/>
+              <a:gd name="connsiteX4" fmla="*/ 454748 w 559472"/>
+              <a:gd name="connsiteY4" fmla="*/ 3709642 h 3709642"/>
+              <a:gd name="connsiteX5" fmla="*/ 448224 w 559472"/>
+              <a:gd name="connsiteY5" fmla="*/ 3510471 h 3709642"/>
+              <a:gd name="connsiteX6" fmla="*/ 443564 w 559472"/>
+              <a:gd name="connsiteY6" fmla="*/ 3408563 h 3709642"/>
+              <a:gd name="connsiteX7" fmla="*/ 438902 w 559472"/>
+              <a:gd name="connsiteY7" fmla="*/ 3304407 h 3709642"/>
+              <a:gd name="connsiteX8" fmla="*/ 433941 w 559472"/>
+              <a:gd name="connsiteY8" fmla="*/ 3198777 h 3709642"/>
+              <a:gd name="connsiteX9" fmla="*/ 427584 w 559472"/>
+              <a:gd name="connsiteY9" fmla="*/ 3092510 h 3709642"/>
+              <a:gd name="connsiteX10" fmla="*/ 420988 w 559472"/>
+              <a:gd name="connsiteY10" fmla="*/ 2984390 h 3709642"/>
+              <a:gd name="connsiteX11" fmla="*/ 414330 w 559472"/>
+              <a:gd name="connsiteY11" fmla="*/ 2874401 h 3709642"/>
+              <a:gd name="connsiteX12" fmla="*/ 406840 w 559472"/>
+              <a:gd name="connsiteY12" fmla="*/ 2762980 h 3709642"/>
+              <a:gd name="connsiteX13" fmla="*/ 397745 w 559472"/>
+              <a:gd name="connsiteY13" fmla="*/ 2650566 h 3709642"/>
+              <a:gd name="connsiteX14" fmla="*/ 389154 w 559472"/>
+              <a:gd name="connsiteY14" fmla="*/ 2536612 h 3709642"/>
+              <a:gd name="connsiteX15" fmla="*/ 379225 w 559472"/>
+              <a:gd name="connsiteY15" fmla="*/ 2421642 h 3709642"/>
+              <a:gd name="connsiteX16" fmla="*/ 368316 w 559472"/>
+              <a:gd name="connsiteY16" fmla="*/ 2305627 h 3709642"/>
+              <a:gd name="connsiteX17" fmla="*/ 357466 w 559472"/>
+              <a:gd name="connsiteY17" fmla="*/ 2189233 h 3709642"/>
+              <a:gd name="connsiteX18" fmla="*/ 344982 w 559472"/>
+              <a:gd name="connsiteY18" fmla="*/ 2071473 h 3709642"/>
+              <a:gd name="connsiteX19" fmla="*/ 332466 w 559472"/>
+              <a:gd name="connsiteY19" fmla="*/ 1952216 h 3709642"/>
+              <a:gd name="connsiteX20" fmla="*/ 319121 w 559472"/>
+              <a:gd name="connsiteY20" fmla="*/ 1833776 h 3709642"/>
+              <a:gd name="connsiteX21" fmla="*/ 304408 w 559472"/>
+              <a:gd name="connsiteY21" fmla="*/ 1713948 h 3709642"/>
+              <a:gd name="connsiteX22" fmla="*/ 288685 w 559472"/>
+              <a:gd name="connsiteY22" fmla="*/ 1592703 h 3709642"/>
+              <a:gd name="connsiteX23" fmla="*/ 273050 w 559472"/>
+              <a:gd name="connsiteY23" fmla="*/ 1471451 h 3709642"/>
+              <a:gd name="connsiteX24" fmla="*/ 255813 w 559472"/>
+              <a:gd name="connsiteY24" fmla="*/ 1350328 h 3709642"/>
+              <a:gd name="connsiteX25" fmla="*/ 237060 w 559472"/>
+              <a:gd name="connsiteY25" fmla="*/ 1227080 h 3709642"/>
+              <a:gd name="connsiteX26" fmla="*/ 218488 w 559472"/>
+              <a:gd name="connsiteY26" fmla="*/ 1106065 h 3709642"/>
+              <a:gd name="connsiteX27" fmla="*/ 198221 w 559472"/>
+              <a:gd name="connsiteY27" fmla="*/ 982940 h 3709642"/>
+              <a:gd name="connsiteX28" fmla="*/ 177152 w 559472"/>
+              <a:gd name="connsiteY28" fmla="*/ 858755 h 3709642"/>
+              <a:gd name="connsiteX29" fmla="*/ 155551 w 559472"/>
+              <a:gd name="connsiteY29" fmla="*/ 736861 h 3709642"/>
+              <a:gd name="connsiteX30" fmla="*/ 131782 w 559472"/>
+              <a:gd name="connsiteY30" fmla="*/ 613645 h 3709642"/>
+              <a:gd name="connsiteX31" fmla="*/ 107123 w 559472"/>
+              <a:gd name="connsiteY31" fmla="*/ 490500 h 3709642"/>
+              <a:gd name="connsiteX32" fmla="*/ 82552 w 559472"/>
+              <a:gd name="connsiteY32" fmla="*/ 367348 h 3709642"/>
+              <a:gd name="connsiteX33" fmla="*/ 55608 w 559472"/>
+              <a:gd name="connsiteY33" fmla="*/ 244762 h 3709642"/>
+              <a:gd name="connsiteX34" fmla="*/ 28130 w 559472"/>
+              <a:gd name="connsiteY34" fmla="*/ 122220 h 3709642"/>
+              <a:gd name="connsiteX35" fmla="*/ 0 w 559472"/>
+              <a:gd name="connsiteY35" fmla="*/ 0 h 3709642"/>
+            </a:gdLst>
+            <a:ahLst/>
+            <a:cxnLst>
+              <a:cxn ang="0">
+                <a:pos x="connsiteX0" y="connsiteY0"/>
+              </a:cxn>
+              <a:cxn ang="0">
+                <a:pos x="connsiteX1" y="connsiteY1"/>
+              </a:cxn>
+              <a:cxn ang="0">
+                <a:pos x="connsiteX2" y="connsiteY2"/>
+              </a:cxn>
+              <a:cxn ang="0">
+                <a:pos x="connsiteX3" y="connsiteY3"/>
+              </a:cxn>
+              <a:cxn ang="0">
+                <a:pos x="connsiteX4" y="connsiteY4"/>
+              </a:cxn>
+              <a:cxn ang="0">
+                <a:pos x="connsiteX5" y="connsiteY5"/>
+              </a:cxn>
+              <a:cxn ang="0">
+                <a:pos x="connsiteX6" y="connsiteY6"/>
+              </a:cxn>
+              <a:cxn ang="0">
+                <a:pos x="connsiteX7" y="connsiteY7"/>
+              </a:cxn>
+              <a:cxn ang="0">
+                <a:pos x="connsiteX8" y="connsiteY8"/>
+              </a:cxn>
+              <a:cxn ang="0">
+                <a:pos x="connsiteX9" y="connsiteY9"/>
+              </a:cxn>
+              <a:cxn ang="0">
+                <a:pos x="connsiteX10" y="connsiteY10"/>
+              </a:cxn>
+              <a:cxn ang="0">
+                <a:pos x="connsiteX11" y="connsiteY11"/>
+              </a:cxn>
+              <a:cxn ang="0">
+                <a:pos x="connsiteX12" y="connsiteY12"/>
+              </a:cxn>
+              <a:cxn ang="0">
+                <a:pos x="connsiteX13" y="connsiteY13"/>
+              </a:cxn>
+              <a:cxn ang="0">
+                <a:pos x="connsiteX14" y="connsiteY14"/>
+              </a:cxn>
+              <a:cxn ang="0">
+                <a:pos x="connsiteX15" y="connsiteY15"/>
+              </a:cxn>
+              <a:cxn ang="0">
+                <a:pos x="connsiteX16" y="connsiteY16"/>
+              </a:cxn>
+              <a:cxn ang="0">
+                <a:pos x="connsiteX17" y="connsiteY17"/>
+              </a:cxn>
+              <a:cxn ang="0">
+                <a:pos x="connsiteX18" y="connsiteY18"/>
+              </a:cxn>
+              <a:cxn ang="0">
+                <a:pos x="connsiteX19" y="connsiteY19"/>
+              </a:cxn>
+              <a:cxn ang="0">
+                <a:pos x="connsiteX20" y="connsiteY20"/>
+              </a:cxn>
+              <a:cxn ang="0">
+                <a:pos x="connsiteX21" y="connsiteY21"/>
+              </a:cxn>
+              <a:cxn ang="0">
+                <a:pos x="connsiteX22" y="connsiteY22"/>
+              </a:cxn>
+              <a:cxn ang="0">
+                <a:pos x="connsiteX23" y="connsiteY23"/>
+              </a:cxn>
+              <a:cxn ang="0">
+                <a:pos x="connsiteX24" y="connsiteY24"/>
+              </a:cxn>
+              <a:cxn ang="0">
+                <a:pos x="connsiteX25" y="connsiteY25"/>
+              </a:cxn>
+              <a:cxn ang="0">
+                <a:pos x="connsiteX26" y="connsiteY26"/>
+              </a:cxn>
+              <a:cxn ang="0">
+                <a:pos x="connsiteX27" y="connsiteY27"/>
+              </a:cxn>
+              <a:cxn ang="0">
+                <a:pos x="connsiteX28" y="connsiteY28"/>
+              </a:cxn>
+              <a:cxn ang="0">
+                <a:pos x="connsiteX29" y="connsiteY29"/>
+              </a:cxn>
+              <a:cxn ang="0">
+                <a:pos x="connsiteX30" y="connsiteY30"/>
+              </a:cxn>
+              <a:cxn ang="0">
+                <a:pos x="connsiteX31" y="connsiteY31"/>
+              </a:cxn>
+              <a:cxn ang="0">
+                <a:pos x="connsiteX32" y="connsiteY32"/>
+              </a:cxn>
+              <a:cxn ang="0">
+                <a:pos x="connsiteX33" y="connsiteY33"/>
+              </a:cxn>
+              <a:cxn ang="0">
+                <a:pos x="connsiteX34" y="connsiteY34"/>
+              </a:cxn>
+              <a:cxn ang="0">
+                <a:pos x="connsiteX35" y="connsiteY35"/>
+              </a:cxn>
+            </a:cxnLst>
+            <a:rect l="l" t="t" r="r" b="b"/>
+            <a:pathLst>
+              <a:path w="559472" h="3709642">
+                <a:moveTo>
+                  <a:pt x="0" y="0"/>
+                </a:moveTo>
+                <a:lnTo>
+                  <a:pt x="473952" y="0"/>
+                </a:lnTo>
+                <a:lnTo>
+                  <a:pt x="485840" y="161194"/>
+                </a:lnTo>
+                <a:cubicBezTo>
+                  <a:pt x="552063" y="1147770"/>
+                  <a:pt x="592441" y="3086737"/>
+                  <a:pt x="523949" y="3672197"/>
+                </a:cubicBezTo>
+                <a:cubicBezTo>
+                  <a:pt x="500842" y="3684557"/>
+                  <a:pt x="477855" y="3697282"/>
+                  <a:pt x="454748" y="3709642"/>
+                </a:cubicBezTo>
+                <a:lnTo>
+                  <a:pt x="448224" y="3510471"/>
+                </a:lnTo>
+                <a:lnTo>
+                  <a:pt x="443564" y="3408563"/>
+                </a:lnTo>
+                <a:lnTo>
+                  <a:pt x="438902" y="3304407"/>
+                </a:lnTo>
+                <a:lnTo>
+                  <a:pt x="433941" y="3198777"/>
+                </a:lnTo>
+                <a:lnTo>
+                  <a:pt x="427584" y="3092510"/>
+                </a:lnTo>
+                <a:lnTo>
+                  <a:pt x="420988" y="2984390"/>
+                </a:lnTo>
+                <a:lnTo>
+                  <a:pt x="414330" y="2874401"/>
+                </a:lnTo>
+                <a:lnTo>
+                  <a:pt x="406840" y="2762980"/>
+                </a:lnTo>
+                <a:lnTo>
+                  <a:pt x="397745" y="2650566"/>
+                </a:lnTo>
+                <a:lnTo>
+                  <a:pt x="389154" y="2536612"/>
+                </a:lnTo>
+                <a:lnTo>
+                  <a:pt x="379225" y="2421642"/>
+                </a:lnTo>
+                <a:lnTo>
+                  <a:pt x="368316" y="2305627"/>
+                </a:lnTo>
+                <a:lnTo>
+                  <a:pt x="357466" y="2189233"/>
+                </a:lnTo>
+                <a:lnTo>
+                  <a:pt x="344982" y="2071473"/>
+                </a:lnTo>
+                <a:lnTo>
+                  <a:pt x="332466" y="1952216"/>
+                </a:lnTo>
+                <a:lnTo>
+                  <a:pt x="319121" y="1833776"/>
+                </a:lnTo>
+                <a:lnTo>
+                  <a:pt x="304408" y="1713948"/>
+                </a:lnTo>
+                <a:lnTo>
+                  <a:pt x="288685" y="1592703"/>
+                </a:lnTo>
+                <a:lnTo>
+                  <a:pt x="273050" y="1471451"/>
+                </a:lnTo>
+                <a:lnTo>
+                  <a:pt x="255813" y="1350328"/>
+                </a:lnTo>
+                <a:lnTo>
+                  <a:pt x="237060" y="1227080"/>
+                </a:lnTo>
+                <a:lnTo>
+                  <a:pt x="218488" y="1106065"/>
+                </a:lnTo>
+                <a:lnTo>
+                  <a:pt x="198221" y="982940"/>
+                </a:lnTo>
+                <a:lnTo>
+                  <a:pt x="177152" y="858755"/>
+                </a:lnTo>
+                <a:lnTo>
+                  <a:pt x="155551" y="736861"/>
+                </a:lnTo>
+                <a:lnTo>
+                  <a:pt x="131782" y="613645"/>
+                </a:lnTo>
+                <a:lnTo>
+                  <a:pt x="107123" y="490500"/>
+                </a:lnTo>
+                <a:lnTo>
+                  <a:pt x="82552" y="367348"/>
+                </a:lnTo>
+                <a:lnTo>
+                  <a:pt x="55608" y="244762"/>
+                </a:lnTo>
+                <a:lnTo>
+                  <a:pt x="28130" y="122220"/>
+                </a:lnTo>
+                <a:lnTo>
+                  <a:pt x="0" y="0"/>
+                </a:lnTo>
+                <a:close/>
+              </a:path>
+            </a:pathLst>
+          </a:custGeom>
+          <a:solidFill>
+            <a:schemeClr val="tx1">
+              <a:alpha val="20000"/>
+            </a:schemeClr>
+          </a:solidFill>
+          <a:ln>
+            <a:noFill/>
+          </a:ln>
+        </p:spPr>
+        <p:txBody>
+          <a:bodyPr rtlCol="0" anchor="ctr"/>
+          <a:lstStyle/>
+          <a:p>
+            <a:pPr algn="ctr"/>
+            <a:endParaRPr lang="en-US"/>
+          </a:p>
+        </p:txBody>
+      </p:sp>
+      <p:pic>
+        <p:nvPicPr>
+          <p:cNvPr id="5" name="Picture 4" descr="A screenshot of a cell phone&#10;&#10;Description automatically generated">
+            <a:extLst>
+              <a:ext uri="{FF2B5EF4-FFF2-40B4-BE49-F238E27FC236}">
+                <a16:creationId xmlns:a16="http://schemas.microsoft.com/office/drawing/2014/main" id="{390F351B-250E-4F57-9CE8-CACCE6CFB7D4}"/>
+              </a:ext>
+            </a:extLst>
+          </p:cNvPr>
+          <p:cNvPicPr>
+            <a:picLocks noChangeAspect="1"/>
+          </p:cNvPicPr>
+          <p:nvPr/>
+        </p:nvPicPr>
+        <p:blipFill>
+          <a:blip r:embed="rId7"/>
+          <a:stretch>
+            <a:fillRect/>
+          </a:stretch>
+        </p:blipFill>
+        <p:spPr>
+          <a:xfrm>
+            <a:off x="102164" y="1854820"/>
+            <a:ext cx="7150714" cy="4022278"/>
+          </a:xfrm>
+          <a:prstGeom prst="rect">
+            <a:avLst/>
+          </a:prstGeom>
+          <a:effectLst/>
+        </p:spPr>
+      </p:pic>
       <p:sp>
         <p:nvSpPr>
           <p:cNvPr id="15" name="TextBox 14">
@@ -17401,8 +20261,8 @@
         </p:nvSpPr>
         <p:spPr>
           <a:xfrm>
-            <a:off x="6095669" y="5492381"/>
-            <a:ext cx="1508780" cy="276999"/>
+            <a:off x="2593908" y="1141407"/>
+            <a:ext cx="2455114" cy="276999"/>
           </a:xfrm>
           <a:prstGeom prst="rect">
             <a:avLst/>
@@ -17416,20 +20276,25 @@
           <a:lstStyle/>
           <a:p>
             <a:r>
-              <a:rPr lang="en-GB" sz="1200" dirty="0">
+              <a:rPr lang="en-GB" sz="1200" b="1" dirty="0" smtClean="0">
                 <a:solidFill>
                   <a:schemeClr val="bg1"/>
                 </a:solidFill>
               </a:rPr>
-              <a:t>recommendation</a:t>
+              <a:t>Recommendations Page</a:t>
             </a:r>
+            <a:endParaRPr lang="en-GB" sz="1200" b="1" dirty="0">
+              <a:solidFill>
+                <a:schemeClr val="bg1"/>
+              </a:solidFill>
+            </a:endParaRPr>
           </a:p>
         </p:txBody>
       </p:sp>
     </p:spTree>
     <p:extLst>
       <p:ext uri="{BB962C8B-B14F-4D97-AF65-F5344CB8AC3E}">
-        <p14:creationId xmlns:p14="http://schemas.microsoft.com/office/powerpoint/2010/main" val="3726607038"/>
+        <p14:creationId xmlns:p14="http://schemas.microsoft.com/office/powerpoint/2010/main" val="2627407971"/>
       </p:ext>
     </p:extLst>
   </p:cSld>
@@ -17439,9 +20304,33 @@
 </p:sld>
 </file>
 
-<file path=ppt/slides/slide7.xml><?xml version="1.0" encoding="utf-8"?>
+<file path=ppt/slides/slide9.xml><?xml version="1.0" encoding="utf-8"?>
 <p:sld xmlns:a="http://schemas.openxmlformats.org/drawingml/2006/main" xmlns:r="http://schemas.openxmlformats.org/officeDocument/2006/relationships" xmlns:p="http://schemas.openxmlformats.org/presentationml/2006/main">
   <p:cSld>
+    <p:bg>
+      <p:bgPr>
+        <a:blipFill rotWithShape="1">
+          <a:blip r:embed="rId2">
+            <a:duotone>
+              <a:schemeClr val="bg2">
+                <a:shade val="69000"/>
+                <a:hueMod val="108000"/>
+                <a:satMod val="164000"/>
+                <a:lumMod val="74000"/>
+              </a:schemeClr>
+              <a:schemeClr val="bg2">
+                <a:tint val="96000"/>
+                <a:hueMod val="88000"/>
+                <a:satMod val="140000"/>
+                <a:lumMod val="132000"/>
+              </a:schemeClr>
+            </a:duotone>
+          </a:blip>
+          <a:stretch/>
+        </a:blipFill>
+        <a:effectLst/>
+      </p:bgPr>
+    </p:bg>
     <p:spTree>
       <p:nvGrpSpPr>
         <p:cNvPr id="1" name=""/>
@@ -17456,6 +20345,315 @@
           <a:chExt cx="0" cy="0"/>
         </a:xfrm>
       </p:grpSpPr>
+      <p:pic>
+        <p:nvPicPr>
+          <p:cNvPr id="10" name="Picture 9">
+            <a:extLst>
+              <a:ext uri="{FF2B5EF4-FFF2-40B4-BE49-F238E27FC236}">
+                <a16:creationId xmlns:a16="http://schemas.microsoft.com/office/drawing/2014/main" id="{412E3267-7ABE-412B-8580-47EC0D1F61FE}"/>
+              </a:ext>
+              <a:ext uri="{C183D7F6-B498-43B3-948B-1728B52AA6E4}">
+                <adec:decorative xmlns:adec="http://schemas.microsoft.com/office/drawing/2017/decorative" xmlns="" val="1"/>
+              </a:ext>
+            </a:extLst>
+          </p:cNvPr>
+          <p:cNvPicPr>
+            <a:picLocks noGrp="1" noRot="1" noChangeAspect="1" noMove="1" noResize="1" noEditPoints="1" noAdjustHandles="1" noChangeArrowheads="1" noChangeShapeType="1" noCrop="1"/>
+          </p:cNvPicPr>
+          <p:nvPr>
+            <p:extLst>
+              <p:ext uri="{386F3935-93C4-4BCD-93E2-E3B085C9AB24}">
+                <p16:designElem xmlns:p16="http://schemas.microsoft.com/office/powerpoint/2015/main" val="1"/>
+              </p:ext>
+            </p:extLst>
+          </p:nvPr>
+        </p:nvPicPr>
+        <p:blipFill rotWithShape="1">
+          <a:blip r:embed="rId3">
+            <a:extLst>
+              <a:ext uri="{28A0092B-C50C-407E-A947-70E740481C1C}">
+                <a14:useLocalDpi xmlns:a14="http://schemas.microsoft.com/office/drawing/2010/main" val="0"/>
+              </a:ext>
+            </a:extLst>
+          </a:blip>
+          <a:srcRect l="3613"/>
+          <a:stretch/>
+        </p:blipFill>
+        <p:spPr>
+          <a:xfrm>
+            <a:off x="0" y="2669685"/>
+            <a:ext cx="4037012" cy="4188315"/>
+          </a:xfrm>
+          <a:prstGeom prst="rect">
+            <a:avLst/>
+          </a:prstGeom>
+        </p:spPr>
+      </p:pic>
+      <p:pic>
+        <p:nvPicPr>
+          <p:cNvPr id="12" name="Picture 11">
+            <a:extLst>
+              <a:ext uri="{FF2B5EF4-FFF2-40B4-BE49-F238E27FC236}">
+                <a16:creationId xmlns:a16="http://schemas.microsoft.com/office/drawing/2014/main" id="{20B62C5A-2250-4380-AB23-DB87446CCED0}"/>
+              </a:ext>
+              <a:ext uri="{C183D7F6-B498-43B3-948B-1728B52AA6E4}">
+                <adec:decorative xmlns:adec="http://schemas.microsoft.com/office/drawing/2017/decorative" xmlns="" val="1"/>
+              </a:ext>
+            </a:extLst>
+          </p:cNvPr>
+          <p:cNvPicPr>
+            <a:picLocks noGrp="1" noRot="1" noChangeAspect="1" noMove="1" noResize="1" noEditPoints="1" noAdjustHandles="1" noChangeArrowheads="1" noChangeShapeType="1" noCrop="1"/>
+          </p:cNvPicPr>
+          <p:nvPr>
+            <p:extLst>
+              <p:ext uri="{386F3935-93C4-4BCD-93E2-E3B085C9AB24}">
+                <p16:designElem xmlns:p16="http://schemas.microsoft.com/office/powerpoint/2015/main" val="1"/>
+              </p:ext>
+            </p:extLst>
+          </p:nvPr>
+        </p:nvPicPr>
+        <p:blipFill rotWithShape="1">
+          <a:blip r:embed="rId4">
+            <a:extLst>
+              <a:ext uri="{28A0092B-C50C-407E-A947-70E740481C1C}">
+                <a14:useLocalDpi xmlns:a14="http://schemas.microsoft.com/office/drawing/2010/main" val="0"/>
+              </a:ext>
+            </a:extLst>
+          </a:blip>
+          <a:srcRect l="35640"/>
+          <a:stretch/>
+        </p:blipFill>
+        <p:spPr>
+          <a:xfrm>
+            <a:off x="0" y="2892347"/>
+            <a:ext cx="1522412" cy="2365453"/>
+          </a:xfrm>
+          <a:prstGeom prst="rect">
+            <a:avLst/>
+          </a:prstGeom>
+        </p:spPr>
+      </p:pic>
+      <p:sp>
+        <p:nvSpPr>
+          <p:cNvPr id="14" name="Oval 13">
+            <a:extLst>
+              <a:ext uri="{FF2B5EF4-FFF2-40B4-BE49-F238E27FC236}">
+                <a16:creationId xmlns:a16="http://schemas.microsoft.com/office/drawing/2014/main" id="{D42CF425-7213-4F89-B0FF-4C2BDDD9C680}"/>
+              </a:ext>
+              <a:ext uri="{C183D7F6-B498-43B3-948B-1728B52AA6E4}">
+                <adec:decorative xmlns:adec="http://schemas.microsoft.com/office/drawing/2017/decorative" xmlns="" val="1"/>
+              </a:ext>
+            </a:extLst>
+          </p:cNvPr>
+          <p:cNvSpPr>
+            <a:spLocks noGrp="1" noRot="1" noChangeAspect="1" noMove="1" noResize="1" noEditPoints="1" noAdjustHandles="1" noChangeArrowheads="1" noChangeShapeType="1" noTextEdit="1"/>
+          </p:cNvSpPr>
+          <p:nvPr>
+            <p:extLst>
+              <p:ext uri="{386F3935-93C4-4BCD-93E2-E3B085C9AB24}">
+                <p16:designElem xmlns:p16="http://schemas.microsoft.com/office/powerpoint/2015/main" val="1"/>
+              </p:ext>
+            </p:extLst>
+          </p:nvPr>
+        </p:nvSpPr>
+        <p:spPr>
+          <a:xfrm>
+            <a:off x="8609012" y="1676400"/>
+            <a:ext cx="2819400" cy="2819400"/>
+          </a:xfrm>
+          <a:prstGeom prst="ellipse">
+            <a:avLst/>
+          </a:prstGeom>
+          <a:gradFill flip="none" rotWithShape="1">
+            <a:gsLst>
+              <a:gs pos="0">
+                <a:schemeClr val="bg2">
+                  <a:lumMod val="60000"/>
+                  <a:lumOff val="40000"/>
+                  <a:alpha val="7000"/>
+                </a:schemeClr>
+              </a:gs>
+              <a:gs pos="69000">
+                <a:schemeClr val="bg2">
+                  <a:lumMod val="60000"/>
+                  <a:lumOff val="40000"/>
+                  <a:alpha val="0"/>
+                </a:schemeClr>
+              </a:gs>
+              <a:gs pos="36000">
+                <a:schemeClr val="bg2">
+                  <a:lumMod val="60000"/>
+                  <a:lumOff val="40000"/>
+                  <a:alpha val="6000"/>
+                </a:schemeClr>
+              </a:gs>
+            </a:gsLst>
+            <a:path path="circle">
+              <a:fillToRect l="50000" t="50000" r="50000" b="50000"/>
+            </a:path>
+            <a:tileRect/>
+          </a:gradFill>
+          <a:ln>
+            <a:noFill/>
+          </a:ln>
+          <a:effectLst/>
+        </p:spPr>
+        <p:style>
+          <a:lnRef idx="1">
+            <a:schemeClr val="accent1"/>
+          </a:lnRef>
+          <a:fillRef idx="3">
+            <a:schemeClr val="accent1"/>
+          </a:fillRef>
+          <a:effectRef idx="2">
+            <a:schemeClr val="accent1"/>
+          </a:effectRef>
+          <a:fontRef idx="minor">
+            <a:schemeClr val="lt1"/>
+          </a:fontRef>
+        </p:style>
+      </p:sp>
+      <p:pic>
+        <p:nvPicPr>
+          <p:cNvPr id="16" name="Picture 15">
+            <a:extLst>
+              <a:ext uri="{FF2B5EF4-FFF2-40B4-BE49-F238E27FC236}">
+                <a16:creationId xmlns:a16="http://schemas.microsoft.com/office/drawing/2014/main" id="{D35DA97D-88F8-4249-B650-4FC9FD50A382}"/>
+              </a:ext>
+              <a:ext uri="{C183D7F6-B498-43B3-948B-1728B52AA6E4}">
+                <adec:decorative xmlns:adec="http://schemas.microsoft.com/office/drawing/2017/decorative" xmlns="" val="1"/>
+              </a:ext>
+            </a:extLst>
+          </p:cNvPr>
+          <p:cNvPicPr>
+            <a:picLocks noGrp="1" noRot="1" noChangeAspect="1" noMove="1" noResize="1" noEditPoints="1" noAdjustHandles="1" noChangeArrowheads="1" noChangeShapeType="1" noCrop="1"/>
+          </p:cNvPicPr>
+          <p:nvPr>
+            <p:extLst>
+              <p:ext uri="{386F3935-93C4-4BCD-93E2-E3B085C9AB24}">
+                <p16:designElem xmlns:p16="http://schemas.microsoft.com/office/powerpoint/2015/main" val="1"/>
+              </p:ext>
+            </p:extLst>
+          </p:nvPr>
+        </p:nvPicPr>
+        <p:blipFill rotWithShape="1">
+          <a:blip r:embed="rId5">
+            <a:extLst>
+              <a:ext uri="{28A0092B-C50C-407E-A947-70E740481C1C}">
+                <a14:useLocalDpi xmlns:a14="http://schemas.microsoft.com/office/drawing/2010/main" val="0"/>
+              </a:ext>
+            </a:extLst>
+          </a:blip>
+          <a:srcRect t="28813"/>
+          <a:stretch/>
+        </p:blipFill>
+        <p:spPr>
+          <a:xfrm>
+            <a:off x="7999412" y="0"/>
+            <a:ext cx="1603387" cy="1141407"/>
+          </a:xfrm>
+          <a:prstGeom prst="rect">
+            <a:avLst/>
+          </a:prstGeom>
+        </p:spPr>
+      </p:pic>
+      <p:pic>
+        <p:nvPicPr>
+          <p:cNvPr id="18" name="Picture 17">
+            <a:extLst>
+              <a:ext uri="{FF2B5EF4-FFF2-40B4-BE49-F238E27FC236}">
+                <a16:creationId xmlns:a16="http://schemas.microsoft.com/office/drawing/2014/main" id="{43F38673-6E30-4BAE-AC67-0B283EBF4291}"/>
+              </a:ext>
+              <a:ext uri="{C183D7F6-B498-43B3-948B-1728B52AA6E4}">
+                <adec:decorative xmlns:adec="http://schemas.microsoft.com/office/drawing/2017/decorative" xmlns="" val="1"/>
+              </a:ext>
+            </a:extLst>
+          </p:cNvPr>
+          <p:cNvPicPr>
+            <a:picLocks noGrp="1" noRot="1" noChangeAspect="1" noMove="1" noResize="1" noEditPoints="1" noAdjustHandles="1" noChangeArrowheads="1" noChangeShapeType="1" noCrop="1"/>
+          </p:cNvPicPr>
+          <p:nvPr>
+            <p:extLst>
+              <p:ext uri="{386F3935-93C4-4BCD-93E2-E3B085C9AB24}">
+                <p16:designElem xmlns:p16="http://schemas.microsoft.com/office/powerpoint/2015/main" val="1"/>
+              </p:ext>
+            </p:extLst>
+          </p:nvPr>
+        </p:nvPicPr>
+        <p:blipFill rotWithShape="1">
+          <a:blip r:embed="rId6">
+            <a:extLst>
+              <a:ext uri="{28A0092B-C50C-407E-A947-70E740481C1C}">
+                <a14:useLocalDpi xmlns:a14="http://schemas.microsoft.com/office/drawing/2010/main" val="0"/>
+              </a:ext>
+            </a:extLst>
+          </a:blip>
+          <a:srcRect b="23320"/>
+          <a:stretch/>
+        </p:blipFill>
+        <p:spPr>
+          <a:xfrm>
+            <a:off x="8605878" y="6096000"/>
+            <a:ext cx="993734" cy="762000"/>
+          </a:xfrm>
+          <a:prstGeom prst="rect">
+            <a:avLst/>
+          </a:prstGeom>
+        </p:spPr>
+      </p:pic>
+      <p:sp>
+        <p:nvSpPr>
+          <p:cNvPr id="20" name="Rectangle 19">
+            <a:extLst>
+              <a:ext uri="{FF2B5EF4-FFF2-40B4-BE49-F238E27FC236}">
+                <a16:creationId xmlns:a16="http://schemas.microsoft.com/office/drawing/2014/main" id="{202A25CB-1ED1-4C87-AB49-8D3BC684D1CE}"/>
+              </a:ext>
+              <a:ext uri="{C183D7F6-B498-43B3-948B-1728B52AA6E4}">
+                <adec:decorative xmlns:adec="http://schemas.microsoft.com/office/drawing/2017/decorative" xmlns="" val="1"/>
+              </a:ext>
+            </a:extLst>
+          </p:cNvPr>
+          <p:cNvSpPr>
+            <a:spLocks noGrp="1" noRot="1" noChangeAspect="1" noMove="1" noResize="1" noEditPoints="1" noAdjustHandles="1" noChangeArrowheads="1" noChangeShapeType="1" noTextEdit="1"/>
+          </p:cNvSpPr>
+          <p:nvPr>
+            <p:extLst>
+              <p:ext uri="{386F3935-93C4-4BCD-93E2-E3B085C9AB24}">
+                <p16:designElem xmlns:p16="http://schemas.microsoft.com/office/powerpoint/2015/main" val="1"/>
+              </p:ext>
+            </p:extLst>
+          </p:nvPr>
+        </p:nvSpPr>
+        <p:spPr>
+          <a:xfrm>
+            <a:off x="10437812" y="0"/>
+            <a:ext cx="685800" cy="1143000"/>
+          </a:xfrm>
+          <a:prstGeom prst="rect">
+            <a:avLst/>
+          </a:prstGeom>
+          <a:solidFill>
+            <a:schemeClr val="accent1"/>
+          </a:solidFill>
+          <a:ln>
+            <a:noFill/>
+          </a:ln>
+        </p:spPr>
+        <p:style>
+          <a:lnRef idx="1">
+            <a:schemeClr val="accent1"/>
+          </a:lnRef>
+          <a:fillRef idx="3">
+            <a:schemeClr val="accent1"/>
+          </a:fillRef>
+          <a:effectRef idx="2">
+            <a:schemeClr val="accent1"/>
+          </a:effectRef>
+          <a:fontRef idx="minor">
+            <a:schemeClr val="lt1"/>
+          </a:fontRef>
+        </p:style>
+      </p:sp>
       <p:sp>
         <p:nvSpPr>
           <p:cNvPr id="2" name="Title 1"/>
@@ -17466,264 +20664,927 @@
             <p:ph type="title"/>
           </p:nvPr>
         </p:nvSpPr>
-        <p:spPr/>
+        <p:spPr>
+          <a:xfrm>
+            <a:off x="8210623" y="1447800"/>
+            <a:ext cx="3333676" cy="3096987"/>
+          </a:xfrm>
+        </p:spPr>
         <p:txBody>
-          <a:bodyPr/>
+          <a:bodyPr vert="horz" lIns="91440" tIns="45720" rIns="91440" bIns="45720" rtlCol="0" anchor="b">
+            <a:normAutofit/>
+          </a:bodyPr>
           <a:lstStyle/>
           <a:p>
             <a:r>
-              <a:rPr lang="en-GB" dirty="0"/>
-              <a:t>What went well</a:t>
+              <a:rPr lang="en-US" sz="4600"/>
+              <a:t>Wireframes</a:t>
             </a:r>
           </a:p>
         </p:txBody>
       </p:sp>
       <p:sp>
         <p:nvSpPr>
-          <p:cNvPr id="3" name="Content Placeholder 2"/>
+          <p:cNvPr id="22" name="Freeform: Shape 21">
+            <a:extLst>
+              <a:ext uri="{FF2B5EF4-FFF2-40B4-BE49-F238E27FC236}">
+                <a16:creationId xmlns:a16="http://schemas.microsoft.com/office/drawing/2014/main" id="{3484F10F-334C-431A-8E30-B66B496C56E8}"/>
+              </a:ext>
+              <a:ext uri="{C183D7F6-B498-43B3-948B-1728B52AA6E4}">
+                <adec:decorative xmlns:adec="http://schemas.microsoft.com/office/drawing/2017/decorative" xmlns="" val="1"/>
+              </a:ext>
+            </a:extLst>
+          </p:cNvPr>
           <p:cNvSpPr>
-            <a:spLocks noGrp="1"/>
+            <a:spLocks noGrp="1" noRot="1" noChangeAspect="1" noMove="1" noResize="1" noEditPoints="1" noAdjustHandles="1" noChangeArrowheads="1" noChangeShapeType="1" noTextEdit="1"/>
           </p:cNvSpPr>
           <p:nvPr>
-            <p:ph idx="1"/>
+            <p:extLst>
+              <p:ext uri="{386F3935-93C4-4BCD-93E2-E3B085C9AB24}">
+                <p16:designElem xmlns:p16="http://schemas.microsoft.com/office/powerpoint/2015/main" val="1"/>
+              </p:ext>
+            </p:extLst>
           </p:nvPr>
         </p:nvSpPr>
-        <p:spPr/>
+        <p:spPr bwMode="gray">
+          <a:xfrm rot="5400000" flipH="1">
+            <a:off x="475977" y="-475977"/>
+            <a:ext cx="6858000" cy="7809953"/>
+          </a:xfrm>
+          <a:custGeom>
+            <a:avLst/>
+            <a:gdLst>
+              <a:gd name="connsiteX0" fmla="*/ 6858000 w 6858000"/>
+              <a:gd name="connsiteY0" fmla="*/ 1344715 h 7809953"/>
+              <a:gd name="connsiteX1" fmla="*/ 6858000 w 6858000"/>
+              <a:gd name="connsiteY1" fmla="*/ 1177 h 7809953"/>
+              <a:gd name="connsiteX2" fmla="*/ 6702323 w 6858000"/>
+              <a:gd name="connsiteY2" fmla="*/ 26222 h 7809953"/>
+              <a:gd name="connsiteX3" fmla="*/ 6547332 w 6858000"/>
+              <a:gd name="connsiteY3" fmla="*/ 50091 h 7809953"/>
+              <a:gd name="connsiteX4" fmla="*/ 6391656 w 6858000"/>
+              <a:gd name="connsiteY4" fmla="*/ 73455 h 7809953"/>
+              <a:gd name="connsiteX5" fmla="*/ 6235293 w 6858000"/>
+              <a:gd name="connsiteY5" fmla="*/ 93458 h 7809953"/>
+              <a:gd name="connsiteX6" fmla="*/ 6079617 w 6858000"/>
+              <a:gd name="connsiteY6" fmla="*/ 113629 h 7809953"/>
+              <a:gd name="connsiteX7" fmla="*/ 5923254 w 6858000"/>
+              <a:gd name="connsiteY7" fmla="*/ 132455 h 7809953"/>
+              <a:gd name="connsiteX8" fmla="*/ 5768949 w 6858000"/>
+              <a:gd name="connsiteY8" fmla="*/ 148591 h 7809953"/>
+              <a:gd name="connsiteX9" fmla="*/ 5612587 w 6858000"/>
+              <a:gd name="connsiteY9" fmla="*/ 163887 h 7809953"/>
+              <a:gd name="connsiteX10" fmla="*/ 5456910 w 6858000"/>
+              <a:gd name="connsiteY10" fmla="*/ 177839 h 7809953"/>
+              <a:gd name="connsiteX11" fmla="*/ 5303977 w 6858000"/>
+              <a:gd name="connsiteY11" fmla="*/ 189941 h 7809953"/>
+              <a:gd name="connsiteX12" fmla="*/ 5148986 w 6858000"/>
+              <a:gd name="connsiteY12" fmla="*/ 202044 h 7809953"/>
+              <a:gd name="connsiteX13" fmla="*/ 4996053 w 6858000"/>
+              <a:gd name="connsiteY13" fmla="*/ 212129 h 7809953"/>
+              <a:gd name="connsiteX14" fmla="*/ 4843119 w 6858000"/>
+              <a:gd name="connsiteY14" fmla="*/ 220029 h 7809953"/>
+              <a:gd name="connsiteX15" fmla="*/ 4690872 w 6858000"/>
+              <a:gd name="connsiteY15" fmla="*/ 228266 h 7809953"/>
+              <a:gd name="connsiteX16" fmla="*/ 4539996 w 6858000"/>
+              <a:gd name="connsiteY16" fmla="*/ 235157 h 7809953"/>
+              <a:gd name="connsiteX17" fmla="*/ 4390491 w 6858000"/>
+              <a:gd name="connsiteY17" fmla="*/ 240032 h 7809953"/>
+              <a:gd name="connsiteX18" fmla="*/ 4240987 w 6858000"/>
+              <a:gd name="connsiteY18" fmla="*/ 244234 h 7809953"/>
+              <a:gd name="connsiteX19" fmla="*/ 4092855 w 6858000"/>
+              <a:gd name="connsiteY19" fmla="*/ 248268 h 7809953"/>
+              <a:gd name="connsiteX20" fmla="*/ 3946779 w 6858000"/>
+              <a:gd name="connsiteY20" fmla="*/ 250117 h 7809953"/>
+              <a:gd name="connsiteX21" fmla="*/ 3800704 w 6858000"/>
+              <a:gd name="connsiteY21" fmla="*/ 252134 h 7809953"/>
+              <a:gd name="connsiteX22" fmla="*/ 3656685 w 6858000"/>
+              <a:gd name="connsiteY22" fmla="*/ 253143 h 7809953"/>
+              <a:gd name="connsiteX23" fmla="*/ 3514039 w 6858000"/>
+              <a:gd name="connsiteY23" fmla="*/ 252134 h 7809953"/>
+              <a:gd name="connsiteX24" fmla="*/ 3372765 w 6858000"/>
+              <a:gd name="connsiteY24" fmla="*/ 252134 h 7809953"/>
+              <a:gd name="connsiteX25" fmla="*/ 3232861 w 6858000"/>
+              <a:gd name="connsiteY25" fmla="*/ 250117 h 7809953"/>
+              <a:gd name="connsiteX26" fmla="*/ 3095701 w 6858000"/>
+              <a:gd name="connsiteY26" fmla="*/ 247092 h 7809953"/>
+              <a:gd name="connsiteX27" fmla="*/ 2959913 w 6858000"/>
+              <a:gd name="connsiteY27" fmla="*/ 244234 h 7809953"/>
+              <a:gd name="connsiteX28" fmla="*/ 2826868 w 6858000"/>
+              <a:gd name="connsiteY28" fmla="*/ 241040 h 7809953"/>
+              <a:gd name="connsiteX29" fmla="*/ 2694508 w 6858000"/>
+              <a:gd name="connsiteY29" fmla="*/ 236166 h 7809953"/>
+              <a:gd name="connsiteX30" fmla="*/ 2564207 w 6858000"/>
+              <a:gd name="connsiteY30" fmla="*/ 230955 h 7809953"/>
+              <a:gd name="connsiteX31" fmla="*/ 2436648 w 6858000"/>
+              <a:gd name="connsiteY31" fmla="*/ 226249 h 7809953"/>
+              <a:gd name="connsiteX32" fmla="*/ 2187702 w 6858000"/>
+              <a:gd name="connsiteY32" fmla="*/ 212969 h 7809953"/>
+              <a:gd name="connsiteX33" fmla="*/ 1949044 w 6858000"/>
+              <a:gd name="connsiteY33" fmla="*/ 198850 h 7809953"/>
+              <a:gd name="connsiteX34" fmla="*/ 1719987 w 6858000"/>
+              <a:gd name="connsiteY34" fmla="*/ 184058 h 7809953"/>
+              <a:gd name="connsiteX35" fmla="*/ 1503274 w 6858000"/>
+              <a:gd name="connsiteY35" fmla="*/ 167753 h 7809953"/>
+              <a:gd name="connsiteX36" fmla="*/ 1296162 w 6858000"/>
+              <a:gd name="connsiteY36" fmla="*/ 150776 h 7809953"/>
+              <a:gd name="connsiteX37" fmla="*/ 1104138 w 6858000"/>
+              <a:gd name="connsiteY37" fmla="*/ 132455 h 7809953"/>
+              <a:gd name="connsiteX38" fmla="*/ 923773 w 6858000"/>
+              <a:gd name="connsiteY38" fmla="*/ 114469 h 7809953"/>
+              <a:gd name="connsiteX39" fmla="*/ 757809 w 6858000"/>
+              <a:gd name="connsiteY39" fmla="*/ 96484 h 7809953"/>
+              <a:gd name="connsiteX40" fmla="*/ 605562 w 6858000"/>
+              <a:gd name="connsiteY40" fmla="*/ 79507 h 7809953"/>
+              <a:gd name="connsiteX41" fmla="*/ 470459 w 6858000"/>
+              <a:gd name="connsiteY41" fmla="*/ 63370 h 7809953"/>
+              <a:gd name="connsiteX42" fmla="*/ 348387 w 6858000"/>
+              <a:gd name="connsiteY42" fmla="*/ 48074 h 7809953"/>
+              <a:gd name="connsiteX43" fmla="*/ 245517 w 6858000"/>
+              <a:gd name="connsiteY43" fmla="*/ 35299 h 7809953"/>
+              <a:gd name="connsiteX44" fmla="*/ 159106 w 6858000"/>
+              <a:gd name="connsiteY44" fmla="*/ 23197 h 7809953"/>
+              <a:gd name="connsiteX45" fmla="*/ 40462 w 6858000"/>
+              <a:gd name="connsiteY45" fmla="*/ 5883 h 7809953"/>
+              <a:gd name="connsiteX46" fmla="*/ 0 w 6858000"/>
+              <a:gd name="connsiteY46" fmla="*/ 0 h 7809953"/>
+              <a:gd name="connsiteX47" fmla="*/ 0 w 6858000"/>
+              <a:gd name="connsiteY47" fmla="*/ 652830 h 7809953"/>
+              <a:gd name="connsiteX48" fmla="*/ 0 w 6858000"/>
+              <a:gd name="connsiteY48" fmla="*/ 652830 h 7809953"/>
+              <a:gd name="connsiteX49" fmla="*/ 0 w 6858000"/>
+              <a:gd name="connsiteY49" fmla="*/ 7809953 h 7809953"/>
+              <a:gd name="connsiteX50" fmla="*/ 6857999 w 6858000"/>
+              <a:gd name="connsiteY50" fmla="*/ 7809953 h 7809953"/>
+              <a:gd name="connsiteX51" fmla="*/ 6857999 w 6858000"/>
+              <a:gd name="connsiteY51" fmla="*/ 1344715 h 7809953"/>
+            </a:gdLst>
+            <a:ahLst/>
+            <a:cxnLst>
+              <a:cxn ang="0">
+                <a:pos x="connsiteX0" y="connsiteY0"/>
+              </a:cxn>
+              <a:cxn ang="0">
+                <a:pos x="connsiteX1" y="connsiteY1"/>
+              </a:cxn>
+              <a:cxn ang="0">
+                <a:pos x="connsiteX2" y="connsiteY2"/>
+              </a:cxn>
+              <a:cxn ang="0">
+                <a:pos x="connsiteX3" y="connsiteY3"/>
+              </a:cxn>
+              <a:cxn ang="0">
+                <a:pos x="connsiteX4" y="connsiteY4"/>
+              </a:cxn>
+              <a:cxn ang="0">
+                <a:pos x="connsiteX5" y="connsiteY5"/>
+              </a:cxn>
+              <a:cxn ang="0">
+                <a:pos x="connsiteX6" y="connsiteY6"/>
+              </a:cxn>
+              <a:cxn ang="0">
+                <a:pos x="connsiteX7" y="connsiteY7"/>
+              </a:cxn>
+              <a:cxn ang="0">
+                <a:pos x="connsiteX8" y="connsiteY8"/>
+              </a:cxn>
+              <a:cxn ang="0">
+                <a:pos x="connsiteX9" y="connsiteY9"/>
+              </a:cxn>
+              <a:cxn ang="0">
+                <a:pos x="connsiteX10" y="connsiteY10"/>
+              </a:cxn>
+              <a:cxn ang="0">
+                <a:pos x="connsiteX11" y="connsiteY11"/>
+              </a:cxn>
+              <a:cxn ang="0">
+                <a:pos x="connsiteX12" y="connsiteY12"/>
+              </a:cxn>
+              <a:cxn ang="0">
+                <a:pos x="connsiteX13" y="connsiteY13"/>
+              </a:cxn>
+              <a:cxn ang="0">
+                <a:pos x="connsiteX14" y="connsiteY14"/>
+              </a:cxn>
+              <a:cxn ang="0">
+                <a:pos x="connsiteX15" y="connsiteY15"/>
+              </a:cxn>
+              <a:cxn ang="0">
+                <a:pos x="connsiteX16" y="connsiteY16"/>
+              </a:cxn>
+              <a:cxn ang="0">
+                <a:pos x="connsiteX17" y="connsiteY17"/>
+              </a:cxn>
+              <a:cxn ang="0">
+                <a:pos x="connsiteX18" y="connsiteY18"/>
+              </a:cxn>
+              <a:cxn ang="0">
+                <a:pos x="connsiteX19" y="connsiteY19"/>
+              </a:cxn>
+              <a:cxn ang="0">
+                <a:pos x="connsiteX20" y="connsiteY20"/>
+              </a:cxn>
+              <a:cxn ang="0">
+                <a:pos x="connsiteX21" y="connsiteY21"/>
+              </a:cxn>
+              <a:cxn ang="0">
+                <a:pos x="connsiteX22" y="connsiteY22"/>
+              </a:cxn>
+              <a:cxn ang="0">
+                <a:pos x="connsiteX23" y="connsiteY23"/>
+              </a:cxn>
+              <a:cxn ang="0">
+                <a:pos x="connsiteX24" y="connsiteY24"/>
+              </a:cxn>
+              <a:cxn ang="0">
+                <a:pos x="connsiteX25" y="connsiteY25"/>
+              </a:cxn>
+              <a:cxn ang="0">
+                <a:pos x="connsiteX26" y="connsiteY26"/>
+              </a:cxn>
+              <a:cxn ang="0">
+                <a:pos x="connsiteX27" y="connsiteY27"/>
+              </a:cxn>
+              <a:cxn ang="0">
+                <a:pos x="connsiteX28" y="connsiteY28"/>
+              </a:cxn>
+              <a:cxn ang="0">
+                <a:pos x="connsiteX29" y="connsiteY29"/>
+              </a:cxn>
+              <a:cxn ang="0">
+                <a:pos x="connsiteX30" y="connsiteY30"/>
+              </a:cxn>
+              <a:cxn ang="0">
+                <a:pos x="connsiteX31" y="connsiteY31"/>
+              </a:cxn>
+              <a:cxn ang="0">
+                <a:pos x="connsiteX32" y="connsiteY32"/>
+              </a:cxn>
+              <a:cxn ang="0">
+                <a:pos x="connsiteX33" y="connsiteY33"/>
+              </a:cxn>
+              <a:cxn ang="0">
+                <a:pos x="connsiteX34" y="connsiteY34"/>
+              </a:cxn>
+              <a:cxn ang="0">
+                <a:pos x="connsiteX35" y="connsiteY35"/>
+              </a:cxn>
+              <a:cxn ang="0">
+                <a:pos x="connsiteX36" y="connsiteY36"/>
+              </a:cxn>
+              <a:cxn ang="0">
+                <a:pos x="connsiteX37" y="connsiteY37"/>
+              </a:cxn>
+              <a:cxn ang="0">
+                <a:pos x="connsiteX38" y="connsiteY38"/>
+              </a:cxn>
+              <a:cxn ang="0">
+                <a:pos x="connsiteX39" y="connsiteY39"/>
+              </a:cxn>
+              <a:cxn ang="0">
+                <a:pos x="connsiteX40" y="connsiteY40"/>
+              </a:cxn>
+              <a:cxn ang="0">
+                <a:pos x="connsiteX41" y="connsiteY41"/>
+              </a:cxn>
+              <a:cxn ang="0">
+                <a:pos x="connsiteX42" y="connsiteY42"/>
+              </a:cxn>
+              <a:cxn ang="0">
+                <a:pos x="connsiteX43" y="connsiteY43"/>
+              </a:cxn>
+              <a:cxn ang="0">
+                <a:pos x="connsiteX44" y="connsiteY44"/>
+              </a:cxn>
+              <a:cxn ang="0">
+                <a:pos x="connsiteX45" y="connsiteY45"/>
+              </a:cxn>
+              <a:cxn ang="0">
+                <a:pos x="connsiteX46" y="connsiteY46"/>
+              </a:cxn>
+              <a:cxn ang="0">
+                <a:pos x="connsiteX47" y="connsiteY47"/>
+              </a:cxn>
+              <a:cxn ang="0">
+                <a:pos x="connsiteX48" y="connsiteY48"/>
+              </a:cxn>
+              <a:cxn ang="0">
+                <a:pos x="connsiteX49" y="connsiteY49"/>
+              </a:cxn>
+              <a:cxn ang="0">
+                <a:pos x="connsiteX50" y="connsiteY50"/>
+              </a:cxn>
+              <a:cxn ang="0">
+                <a:pos x="connsiteX51" y="connsiteY51"/>
+              </a:cxn>
+            </a:cxnLst>
+            <a:rect l="l" t="t" r="r" b="b"/>
+            <a:pathLst>
+              <a:path w="6858000" h="7809953">
+                <a:moveTo>
+                  <a:pt x="6858000" y="1344715"/>
+                </a:moveTo>
+                <a:lnTo>
+                  <a:pt x="6858000" y="1177"/>
+                </a:lnTo>
+                <a:lnTo>
+                  <a:pt x="6702323" y="26222"/>
+                </a:lnTo>
+                <a:lnTo>
+                  <a:pt x="6547332" y="50091"/>
+                </a:lnTo>
+                <a:lnTo>
+                  <a:pt x="6391656" y="73455"/>
+                </a:lnTo>
+                <a:lnTo>
+                  <a:pt x="6235293" y="93458"/>
+                </a:lnTo>
+                <a:lnTo>
+                  <a:pt x="6079617" y="113629"/>
+                </a:lnTo>
+                <a:lnTo>
+                  <a:pt x="5923254" y="132455"/>
+                </a:lnTo>
+                <a:lnTo>
+                  <a:pt x="5768949" y="148591"/>
+                </a:lnTo>
+                <a:lnTo>
+                  <a:pt x="5612587" y="163887"/>
+                </a:lnTo>
+                <a:lnTo>
+                  <a:pt x="5456910" y="177839"/>
+                </a:lnTo>
+                <a:lnTo>
+                  <a:pt x="5303977" y="189941"/>
+                </a:lnTo>
+                <a:lnTo>
+                  <a:pt x="5148986" y="202044"/>
+                </a:lnTo>
+                <a:lnTo>
+                  <a:pt x="4996053" y="212129"/>
+                </a:lnTo>
+                <a:lnTo>
+                  <a:pt x="4843119" y="220029"/>
+                </a:lnTo>
+                <a:lnTo>
+                  <a:pt x="4690872" y="228266"/>
+                </a:lnTo>
+                <a:lnTo>
+                  <a:pt x="4539996" y="235157"/>
+                </a:lnTo>
+                <a:lnTo>
+                  <a:pt x="4390491" y="240032"/>
+                </a:lnTo>
+                <a:lnTo>
+                  <a:pt x="4240987" y="244234"/>
+                </a:lnTo>
+                <a:lnTo>
+                  <a:pt x="4092855" y="248268"/>
+                </a:lnTo>
+                <a:lnTo>
+                  <a:pt x="3946779" y="250117"/>
+                </a:lnTo>
+                <a:lnTo>
+                  <a:pt x="3800704" y="252134"/>
+                </a:lnTo>
+                <a:lnTo>
+                  <a:pt x="3656685" y="253143"/>
+                </a:lnTo>
+                <a:lnTo>
+                  <a:pt x="3514039" y="252134"/>
+                </a:lnTo>
+                <a:lnTo>
+                  <a:pt x="3372765" y="252134"/>
+                </a:lnTo>
+                <a:lnTo>
+                  <a:pt x="3232861" y="250117"/>
+                </a:lnTo>
+                <a:lnTo>
+                  <a:pt x="3095701" y="247092"/>
+                </a:lnTo>
+                <a:lnTo>
+                  <a:pt x="2959913" y="244234"/>
+                </a:lnTo>
+                <a:lnTo>
+                  <a:pt x="2826868" y="241040"/>
+                </a:lnTo>
+                <a:lnTo>
+                  <a:pt x="2694508" y="236166"/>
+                </a:lnTo>
+                <a:lnTo>
+                  <a:pt x="2564207" y="230955"/>
+                </a:lnTo>
+                <a:lnTo>
+                  <a:pt x="2436648" y="226249"/>
+                </a:lnTo>
+                <a:lnTo>
+                  <a:pt x="2187702" y="212969"/>
+                </a:lnTo>
+                <a:lnTo>
+                  <a:pt x="1949044" y="198850"/>
+                </a:lnTo>
+                <a:lnTo>
+                  <a:pt x="1719987" y="184058"/>
+                </a:lnTo>
+                <a:lnTo>
+                  <a:pt x="1503274" y="167753"/>
+                </a:lnTo>
+                <a:lnTo>
+                  <a:pt x="1296162" y="150776"/>
+                </a:lnTo>
+                <a:lnTo>
+                  <a:pt x="1104138" y="132455"/>
+                </a:lnTo>
+                <a:lnTo>
+                  <a:pt x="923773" y="114469"/>
+                </a:lnTo>
+                <a:lnTo>
+                  <a:pt x="757809" y="96484"/>
+                </a:lnTo>
+                <a:lnTo>
+                  <a:pt x="605562" y="79507"/>
+                </a:lnTo>
+                <a:lnTo>
+                  <a:pt x="470459" y="63370"/>
+                </a:lnTo>
+                <a:lnTo>
+                  <a:pt x="348387" y="48074"/>
+                </a:lnTo>
+                <a:lnTo>
+                  <a:pt x="245517" y="35299"/>
+                </a:lnTo>
+                <a:lnTo>
+                  <a:pt x="159106" y="23197"/>
+                </a:lnTo>
+                <a:lnTo>
+                  <a:pt x="40462" y="5883"/>
+                </a:lnTo>
+                <a:lnTo>
+                  <a:pt x="0" y="0"/>
+                </a:lnTo>
+                <a:lnTo>
+                  <a:pt x="0" y="652830"/>
+                </a:lnTo>
+                <a:lnTo>
+                  <a:pt x="0" y="652830"/>
+                </a:lnTo>
+                <a:lnTo>
+                  <a:pt x="0" y="7809953"/>
+                </a:lnTo>
+                <a:lnTo>
+                  <a:pt x="6857999" y="7809953"/>
+                </a:lnTo>
+                <a:lnTo>
+                  <a:pt x="6857999" y="1344715"/>
+                </a:lnTo>
+                <a:close/>
+              </a:path>
+            </a:pathLst>
+          </a:custGeom>
+          <a:solidFill>
+            <a:srgbClr val="FFFFFF"/>
+          </a:solidFill>
+          <a:ln>
+            <a:noFill/>
+          </a:ln>
+        </p:spPr>
+      </p:sp>
+      <p:sp>
+        <p:nvSpPr>
+          <p:cNvPr id="24" name="Freeform 31">
+            <a:extLst>
+              <a:ext uri="{FF2B5EF4-FFF2-40B4-BE49-F238E27FC236}">
+                <a16:creationId xmlns:a16="http://schemas.microsoft.com/office/drawing/2014/main" id="{AEA0BB24-2B23-4B19-996F-58DA607EE280}"/>
+              </a:ext>
+              <a:ext uri="{C183D7F6-B498-43B3-948B-1728B52AA6E4}">
+                <adec:decorative xmlns:adec="http://schemas.microsoft.com/office/drawing/2017/decorative" xmlns="" val="1"/>
+              </a:ext>
+            </a:extLst>
+          </p:cNvPr>
+          <p:cNvSpPr>
+            <a:spLocks noGrp="1" noRot="1" noChangeAspect="1" noMove="1" noResize="1" noEditPoints="1" noAdjustHandles="1" noChangeArrowheads="1" noChangeShapeType="1" noTextEdit="1"/>
+          </p:cNvSpPr>
+          <p:nvPr>
+            <p:extLst>
+              <p:ext uri="{386F3935-93C4-4BCD-93E2-E3B085C9AB24}">
+                <p16:designElem xmlns:p16="http://schemas.microsoft.com/office/powerpoint/2015/main" val="1"/>
+              </p:ext>
+            </p:extLst>
+          </p:nvPr>
+        </p:nvSpPr>
+        <p:spPr>
+          <a:xfrm flipH="1">
+            <a:off x="7463681" y="-1"/>
+            <a:ext cx="559472" cy="3709642"/>
+          </a:xfrm>
+          <a:custGeom>
+            <a:avLst/>
+            <a:gdLst>
+              <a:gd name="connsiteX0" fmla="*/ 0 w 559472"/>
+              <a:gd name="connsiteY0" fmla="*/ 0 h 3709642"/>
+              <a:gd name="connsiteX1" fmla="*/ 473952 w 559472"/>
+              <a:gd name="connsiteY1" fmla="*/ 0 h 3709642"/>
+              <a:gd name="connsiteX2" fmla="*/ 485840 w 559472"/>
+              <a:gd name="connsiteY2" fmla="*/ 161194 h 3709642"/>
+              <a:gd name="connsiteX3" fmla="*/ 523949 w 559472"/>
+              <a:gd name="connsiteY3" fmla="*/ 3672197 h 3709642"/>
+              <a:gd name="connsiteX4" fmla="*/ 454748 w 559472"/>
+              <a:gd name="connsiteY4" fmla="*/ 3709642 h 3709642"/>
+              <a:gd name="connsiteX5" fmla="*/ 448224 w 559472"/>
+              <a:gd name="connsiteY5" fmla="*/ 3510471 h 3709642"/>
+              <a:gd name="connsiteX6" fmla="*/ 443564 w 559472"/>
+              <a:gd name="connsiteY6" fmla="*/ 3408563 h 3709642"/>
+              <a:gd name="connsiteX7" fmla="*/ 438902 w 559472"/>
+              <a:gd name="connsiteY7" fmla="*/ 3304407 h 3709642"/>
+              <a:gd name="connsiteX8" fmla="*/ 433941 w 559472"/>
+              <a:gd name="connsiteY8" fmla="*/ 3198777 h 3709642"/>
+              <a:gd name="connsiteX9" fmla="*/ 427584 w 559472"/>
+              <a:gd name="connsiteY9" fmla="*/ 3092510 h 3709642"/>
+              <a:gd name="connsiteX10" fmla="*/ 420988 w 559472"/>
+              <a:gd name="connsiteY10" fmla="*/ 2984390 h 3709642"/>
+              <a:gd name="connsiteX11" fmla="*/ 414330 w 559472"/>
+              <a:gd name="connsiteY11" fmla="*/ 2874401 h 3709642"/>
+              <a:gd name="connsiteX12" fmla="*/ 406840 w 559472"/>
+              <a:gd name="connsiteY12" fmla="*/ 2762980 h 3709642"/>
+              <a:gd name="connsiteX13" fmla="*/ 397745 w 559472"/>
+              <a:gd name="connsiteY13" fmla="*/ 2650566 h 3709642"/>
+              <a:gd name="connsiteX14" fmla="*/ 389154 w 559472"/>
+              <a:gd name="connsiteY14" fmla="*/ 2536612 h 3709642"/>
+              <a:gd name="connsiteX15" fmla="*/ 379225 w 559472"/>
+              <a:gd name="connsiteY15" fmla="*/ 2421642 h 3709642"/>
+              <a:gd name="connsiteX16" fmla="*/ 368316 w 559472"/>
+              <a:gd name="connsiteY16" fmla="*/ 2305627 h 3709642"/>
+              <a:gd name="connsiteX17" fmla="*/ 357466 w 559472"/>
+              <a:gd name="connsiteY17" fmla="*/ 2189233 h 3709642"/>
+              <a:gd name="connsiteX18" fmla="*/ 344982 w 559472"/>
+              <a:gd name="connsiteY18" fmla="*/ 2071473 h 3709642"/>
+              <a:gd name="connsiteX19" fmla="*/ 332466 w 559472"/>
+              <a:gd name="connsiteY19" fmla="*/ 1952216 h 3709642"/>
+              <a:gd name="connsiteX20" fmla="*/ 319121 w 559472"/>
+              <a:gd name="connsiteY20" fmla="*/ 1833776 h 3709642"/>
+              <a:gd name="connsiteX21" fmla="*/ 304408 w 559472"/>
+              <a:gd name="connsiteY21" fmla="*/ 1713948 h 3709642"/>
+              <a:gd name="connsiteX22" fmla="*/ 288685 w 559472"/>
+              <a:gd name="connsiteY22" fmla="*/ 1592703 h 3709642"/>
+              <a:gd name="connsiteX23" fmla="*/ 273050 w 559472"/>
+              <a:gd name="connsiteY23" fmla="*/ 1471451 h 3709642"/>
+              <a:gd name="connsiteX24" fmla="*/ 255813 w 559472"/>
+              <a:gd name="connsiteY24" fmla="*/ 1350328 h 3709642"/>
+              <a:gd name="connsiteX25" fmla="*/ 237060 w 559472"/>
+              <a:gd name="connsiteY25" fmla="*/ 1227080 h 3709642"/>
+              <a:gd name="connsiteX26" fmla="*/ 218488 w 559472"/>
+              <a:gd name="connsiteY26" fmla="*/ 1106065 h 3709642"/>
+              <a:gd name="connsiteX27" fmla="*/ 198221 w 559472"/>
+              <a:gd name="connsiteY27" fmla="*/ 982940 h 3709642"/>
+              <a:gd name="connsiteX28" fmla="*/ 177152 w 559472"/>
+              <a:gd name="connsiteY28" fmla="*/ 858755 h 3709642"/>
+              <a:gd name="connsiteX29" fmla="*/ 155551 w 559472"/>
+              <a:gd name="connsiteY29" fmla="*/ 736861 h 3709642"/>
+              <a:gd name="connsiteX30" fmla="*/ 131782 w 559472"/>
+              <a:gd name="connsiteY30" fmla="*/ 613645 h 3709642"/>
+              <a:gd name="connsiteX31" fmla="*/ 107123 w 559472"/>
+              <a:gd name="connsiteY31" fmla="*/ 490500 h 3709642"/>
+              <a:gd name="connsiteX32" fmla="*/ 82552 w 559472"/>
+              <a:gd name="connsiteY32" fmla="*/ 367348 h 3709642"/>
+              <a:gd name="connsiteX33" fmla="*/ 55608 w 559472"/>
+              <a:gd name="connsiteY33" fmla="*/ 244762 h 3709642"/>
+              <a:gd name="connsiteX34" fmla="*/ 28130 w 559472"/>
+              <a:gd name="connsiteY34" fmla="*/ 122220 h 3709642"/>
+              <a:gd name="connsiteX35" fmla="*/ 0 w 559472"/>
+              <a:gd name="connsiteY35" fmla="*/ 0 h 3709642"/>
+            </a:gdLst>
+            <a:ahLst/>
+            <a:cxnLst>
+              <a:cxn ang="0">
+                <a:pos x="connsiteX0" y="connsiteY0"/>
+              </a:cxn>
+              <a:cxn ang="0">
+                <a:pos x="connsiteX1" y="connsiteY1"/>
+              </a:cxn>
+              <a:cxn ang="0">
+                <a:pos x="connsiteX2" y="connsiteY2"/>
+              </a:cxn>
+              <a:cxn ang="0">
+                <a:pos x="connsiteX3" y="connsiteY3"/>
+              </a:cxn>
+              <a:cxn ang="0">
+                <a:pos x="connsiteX4" y="connsiteY4"/>
+              </a:cxn>
+              <a:cxn ang="0">
+                <a:pos x="connsiteX5" y="connsiteY5"/>
+              </a:cxn>
+              <a:cxn ang="0">
+                <a:pos x="connsiteX6" y="connsiteY6"/>
+              </a:cxn>
+              <a:cxn ang="0">
+                <a:pos x="connsiteX7" y="connsiteY7"/>
+              </a:cxn>
+              <a:cxn ang="0">
+                <a:pos x="connsiteX8" y="connsiteY8"/>
+              </a:cxn>
+              <a:cxn ang="0">
+                <a:pos x="connsiteX9" y="connsiteY9"/>
+              </a:cxn>
+              <a:cxn ang="0">
+                <a:pos x="connsiteX10" y="connsiteY10"/>
+              </a:cxn>
+              <a:cxn ang="0">
+                <a:pos x="connsiteX11" y="connsiteY11"/>
+              </a:cxn>
+              <a:cxn ang="0">
+                <a:pos x="connsiteX12" y="connsiteY12"/>
+              </a:cxn>
+              <a:cxn ang="0">
+                <a:pos x="connsiteX13" y="connsiteY13"/>
+              </a:cxn>
+              <a:cxn ang="0">
+                <a:pos x="connsiteX14" y="connsiteY14"/>
+              </a:cxn>
+              <a:cxn ang="0">
+                <a:pos x="connsiteX15" y="connsiteY15"/>
+              </a:cxn>
+              <a:cxn ang="0">
+                <a:pos x="connsiteX16" y="connsiteY16"/>
+              </a:cxn>
+              <a:cxn ang="0">
+                <a:pos x="connsiteX17" y="connsiteY17"/>
+              </a:cxn>
+              <a:cxn ang="0">
+                <a:pos x="connsiteX18" y="connsiteY18"/>
+              </a:cxn>
+              <a:cxn ang="0">
+                <a:pos x="connsiteX19" y="connsiteY19"/>
+              </a:cxn>
+              <a:cxn ang="0">
+                <a:pos x="connsiteX20" y="connsiteY20"/>
+              </a:cxn>
+              <a:cxn ang="0">
+                <a:pos x="connsiteX21" y="connsiteY21"/>
+              </a:cxn>
+              <a:cxn ang="0">
+                <a:pos x="connsiteX22" y="connsiteY22"/>
+              </a:cxn>
+              <a:cxn ang="0">
+                <a:pos x="connsiteX23" y="connsiteY23"/>
+              </a:cxn>
+              <a:cxn ang="0">
+                <a:pos x="connsiteX24" y="connsiteY24"/>
+              </a:cxn>
+              <a:cxn ang="0">
+                <a:pos x="connsiteX25" y="connsiteY25"/>
+              </a:cxn>
+              <a:cxn ang="0">
+                <a:pos x="connsiteX26" y="connsiteY26"/>
+              </a:cxn>
+              <a:cxn ang="0">
+                <a:pos x="connsiteX27" y="connsiteY27"/>
+              </a:cxn>
+              <a:cxn ang="0">
+                <a:pos x="connsiteX28" y="connsiteY28"/>
+              </a:cxn>
+              <a:cxn ang="0">
+                <a:pos x="connsiteX29" y="connsiteY29"/>
+              </a:cxn>
+              <a:cxn ang="0">
+                <a:pos x="connsiteX30" y="connsiteY30"/>
+              </a:cxn>
+              <a:cxn ang="0">
+                <a:pos x="connsiteX31" y="connsiteY31"/>
+              </a:cxn>
+              <a:cxn ang="0">
+                <a:pos x="connsiteX32" y="connsiteY32"/>
+              </a:cxn>
+              <a:cxn ang="0">
+                <a:pos x="connsiteX33" y="connsiteY33"/>
+              </a:cxn>
+              <a:cxn ang="0">
+                <a:pos x="connsiteX34" y="connsiteY34"/>
+              </a:cxn>
+              <a:cxn ang="0">
+                <a:pos x="connsiteX35" y="connsiteY35"/>
+              </a:cxn>
+            </a:cxnLst>
+            <a:rect l="l" t="t" r="r" b="b"/>
+            <a:pathLst>
+              <a:path w="559472" h="3709642">
+                <a:moveTo>
+                  <a:pt x="0" y="0"/>
+                </a:moveTo>
+                <a:lnTo>
+                  <a:pt x="473952" y="0"/>
+                </a:lnTo>
+                <a:lnTo>
+                  <a:pt x="485840" y="161194"/>
+                </a:lnTo>
+                <a:cubicBezTo>
+                  <a:pt x="552063" y="1147770"/>
+                  <a:pt x="592441" y="3086737"/>
+                  <a:pt x="523949" y="3672197"/>
+                </a:cubicBezTo>
+                <a:cubicBezTo>
+                  <a:pt x="500842" y="3684557"/>
+                  <a:pt x="477855" y="3697282"/>
+                  <a:pt x="454748" y="3709642"/>
+                </a:cubicBezTo>
+                <a:lnTo>
+                  <a:pt x="448224" y="3510471"/>
+                </a:lnTo>
+                <a:lnTo>
+                  <a:pt x="443564" y="3408563"/>
+                </a:lnTo>
+                <a:lnTo>
+                  <a:pt x="438902" y="3304407"/>
+                </a:lnTo>
+                <a:lnTo>
+                  <a:pt x="433941" y="3198777"/>
+                </a:lnTo>
+                <a:lnTo>
+                  <a:pt x="427584" y="3092510"/>
+                </a:lnTo>
+                <a:lnTo>
+                  <a:pt x="420988" y="2984390"/>
+                </a:lnTo>
+                <a:lnTo>
+                  <a:pt x="414330" y="2874401"/>
+                </a:lnTo>
+                <a:lnTo>
+                  <a:pt x="406840" y="2762980"/>
+                </a:lnTo>
+                <a:lnTo>
+                  <a:pt x="397745" y="2650566"/>
+                </a:lnTo>
+                <a:lnTo>
+                  <a:pt x="389154" y="2536612"/>
+                </a:lnTo>
+                <a:lnTo>
+                  <a:pt x="379225" y="2421642"/>
+                </a:lnTo>
+                <a:lnTo>
+                  <a:pt x="368316" y="2305627"/>
+                </a:lnTo>
+                <a:lnTo>
+                  <a:pt x="357466" y="2189233"/>
+                </a:lnTo>
+                <a:lnTo>
+                  <a:pt x="344982" y="2071473"/>
+                </a:lnTo>
+                <a:lnTo>
+                  <a:pt x="332466" y="1952216"/>
+                </a:lnTo>
+                <a:lnTo>
+                  <a:pt x="319121" y="1833776"/>
+                </a:lnTo>
+                <a:lnTo>
+                  <a:pt x="304408" y="1713948"/>
+                </a:lnTo>
+                <a:lnTo>
+                  <a:pt x="288685" y="1592703"/>
+                </a:lnTo>
+                <a:lnTo>
+                  <a:pt x="273050" y="1471451"/>
+                </a:lnTo>
+                <a:lnTo>
+                  <a:pt x="255813" y="1350328"/>
+                </a:lnTo>
+                <a:lnTo>
+                  <a:pt x="237060" y="1227080"/>
+                </a:lnTo>
+                <a:lnTo>
+                  <a:pt x="218488" y="1106065"/>
+                </a:lnTo>
+                <a:lnTo>
+                  <a:pt x="198221" y="982940"/>
+                </a:lnTo>
+                <a:lnTo>
+                  <a:pt x="177152" y="858755"/>
+                </a:lnTo>
+                <a:lnTo>
+                  <a:pt x="155551" y="736861"/>
+                </a:lnTo>
+                <a:lnTo>
+                  <a:pt x="131782" y="613645"/>
+                </a:lnTo>
+                <a:lnTo>
+                  <a:pt x="107123" y="490500"/>
+                </a:lnTo>
+                <a:lnTo>
+                  <a:pt x="82552" y="367348"/>
+                </a:lnTo>
+                <a:lnTo>
+                  <a:pt x="55608" y="244762"/>
+                </a:lnTo>
+                <a:lnTo>
+                  <a:pt x="28130" y="122220"/>
+                </a:lnTo>
+                <a:lnTo>
+                  <a:pt x="0" y="0"/>
+                </a:lnTo>
+                <a:close/>
+              </a:path>
+            </a:pathLst>
+          </a:custGeom>
+          <a:solidFill>
+            <a:schemeClr val="tx1">
+              <a:alpha val="20000"/>
+            </a:schemeClr>
+          </a:solidFill>
+          <a:ln>
+            <a:noFill/>
+          </a:ln>
+        </p:spPr>
         <p:txBody>
-          <a:bodyPr/>
+          <a:bodyPr rtlCol="0" anchor="ctr"/>
+          <a:lstStyle/>
+          <a:p>
+            <a:pPr algn="ctr"/>
+            <a:endParaRPr lang="en-US"/>
+          </a:p>
+        </p:txBody>
+      </p:sp>
+      <p:sp>
+        <p:nvSpPr>
+          <p:cNvPr id="15" name="TextBox 14">
+            <a:extLst>
+              <a:ext uri="{FF2B5EF4-FFF2-40B4-BE49-F238E27FC236}">
+                <a16:creationId xmlns:a16="http://schemas.microsoft.com/office/drawing/2014/main" id="{92035E5B-39E6-4B82-A561-B7510B706ED7}"/>
+              </a:ext>
+            </a:extLst>
+          </p:cNvPr>
+          <p:cNvSpPr txBox="1"/>
+          <p:nvPr/>
+        </p:nvSpPr>
+        <p:spPr>
+          <a:xfrm>
+            <a:off x="3103932" y="1309300"/>
+            <a:ext cx="2455114" cy="276999"/>
+          </a:xfrm>
+          <a:prstGeom prst="rect">
+            <a:avLst/>
+          </a:prstGeom>
+          <a:noFill/>
+        </p:spPr>
+        <p:txBody>
+          <a:bodyPr wrap="square" rtlCol="0">
+            <a:spAutoFit/>
+          </a:bodyPr>
           <a:lstStyle/>
           <a:p>
             <a:r>
-              <a:rPr lang="en-GB" dirty="0"/>
-              <a:t>Database and testing was straightforward</a:t>
+              <a:rPr lang="en-GB" sz="1200" b="1" dirty="0" smtClean="0">
+                <a:solidFill>
+                  <a:schemeClr val="bg1"/>
+                </a:solidFill>
+              </a:rPr>
+              <a:t>Login Page</a:t>
             </a:r>
-          </a:p>
-          <a:p>
-            <a:r>
-              <a:rPr lang="en-GB" dirty="0"/>
-              <a:t>Website was functional early</a:t>
-            </a:r>
-          </a:p>
-          <a:p>
-            <a:endParaRPr lang="en-GB" dirty="0"/>
+            <a:endParaRPr lang="en-GB" sz="1200" b="1" dirty="0">
+              <a:solidFill>
+                <a:schemeClr val="bg1"/>
+              </a:solidFill>
+            </a:endParaRPr>
           </a:p>
         </p:txBody>
       </p:sp>
+      <p:pic>
+        <p:nvPicPr>
+          <p:cNvPr id="3" name="Picture 2"/>
+          <p:cNvPicPr>
+            <a:picLocks noChangeAspect="1"/>
+          </p:cNvPicPr>
+          <p:nvPr/>
+        </p:nvPicPr>
+        <p:blipFill rotWithShape="1">
+          <a:blip r:embed="rId7"/>
+          <a:srcRect l="23374" t="21545" r="23247" b="23031"/>
+          <a:stretch/>
+        </p:blipFill>
+        <p:spPr>
+          <a:xfrm>
+            <a:off x="1224257" y="2404533"/>
+            <a:ext cx="4885267" cy="2853267"/>
+          </a:xfrm>
+          <a:prstGeom prst="rect">
+            <a:avLst/>
+          </a:prstGeom>
+        </p:spPr>
+      </p:pic>
     </p:spTree>
     <p:extLst>
       <p:ext uri="{BB962C8B-B14F-4D97-AF65-F5344CB8AC3E}">
-        <p14:creationId xmlns:p14="http://schemas.microsoft.com/office/powerpoint/2010/main" val="134008791"/>
+        <p14:creationId xmlns:p14="http://schemas.microsoft.com/office/powerpoint/2010/main" val="1130941310"/>
       </p:ext>
     </p:extLst>
   </p:cSld>
   <p:clrMapOvr>
     <a:masterClrMapping/>
   </p:clrMapOvr>
-</p:sld>
-</file>
-
-<file path=ppt/slides/slide8.xml><?xml version="1.0" encoding="utf-8"?>
-<p:sld xmlns:a="http://schemas.openxmlformats.org/drawingml/2006/main" xmlns:r="http://schemas.openxmlformats.org/officeDocument/2006/relationships" xmlns:p="http://schemas.openxmlformats.org/presentationml/2006/main">
-  <p:cSld>
-    <p:spTree>
-      <p:nvGrpSpPr>
-        <p:cNvPr id="1" name=""/>
-        <p:cNvGrpSpPr/>
-        <p:nvPr/>
-      </p:nvGrpSpPr>
-      <p:grpSpPr>
-        <a:xfrm>
-          <a:off x="0" y="0"/>
-          <a:ext cx="0" cy="0"/>
-          <a:chOff x="0" y="0"/>
-          <a:chExt cx="0" cy="0"/>
-        </a:xfrm>
-      </p:grpSpPr>
-      <p:sp>
-        <p:nvSpPr>
-          <p:cNvPr id="2" name="Title 1"/>
-          <p:cNvSpPr>
-            <a:spLocks noGrp="1"/>
-          </p:cNvSpPr>
-          <p:nvPr>
-            <p:ph type="title"/>
-          </p:nvPr>
-        </p:nvSpPr>
-        <p:spPr/>
-        <p:txBody>
-          <a:bodyPr/>
-          <a:lstStyle/>
-          <a:p>
-            <a:r>
-              <a:rPr lang="en-GB" dirty="0"/>
-              <a:t>What could go better</a:t>
-            </a:r>
-          </a:p>
-        </p:txBody>
-      </p:sp>
-      <p:sp>
-        <p:nvSpPr>
-          <p:cNvPr id="3" name="Content Placeholder 2"/>
-          <p:cNvSpPr>
-            <a:spLocks noGrp="1"/>
-          </p:cNvSpPr>
-          <p:nvPr>
-            <p:ph idx="1"/>
-          </p:nvPr>
-        </p:nvSpPr>
-        <p:spPr/>
-        <p:txBody>
-          <a:bodyPr/>
-          <a:lstStyle/>
-          <a:p>
-            <a:r>
-              <a:rPr lang="en-GB" dirty="0"/>
-              <a:t>More intuitive website design</a:t>
-            </a:r>
-          </a:p>
-          <a:p>
-            <a:r>
-              <a:rPr lang="en-GB" dirty="0"/>
-              <a:t>Better time management </a:t>
-            </a:r>
-          </a:p>
-          <a:p>
-            <a:r>
-              <a:rPr lang="en-GB" dirty="0"/>
-              <a:t>More features </a:t>
-            </a:r>
-          </a:p>
-          <a:p>
-            <a:endParaRPr lang="en-GB" dirty="0"/>
-          </a:p>
-          <a:p>
-            <a:endParaRPr lang="en-GB" dirty="0"/>
-          </a:p>
-        </p:txBody>
-      </p:sp>
-    </p:spTree>
-    <p:extLst>
-      <p:ext uri="{BB962C8B-B14F-4D97-AF65-F5344CB8AC3E}">
-        <p14:creationId xmlns:p14="http://schemas.microsoft.com/office/powerpoint/2010/main" val="1355846538"/>
-      </p:ext>
-    </p:extLst>
-  </p:cSld>
-  <p:clrMapOvr>
-    <a:masterClrMapping/>
-  </p:clrMapOvr>
-</p:sld>
-</file>
-
-<file path=ppt/slides/slide9.xml><?xml version="1.0" encoding="utf-8"?>
-<p:sld xmlns:a="http://schemas.openxmlformats.org/drawingml/2006/main" xmlns:r="http://schemas.openxmlformats.org/officeDocument/2006/relationships" xmlns:p="http://schemas.openxmlformats.org/presentationml/2006/main">
-  <p:cSld>
-    <p:spTree>
-      <p:nvGrpSpPr>
-        <p:cNvPr id="1" name=""/>
-        <p:cNvGrpSpPr/>
-        <p:nvPr/>
-      </p:nvGrpSpPr>
-      <p:grpSpPr>
-        <a:xfrm>
-          <a:off x="0" y="0"/>
-          <a:ext cx="0" cy="0"/>
-          <a:chOff x="0" y="0"/>
-          <a:chExt cx="0" cy="0"/>
-        </a:xfrm>
-      </p:grpSpPr>
-      <p:sp>
-        <p:nvSpPr>
-          <p:cNvPr id="2" name="Title 1">
-            <a:extLst>
-              <a:ext uri="{FF2B5EF4-FFF2-40B4-BE49-F238E27FC236}">
-                <a16:creationId xmlns:a16="http://schemas.microsoft.com/office/drawing/2014/main" id="{7DFE71B5-3461-484E-A6E5-D9A6C029F259}"/>
-              </a:ext>
-            </a:extLst>
-          </p:cNvPr>
-          <p:cNvSpPr>
-            <a:spLocks noGrp="1"/>
-          </p:cNvSpPr>
-          <p:nvPr>
-            <p:ph type="title"/>
-          </p:nvPr>
-        </p:nvSpPr>
-        <p:spPr/>
-        <p:txBody>
-          <a:bodyPr/>
-          <a:lstStyle/>
-          <a:p>
-            <a:r>
-              <a:rPr lang="en-GB" dirty="0"/>
-              <a:t>What didn’t make it to the final build</a:t>
-            </a:r>
-          </a:p>
-        </p:txBody>
-      </p:sp>
-      <p:sp>
-        <p:nvSpPr>
-          <p:cNvPr id="3" name="Content Placeholder 2">
-            <a:extLst>
-              <a:ext uri="{FF2B5EF4-FFF2-40B4-BE49-F238E27FC236}">
-                <a16:creationId xmlns:a16="http://schemas.microsoft.com/office/drawing/2014/main" id="{58651D71-9DCC-4843-BDA7-68A885A7DFF3}"/>
-              </a:ext>
-            </a:extLst>
-          </p:cNvPr>
-          <p:cNvSpPr>
-            <a:spLocks noGrp="1"/>
-          </p:cNvSpPr>
-          <p:nvPr>
-            <p:ph idx="1"/>
-          </p:nvPr>
-        </p:nvSpPr>
-        <p:spPr/>
-        <p:txBody>
-          <a:bodyPr/>
-          <a:lstStyle/>
-          <a:p>
-            <a:r>
-              <a:rPr lang="en-GB" dirty="0"/>
-              <a:t>Multiple recommendations displayed</a:t>
-            </a:r>
-          </a:p>
-          <a:p>
-            <a:r>
-              <a:rPr lang="en-GB" dirty="0"/>
-              <a:t>Guest recommendations</a:t>
-            </a:r>
-          </a:p>
-          <a:p>
-            <a:r>
-              <a:rPr lang="en-GB" dirty="0"/>
-              <a:t>Deeper user customisation</a:t>
-            </a:r>
-          </a:p>
-          <a:p>
-            <a:r>
-              <a:rPr lang="en-GB" dirty="0"/>
-              <a:t>Game box art display</a:t>
-            </a:r>
-          </a:p>
-          <a:p>
-            <a:r>
-              <a:rPr lang="en-GB" dirty="0"/>
-              <a:t>Game additional data</a:t>
-            </a:r>
-          </a:p>
-          <a:p>
-            <a:endParaRPr lang="en-GB" dirty="0"/>
-          </a:p>
-        </p:txBody>
-      </p:sp>
-    </p:spTree>
-    <p:extLst>
-      <p:ext uri="{BB962C8B-B14F-4D97-AF65-F5344CB8AC3E}">
-        <p14:creationId xmlns:p14="http://schemas.microsoft.com/office/powerpoint/2010/main" val="698083350"/>
-      </p:ext>
-    </p:extLst>
-  </p:cSld>
-  <p:clrMapOvr>
-    <a:masterClrMapping/>
-  </p:clrMapOvr>
+  <p:timing>
+    <p:tnLst>
+      <p:par>
+        <p:cTn id="1" dur="indefinite" restart="never" nodeType="tmRoot"/>
+      </p:par>
+    </p:tnLst>
+  </p:timing>
 </p:sld>
 </file>
 

--- a/SoloProj/Presentation.pptx
+++ b/SoloProj/Presentation.pptx
@@ -141,7 +141,6 @@
   </mc:AlternateContent>
   <c:chart>
     <c:title>
-      <c:layout/>
       <c:overlay val="0"/>
       <c:spPr>
         <a:noFill/>
@@ -273,6 +272,11 @@
               </a:effectLst>
               <a:sp3d/>
             </c:spPr>
+            <c:extLst>
+              <c:ext xmlns:c16="http://schemas.microsoft.com/office/drawing/2014/chart" uri="{C3380CC4-5D6E-409C-BE32-E72D297353CC}">
+                <c16:uniqueId val="{00000003-CB71-46DB-BEFB-81146EA39BD4}"/>
+              </c:ext>
+            </c:extLst>
           </c:dPt>
           <c:dPt>
             <c:idx val="2"/>
@@ -293,6 +297,11 @@
               </a:effectLst>
               <a:sp3d/>
             </c:spPr>
+            <c:extLst>
+              <c:ext xmlns:c16="http://schemas.microsoft.com/office/drawing/2014/chart" uri="{C3380CC4-5D6E-409C-BE32-E72D297353CC}">
+                <c16:uniqueId val="{00000005-CB71-46DB-BEFB-81146EA39BD4}"/>
+              </c:ext>
+            </c:extLst>
           </c:dPt>
           <c:dPt>
             <c:idx val="3"/>
@@ -315,6 +324,11 @@
               </a:effectLst>
               <a:sp3d/>
             </c:spPr>
+            <c:extLst>
+              <c:ext xmlns:c16="http://schemas.microsoft.com/office/drawing/2014/chart" uri="{C3380CC4-5D6E-409C-BE32-E72D297353CC}">
+                <c16:uniqueId val="{00000007-CB71-46DB-BEFB-81146EA39BD4}"/>
+              </c:ext>
+            </c:extLst>
           </c:dPt>
           <c:dLbls>
             <c:spPr>
@@ -383,9 +397,7 @@
               </c:spPr>
             </c:leaderLines>
             <c:extLst>
-              <c:ext xmlns:c15="http://schemas.microsoft.com/office/drawing/2012/chart" uri="{CE6537A1-D6FC-4f65-9D91-7224C49458BB}">
-                <c15:layout/>
-              </c:ext>
+              <c:ext xmlns:c15="http://schemas.microsoft.com/office/drawing/2012/chart" uri="{CE6537A1-D6FC-4f65-9D91-7224C49458BB}"/>
             </c:extLst>
           </c:dLbls>
           <c:cat>
@@ -455,7 +467,6 @@
     </c:plotArea>
     <c:legend>
       <c:legendPos val="t"/>
-      <c:layout/>
       <c:overlay val="0"/>
       <c:spPr>
         <a:solidFill>
@@ -3083,7 +3094,7 @@
                 <a14:useLocalDpi xmlns:a14="http://schemas.microsoft.com/office/drawing/2010/main" val="0"/>
               </a:ext>
               <a:ext uri="{96DAC541-7B7A-43D3-8B79-37D633B846F1}">
-                <asvg:svgBlip xmlns:asvg="http://schemas.microsoft.com/office/drawing/2016/SVG/main" xmlns="" r:embed="rId2"/>
+                <asvg:svgBlip xmlns="" xmlns:asvg="http://schemas.microsoft.com/office/drawing/2016/SVG/main" r:embed="rId2"/>
               </a:ext>
             </a:extLst>
           </a:blip>
@@ -3147,7 +3158,7 @@
                 <a14:useLocalDpi xmlns:a14="http://schemas.microsoft.com/office/drawing/2010/main" val="0"/>
               </a:ext>
               <a:ext uri="{96DAC541-7B7A-43D3-8B79-37D633B846F1}">
-                <asvg:svgBlip xmlns:asvg="http://schemas.microsoft.com/office/drawing/2016/SVG/main" xmlns="" r:embed="rId4"/>
+                <asvg:svgBlip xmlns="" xmlns:asvg="http://schemas.microsoft.com/office/drawing/2016/SVG/main" r:embed="rId4"/>
               </a:ext>
             </a:extLst>
           </a:blip>
@@ -3339,10 +3350,14 @@
             <a:defRPr cap="all"/>
           </a:pPr>
           <a:r>
-            <a:rPr lang="en-GB" b="0" i="0"/>
-            <a:t>As a member I want to edit my details so I can feel better about myself</a:t>
+            <a:rPr lang="en-GB" b="0" i="0" dirty="0"/>
+            <a:t>As a member I want to edit my </a:t>
           </a:r>
-          <a:endParaRPr lang="en-US"/>
+          <a:r>
+            <a:rPr lang="en-GB" b="0" i="0" dirty="0" smtClean="0"/>
+            <a:t>details</a:t>
+          </a:r>
+          <a:endParaRPr lang="en-US" dirty="0"/>
         </a:p>
       </dgm:t>
     </dgm:pt>
@@ -3442,7 +3457,7 @@
                 <a14:useLocalDpi xmlns:a14="http://schemas.microsoft.com/office/drawing/2010/main" val="0"/>
               </a:ext>
               <a:ext uri="{96DAC541-7B7A-43D3-8B79-37D633B846F1}">
-                <asvg:svgBlip xmlns:asvg="http://schemas.microsoft.com/office/drawing/2016/SVG/main" xmlns="" r:embed="rId2"/>
+                <asvg:svgBlip xmlns="" xmlns:asvg="http://schemas.microsoft.com/office/drawing/2016/SVG/main" r:embed="rId2"/>
               </a:ext>
             </a:extLst>
           </a:blip>
@@ -3502,7 +3517,7 @@
                 <a14:useLocalDpi xmlns:a14="http://schemas.microsoft.com/office/drawing/2010/main" val="0"/>
               </a:ext>
               <a:ext uri="{96DAC541-7B7A-43D3-8B79-37D633B846F1}">
-                <asvg:svgBlip xmlns:asvg="http://schemas.microsoft.com/office/drawing/2016/SVG/main" xmlns="" r:embed="rId4"/>
+                <asvg:svgBlip xmlns="" xmlns:asvg="http://schemas.microsoft.com/office/drawing/2016/SVG/main" r:embed="rId4"/>
               </a:ext>
             </a:extLst>
           </a:blip>
@@ -3562,7 +3577,7 @@
                 <a14:useLocalDpi xmlns:a14="http://schemas.microsoft.com/office/drawing/2010/main" val="0"/>
               </a:ext>
               <a:ext uri="{96DAC541-7B7A-43D3-8B79-37D633B846F1}">
-                <asvg:svgBlip xmlns:asvg="http://schemas.microsoft.com/office/drawing/2016/SVG/main" xmlns="" r:embed="rId4"/>
+                <asvg:svgBlip xmlns="" xmlns:asvg="http://schemas.microsoft.com/office/drawing/2016/SVG/main" r:embed="rId4"/>
               </a:ext>
             </a:extLst>
           </a:blip>
@@ -3618,7 +3633,7 @@
                 <a14:useLocalDpi xmlns:a14="http://schemas.microsoft.com/office/drawing/2010/main" val="0"/>
               </a:ext>
               <a:ext uri="{96DAC541-7B7A-43D3-8B79-37D633B846F1}">
-                <asvg:svgBlip xmlns:asvg="http://schemas.microsoft.com/office/drawing/2016/SVG/main" xmlns="" r:embed="rId4"/>
+                <asvg:svgBlip xmlns="" xmlns:asvg="http://schemas.microsoft.com/office/drawing/2016/SVG/main" r:embed="rId4"/>
               </a:ext>
             </a:extLst>
           </a:blip>
@@ -3730,7 +3745,7 @@
                 <a14:useLocalDpi xmlns:a14="http://schemas.microsoft.com/office/drawing/2010/main" val="0"/>
               </a:ext>
               <a:ext uri="{96DAC541-7B7A-43D3-8B79-37D633B846F1}">
-                <asvg:svgBlip xmlns:asvg="http://schemas.microsoft.com/office/drawing/2016/SVG/main" xmlns="" r:embed="rId2"/>
+                <asvg:svgBlip xmlns="" xmlns:asvg="http://schemas.microsoft.com/office/drawing/2016/SVG/main" r:embed="rId2"/>
               </a:ext>
             </a:extLst>
           </a:blip>
@@ -3895,7 +3910,7 @@
                 <a14:useLocalDpi xmlns:a14="http://schemas.microsoft.com/office/drawing/2010/main" val="0"/>
               </a:ext>
               <a:ext uri="{96DAC541-7B7A-43D3-8B79-37D633B846F1}">
-                <asvg:svgBlip xmlns:asvg="http://schemas.microsoft.com/office/drawing/2016/SVG/main" xmlns="" r:embed="rId4"/>
+                <asvg:svgBlip xmlns="" xmlns:asvg="http://schemas.microsoft.com/office/drawing/2016/SVG/main" r:embed="rId4"/>
               </a:ext>
             </a:extLst>
           </a:blip>
@@ -4156,7 +4171,7 @@
                 <a14:useLocalDpi xmlns:a14="http://schemas.microsoft.com/office/drawing/2010/main" val="0"/>
               </a:ext>
               <a:ext uri="{96DAC541-7B7A-43D3-8B79-37D633B846F1}">
-                <asvg:svgBlip xmlns:asvg="http://schemas.microsoft.com/office/drawing/2016/SVG/main" xmlns="" r:embed="rId2"/>
+                <asvg:svgBlip xmlns="" xmlns:asvg="http://schemas.microsoft.com/office/drawing/2016/SVG/main" r:embed="rId2"/>
               </a:ext>
             </a:extLst>
           </a:blip>
@@ -4305,7 +4320,7 @@
                 <a14:useLocalDpi xmlns:a14="http://schemas.microsoft.com/office/drawing/2010/main" val="0"/>
               </a:ext>
               <a:ext uri="{96DAC541-7B7A-43D3-8B79-37D633B846F1}">
-                <asvg:svgBlip xmlns:asvg="http://schemas.microsoft.com/office/drawing/2016/SVG/main" xmlns="" r:embed="rId4"/>
+                <asvg:svgBlip xmlns="" xmlns:asvg="http://schemas.microsoft.com/office/drawing/2016/SVG/main" r:embed="rId4"/>
               </a:ext>
             </a:extLst>
           </a:blip>
@@ -4454,7 +4469,7 @@
                 <a14:useLocalDpi xmlns:a14="http://schemas.microsoft.com/office/drawing/2010/main" val="0"/>
               </a:ext>
               <a:ext uri="{96DAC541-7B7A-43D3-8B79-37D633B846F1}">
-                <asvg:svgBlip xmlns:asvg="http://schemas.microsoft.com/office/drawing/2016/SVG/main" xmlns="" r:embed="rId4"/>
+                <asvg:svgBlip xmlns="" xmlns:asvg="http://schemas.microsoft.com/office/drawing/2016/SVG/main" r:embed="rId4"/>
               </a:ext>
             </a:extLst>
           </a:blip>
@@ -4534,10 +4549,14 @@
             <a:defRPr cap="all"/>
           </a:pPr>
           <a:r>
-            <a:rPr lang="en-GB" sz="1200" b="0" i="0" kern="1200"/>
-            <a:t>As a member I want to edit my details so I can feel better about myself</a:t>
+            <a:rPr lang="en-GB" sz="1200" b="0" i="0" kern="1200" dirty="0"/>
+            <a:t>As a member I want to edit my </a:t>
           </a:r>
-          <a:endParaRPr lang="en-US" sz="1200" kern="1200"/>
+          <a:r>
+            <a:rPr lang="en-GB" sz="1200" b="0" i="0" kern="1200" dirty="0" smtClean="0"/>
+            <a:t>details</a:t>
+          </a:r>
+          <a:endParaRPr lang="en-US" sz="1200" kern="1200" dirty="0"/>
         </a:p>
       </dsp:txBody>
       <dsp:txXfrm>
@@ -4604,7 +4623,7 @@
                 <a14:useLocalDpi xmlns:a14="http://schemas.microsoft.com/office/drawing/2010/main" val="0"/>
               </a:ext>
               <a:ext uri="{96DAC541-7B7A-43D3-8B79-37D633B846F1}">
-                <asvg:svgBlip xmlns:asvg="http://schemas.microsoft.com/office/drawing/2016/SVG/main" xmlns="" r:embed="rId4"/>
+                <asvg:svgBlip xmlns="" xmlns:asvg="http://schemas.microsoft.com/office/drawing/2016/SVG/main" r:embed="rId4"/>
               </a:ext>
             </a:extLst>
           </a:blip>
@@ -4882,7 +4901,7 @@
   </dgm:layoutNode>
   <dgm:extLst>
     <a:ext uri="{68A01E43-0DF5-4B5B-8FA6-DAF915123BFB}">
-      <dgm1612:lstStyle xmlns:dgm1612="http://schemas.microsoft.com/office/drawing/2016/12/diagram" xmlns="">
+      <dgm1612:lstStyle xmlns="" xmlns:dgm1612="http://schemas.microsoft.com/office/drawing/2016/12/diagram">
         <a:lvl1pPr>
           <a:lnSpc>
             <a:spcPct val="100000"/>
@@ -5102,7 +5121,7 @@
   </dgm:layoutNode>
   <dgm:extLst>
     <a:ext uri="{68A01E43-0DF5-4B5B-8FA6-DAF915123BFB}">
-      <dgm1612:lstStyle xmlns:dgm1612="http://schemas.microsoft.com/office/drawing/2016/12/diagram" xmlns="">
+      <dgm1612:lstStyle xmlns="" xmlns:dgm1612="http://schemas.microsoft.com/office/drawing/2016/12/diagram">
         <a:lvl1pPr>
           <a:lnSpc>
             <a:spcPct val="100000"/>
@@ -14289,7 +14308,7 @@
                 <a16:creationId xmlns:a16="http://schemas.microsoft.com/office/drawing/2014/main" id="{F747F1B4-B831-4277-8AB0-32767F7EB7BF}"/>
               </a:ext>
               <a:ext uri="{C183D7F6-B498-43B3-948B-1728B52AA6E4}">
-                <adec:decorative xmlns:adec="http://schemas.microsoft.com/office/drawing/2017/decorative" xmlns="" val="1"/>
+                <adec:decorative xmlns="" xmlns:adec="http://schemas.microsoft.com/office/drawing/2017/decorative" val="1"/>
               </a:ext>
             </a:extLst>
           </p:cNvPr>
@@ -14349,7 +14368,7 @@
                 <a16:creationId xmlns:a16="http://schemas.microsoft.com/office/drawing/2014/main" id="{D80CFA21-AB7C-4BEB-9BFF-05764FBBF3C6}"/>
               </a:ext>
               <a:ext uri="{C183D7F6-B498-43B3-948B-1728B52AA6E4}">
-                <adec:decorative xmlns:adec="http://schemas.microsoft.com/office/drawing/2017/decorative" xmlns="" val="1"/>
+                <adec:decorative xmlns="" xmlns:adec="http://schemas.microsoft.com/office/drawing/2017/decorative" val="1"/>
               </a:ext>
             </a:extLst>
           </p:cNvPr>
@@ -14746,7 +14765,7 @@
                 <a16:creationId xmlns:a16="http://schemas.microsoft.com/office/drawing/2014/main" id="{12F7E335-851A-4CAE-B09F-E657819D4600}"/>
               </a:ext>
               <a:ext uri="{C183D7F6-B498-43B3-948B-1728B52AA6E4}">
-                <adec:decorative xmlns:adec="http://schemas.microsoft.com/office/drawing/2017/decorative" xmlns="" val="1"/>
+                <adec:decorative xmlns="" xmlns:adec="http://schemas.microsoft.com/office/drawing/2017/decorative" val="1"/>
               </a:ext>
             </a:extLst>
           </p:cNvPr>
@@ -14799,7 +14818,7 @@
                 <a16:creationId xmlns:a16="http://schemas.microsoft.com/office/drawing/2014/main" id="{10B541F0-7F6E-402E-84D8-CF96EACA5FBC}"/>
               </a:ext>
               <a:ext uri="{C183D7F6-B498-43B3-948B-1728B52AA6E4}">
-                <adec:decorative xmlns:adec="http://schemas.microsoft.com/office/drawing/2017/decorative" xmlns="" val="1"/>
+                <adec:decorative xmlns="" xmlns:adec="http://schemas.microsoft.com/office/drawing/2017/decorative" val="1"/>
               </a:ext>
             </a:extLst>
           </p:cNvPr>
@@ -15373,9 +15392,10 @@
           <a:lstStyle/>
           <a:p>
             <a:r>
-              <a:rPr lang="en-GB" dirty="0"/>
-              <a:t>Design doc</a:t>
+              <a:rPr lang="en-GB" dirty="0" smtClean="0"/>
+              <a:t>Project Summary </a:t>
             </a:r>
+            <a:endParaRPr lang="en-GB" dirty="0"/>
           </a:p>
         </p:txBody>
       </p:sp>
@@ -15397,48 +15417,15 @@
             <a:endParaRPr lang="en-GB" dirty="0" smtClean="0"/>
           </a:p>
           <a:p>
+            <a:r>
+              <a:rPr lang="en-GB" dirty="0" smtClean="0"/>
+              <a:t>Database of games integrated with a front end to generate queries based on user preferences to </a:t>
+            </a:r>
+            <a:r>
+              <a:rPr lang="en-GB" smtClean="0"/>
+              <a:t>generate recommendations.</a:t>
+            </a:r>
             <a:endParaRPr lang="en-GB" dirty="0"/>
-          </a:p>
-          <a:p>
-            <a:r>
-              <a:rPr lang="en-GB" dirty="0"/>
-              <a:t/>
-            </a:r>
-            <a:br>
-              <a:rPr lang="en-GB" dirty="0"/>
-            </a:br>
-            <a:r>
-              <a:rPr lang="en-GB" dirty="0"/>
-              <a:t>    -    What went well / what didn't</a:t>
-            </a:r>
-            <a:br>
-              <a:rPr lang="en-GB" dirty="0"/>
-            </a:br>
-            <a:r>
-              <a:rPr lang="en-GB" dirty="0"/>
-              <a:t>    -    Things that had had to be abandoned this sprint, and therefore pushed to the next sprint (with supporting reasoning)</a:t>
-            </a:r>
-            <a:br>
-              <a:rPr lang="en-GB" dirty="0"/>
-            </a:br>
-            <a:r>
-              <a:rPr lang="en-GB" dirty="0"/>
-              <a:t>    -    Estimated work effort (time spent) of the project</a:t>
-            </a:r>
-            <a:br>
-              <a:rPr lang="en-GB" dirty="0"/>
-            </a:br>
-            <a:r>
-              <a:rPr lang="en-GB" dirty="0"/>
-              <a:t>    -    What you would do differently if asked to start again</a:t>
-            </a:r>
-            <a:br>
-              <a:rPr lang="en-GB" dirty="0"/>
-            </a:br>
-            <a:r>
-              <a:rPr lang="en-GB" dirty="0"/>
-              <a:t>    -    Any other documentation / information that can help justify your decisions</a:t>
-            </a:r>
           </a:p>
         </p:txBody>
       </p:sp>
@@ -15495,7 +15482,7 @@
                 <a16:creationId xmlns:a16="http://schemas.microsoft.com/office/drawing/2014/main" id="{5F3FC718-FDE3-4EF7-921E-A5F374EAF824}"/>
               </a:ext>
               <a:ext uri="{C183D7F6-B498-43B3-948B-1728B52AA6E4}">
-                <adec:decorative xmlns:adec="http://schemas.microsoft.com/office/drawing/2017/decorative" xmlns="" val="1"/>
+                <adec:decorative xmlns="" xmlns:adec="http://schemas.microsoft.com/office/drawing/2017/decorative" val="1"/>
               </a:ext>
             </a:extLst>
           </p:cNvPr>
@@ -15588,7 +15575,7 @@
                 <a16:creationId xmlns:a16="http://schemas.microsoft.com/office/drawing/2014/main" id="{FAA0F719-3DC8-4F08-AD8F-5A845658CB9D}"/>
               </a:ext>
               <a:ext uri="{C183D7F6-B498-43B3-948B-1728B52AA6E4}">
-                <adec:decorative xmlns:adec="http://schemas.microsoft.com/office/drawing/2017/decorative" xmlns="" val="1"/>
+                <adec:decorative xmlns="" xmlns:adec="http://schemas.microsoft.com/office/drawing/2017/decorative" val="1"/>
               </a:ext>
             </a:extLst>
           </p:cNvPr>
@@ -15940,7 +15927,7 @@
                 <a16:creationId xmlns:a16="http://schemas.microsoft.com/office/drawing/2014/main" id="{7DCB61BE-FA0F-4EFB-BE0E-268BAD8E30D6}"/>
               </a:ext>
               <a:ext uri="{C183D7F6-B498-43B3-948B-1728B52AA6E4}">
-                <adec:decorative xmlns:adec="http://schemas.microsoft.com/office/drawing/2017/decorative" xmlns="" val="1"/>
+                <adec:decorative xmlns="" xmlns:adec="http://schemas.microsoft.com/office/drawing/2017/decorative" val="1"/>
               </a:ext>
             </a:extLst>
           </p:cNvPr>
@@ -16403,7 +16390,7 @@
                 <a16:creationId xmlns:a16="http://schemas.microsoft.com/office/drawing/2014/main" id="{A4B31EAA-7423-46F7-9B90-4AB2B09C35C4}"/>
               </a:ext>
               <a:ext uri="{C183D7F6-B498-43B3-948B-1728B52AA6E4}">
-                <adec:decorative xmlns:adec="http://schemas.microsoft.com/office/drawing/2017/decorative" xmlns="" val="1"/>
+                <adec:decorative xmlns="" xmlns:adec="http://schemas.microsoft.com/office/drawing/2017/decorative" val="1"/>
               </a:ext>
             </a:extLst>
           </p:cNvPr>
@@ -16692,7 +16679,7 @@
                 <a16:creationId xmlns:a16="http://schemas.microsoft.com/office/drawing/2014/main" id="{F747F1B4-B831-4277-8AB0-32767F7EB7BF}"/>
               </a:ext>
               <a:ext uri="{C183D7F6-B498-43B3-948B-1728B52AA6E4}">
-                <adec:decorative xmlns:adec="http://schemas.microsoft.com/office/drawing/2017/decorative" xmlns="" val="1"/>
+                <adec:decorative xmlns="" xmlns:adec="http://schemas.microsoft.com/office/drawing/2017/decorative" val="1"/>
               </a:ext>
             </a:extLst>
           </p:cNvPr>
@@ -16752,7 +16739,7 @@
                 <a16:creationId xmlns:a16="http://schemas.microsoft.com/office/drawing/2014/main" id="{D80CFA21-AB7C-4BEB-9BFF-05764FBBF3C6}"/>
               </a:ext>
               <a:ext uri="{C183D7F6-B498-43B3-948B-1728B52AA6E4}">
-                <adec:decorative xmlns:adec="http://schemas.microsoft.com/office/drawing/2017/decorative" xmlns="" val="1"/>
+                <adec:decorative xmlns="" xmlns:adec="http://schemas.microsoft.com/office/drawing/2017/decorative" val="1"/>
               </a:ext>
             </a:extLst>
           </p:cNvPr>
@@ -17149,7 +17136,7 @@
                 <a16:creationId xmlns:a16="http://schemas.microsoft.com/office/drawing/2014/main" id="{12F7E335-851A-4CAE-B09F-E657819D4600}"/>
               </a:ext>
               <a:ext uri="{C183D7F6-B498-43B3-948B-1728B52AA6E4}">
-                <adec:decorative xmlns:adec="http://schemas.microsoft.com/office/drawing/2017/decorative" xmlns="" val="1"/>
+                <adec:decorative xmlns="" xmlns:adec="http://schemas.microsoft.com/office/drawing/2017/decorative" val="1"/>
               </a:ext>
             </a:extLst>
           </p:cNvPr>
@@ -17202,7 +17189,7 @@
                 <a16:creationId xmlns:a16="http://schemas.microsoft.com/office/drawing/2014/main" id="{10B541F0-7F6E-402E-84D8-CF96EACA5FBC}"/>
               </a:ext>
               <a:ext uri="{C183D7F6-B498-43B3-948B-1728B52AA6E4}">
-                <adec:decorative xmlns:adec="http://schemas.microsoft.com/office/drawing/2017/decorative" xmlns="" val="1"/>
+                <adec:decorative xmlns="" xmlns:adec="http://schemas.microsoft.com/office/drawing/2017/decorative" val="1"/>
               </a:ext>
             </a:extLst>
           </p:cNvPr>
@@ -17708,7 +17695,7 @@
             <p:ph idx="1"/>
             <p:extLst>
               <p:ext uri="{D42A27DB-BD31-4B8C-83A1-F6EECF244321}">
-                <p14:modId xmlns:p14="http://schemas.microsoft.com/office/powerpoint/2010/main" val="1433634794"/>
+                <p14:modId xmlns:p14="http://schemas.microsoft.com/office/powerpoint/2010/main" val="4273821359"/>
               </p:ext>
             </p:extLst>
           </p:nvPr>
@@ -17792,7 +17779,7 @@
                 <a16:creationId xmlns:a16="http://schemas.microsoft.com/office/drawing/2014/main" id="{412E3267-7ABE-412B-8580-47EC0D1F61FE}"/>
               </a:ext>
               <a:ext uri="{C183D7F6-B498-43B3-948B-1728B52AA6E4}">
-                <adec:decorative xmlns:adec="http://schemas.microsoft.com/office/drawing/2017/decorative" xmlns="" val="1"/>
+                <adec:decorative xmlns="" xmlns:adec="http://schemas.microsoft.com/office/drawing/2017/decorative" val="1"/>
               </a:ext>
             </a:extLst>
           </p:cNvPr>
@@ -17836,7 +17823,7 @@
                 <a16:creationId xmlns:a16="http://schemas.microsoft.com/office/drawing/2014/main" id="{20B62C5A-2250-4380-AB23-DB87446CCED0}"/>
               </a:ext>
               <a:ext uri="{C183D7F6-B498-43B3-948B-1728B52AA6E4}">
-                <adec:decorative xmlns:adec="http://schemas.microsoft.com/office/drawing/2017/decorative" xmlns="" val="1"/>
+                <adec:decorative xmlns="" xmlns:adec="http://schemas.microsoft.com/office/drawing/2017/decorative" val="1"/>
               </a:ext>
             </a:extLst>
           </p:cNvPr>
@@ -17880,7 +17867,7 @@
                 <a16:creationId xmlns:a16="http://schemas.microsoft.com/office/drawing/2014/main" id="{D42CF425-7213-4F89-B0FF-4C2BDDD9C680}"/>
               </a:ext>
               <a:ext uri="{C183D7F6-B498-43B3-948B-1728B52AA6E4}">
-                <adec:decorative xmlns:adec="http://schemas.microsoft.com/office/drawing/2017/decorative" xmlns="" val="1"/>
+                <adec:decorative xmlns="" xmlns:adec="http://schemas.microsoft.com/office/drawing/2017/decorative" val="1"/>
               </a:ext>
             </a:extLst>
           </p:cNvPr>
@@ -17960,7 +17947,7 @@
                 <a16:creationId xmlns:a16="http://schemas.microsoft.com/office/drawing/2014/main" id="{D35DA97D-88F8-4249-B650-4FC9FD50A382}"/>
               </a:ext>
               <a:ext uri="{C183D7F6-B498-43B3-948B-1728B52AA6E4}">
-                <adec:decorative xmlns:adec="http://schemas.microsoft.com/office/drawing/2017/decorative" xmlns="" val="1"/>
+                <adec:decorative xmlns="" xmlns:adec="http://schemas.microsoft.com/office/drawing/2017/decorative" val="1"/>
               </a:ext>
             </a:extLst>
           </p:cNvPr>
@@ -18004,7 +17991,7 @@
                 <a16:creationId xmlns:a16="http://schemas.microsoft.com/office/drawing/2014/main" id="{43F38673-6E30-4BAE-AC67-0B283EBF4291}"/>
               </a:ext>
               <a:ext uri="{C183D7F6-B498-43B3-948B-1728B52AA6E4}">
-                <adec:decorative xmlns:adec="http://schemas.microsoft.com/office/drawing/2017/decorative" xmlns="" val="1"/>
+                <adec:decorative xmlns="" xmlns:adec="http://schemas.microsoft.com/office/drawing/2017/decorative" val="1"/>
               </a:ext>
             </a:extLst>
           </p:cNvPr>
@@ -18048,7 +18035,7 @@
                 <a16:creationId xmlns:a16="http://schemas.microsoft.com/office/drawing/2014/main" id="{202A25CB-1ED1-4C87-AB49-8D3BC684D1CE}"/>
               </a:ext>
               <a:ext uri="{C183D7F6-B498-43B3-948B-1728B52AA6E4}">
-                <adec:decorative xmlns:adec="http://schemas.microsoft.com/office/drawing/2017/decorative" xmlns="" val="1"/>
+                <adec:decorative xmlns="" xmlns:adec="http://schemas.microsoft.com/office/drawing/2017/decorative" val="1"/>
               </a:ext>
             </a:extLst>
           </p:cNvPr>
@@ -18130,7 +18117,7 @@
                 <a16:creationId xmlns:a16="http://schemas.microsoft.com/office/drawing/2014/main" id="{3484F10F-334C-431A-8E30-B66B496C56E8}"/>
               </a:ext>
               <a:ext uri="{C183D7F6-B498-43B3-948B-1728B52AA6E4}">
-                <adec:decorative xmlns:adec="http://schemas.microsoft.com/office/drawing/2017/decorative" xmlns="" val="1"/>
+                <adec:decorative xmlns="" xmlns:adec="http://schemas.microsoft.com/office/drawing/2017/decorative" val="1"/>
               </a:ext>
             </a:extLst>
           </p:cNvPr>
@@ -18623,7 +18610,7 @@
                 <a16:creationId xmlns:a16="http://schemas.microsoft.com/office/drawing/2014/main" id="{AEA0BB24-2B23-4B19-996F-58DA607EE280}"/>
               </a:ext>
               <a:ext uri="{C183D7F6-B498-43B3-948B-1728B52AA6E4}">
-                <adec:decorative xmlns:adec="http://schemas.microsoft.com/office/drawing/2017/decorative" xmlns="" val="1"/>
+                <adec:decorative xmlns="" xmlns:adec="http://schemas.microsoft.com/office/drawing/2017/decorative" val="1"/>
               </a:ext>
             </a:extLst>
           </p:cNvPr>
@@ -19068,7 +19055,7 @@
                 <a16:creationId xmlns:a16="http://schemas.microsoft.com/office/drawing/2014/main" id="{412E3267-7ABE-412B-8580-47EC0D1F61FE}"/>
               </a:ext>
               <a:ext uri="{C183D7F6-B498-43B3-948B-1728B52AA6E4}">
-                <adec:decorative xmlns:adec="http://schemas.microsoft.com/office/drawing/2017/decorative" xmlns="" val="1"/>
+                <adec:decorative xmlns="" xmlns:adec="http://schemas.microsoft.com/office/drawing/2017/decorative" val="1"/>
               </a:ext>
             </a:extLst>
           </p:cNvPr>
@@ -19112,7 +19099,7 @@
                 <a16:creationId xmlns:a16="http://schemas.microsoft.com/office/drawing/2014/main" id="{20B62C5A-2250-4380-AB23-DB87446CCED0}"/>
               </a:ext>
               <a:ext uri="{C183D7F6-B498-43B3-948B-1728B52AA6E4}">
-                <adec:decorative xmlns:adec="http://schemas.microsoft.com/office/drawing/2017/decorative" xmlns="" val="1"/>
+                <adec:decorative xmlns="" xmlns:adec="http://schemas.microsoft.com/office/drawing/2017/decorative" val="1"/>
               </a:ext>
             </a:extLst>
           </p:cNvPr>
@@ -19156,7 +19143,7 @@
                 <a16:creationId xmlns:a16="http://schemas.microsoft.com/office/drawing/2014/main" id="{D42CF425-7213-4F89-B0FF-4C2BDDD9C680}"/>
               </a:ext>
               <a:ext uri="{C183D7F6-B498-43B3-948B-1728B52AA6E4}">
-                <adec:decorative xmlns:adec="http://schemas.microsoft.com/office/drawing/2017/decorative" xmlns="" val="1"/>
+                <adec:decorative xmlns="" xmlns:adec="http://schemas.microsoft.com/office/drawing/2017/decorative" val="1"/>
               </a:ext>
             </a:extLst>
           </p:cNvPr>
@@ -19236,7 +19223,7 @@
                 <a16:creationId xmlns:a16="http://schemas.microsoft.com/office/drawing/2014/main" id="{D35DA97D-88F8-4249-B650-4FC9FD50A382}"/>
               </a:ext>
               <a:ext uri="{C183D7F6-B498-43B3-948B-1728B52AA6E4}">
-                <adec:decorative xmlns:adec="http://schemas.microsoft.com/office/drawing/2017/decorative" xmlns="" val="1"/>
+                <adec:decorative xmlns="" xmlns:adec="http://schemas.microsoft.com/office/drawing/2017/decorative" val="1"/>
               </a:ext>
             </a:extLst>
           </p:cNvPr>
@@ -19280,7 +19267,7 @@
                 <a16:creationId xmlns:a16="http://schemas.microsoft.com/office/drawing/2014/main" id="{43F38673-6E30-4BAE-AC67-0B283EBF4291}"/>
               </a:ext>
               <a:ext uri="{C183D7F6-B498-43B3-948B-1728B52AA6E4}">
-                <adec:decorative xmlns:adec="http://schemas.microsoft.com/office/drawing/2017/decorative" xmlns="" val="1"/>
+                <adec:decorative xmlns="" xmlns:adec="http://schemas.microsoft.com/office/drawing/2017/decorative" val="1"/>
               </a:ext>
             </a:extLst>
           </p:cNvPr>
@@ -19324,7 +19311,7 @@
                 <a16:creationId xmlns:a16="http://schemas.microsoft.com/office/drawing/2014/main" id="{202A25CB-1ED1-4C87-AB49-8D3BC684D1CE}"/>
               </a:ext>
               <a:ext uri="{C183D7F6-B498-43B3-948B-1728B52AA6E4}">
-                <adec:decorative xmlns:adec="http://schemas.microsoft.com/office/drawing/2017/decorative" xmlns="" val="1"/>
+                <adec:decorative xmlns="" xmlns:adec="http://schemas.microsoft.com/office/drawing/2017/decorative" val="1"/>
               </a:ext>
             </a:extLst>
           </p:cNvPr>
@@ -19406,7 +19393,7 @@
                 <a16:creationId xmlns:a16="http://schemas.microsoft.com/office/drawing/2014/main" id="{3484F10F-334C-431A-8E30-B66B496C56E8}"/>
               </a:ext>
               <a:ext uri="{C183D7F6-B498-43B3-948B-1728B52AA6E4}">
-                <adec:decorative xmlns:adec="http://schemas.microsoft.com/office/drawing/2017/decorative" xmlns="" val="1"/>
+                <adec:decorative xmlns="" xmlns:adec="http://schemas.microsoft.com/office/drawing/2017/decorative" val="1"/>
               </a:ext>
             </a:extLst>
           </p:cNvPr>
@@ -19872,7 +19859,7 @@
                 <a16:creationId xmlns:a16="http://schemas.microsoft.com/office/drawing/2014/main" id="{AEA0BB24-2B23-4B19-996F-58DA607EE280}"/>
               </a:ext>
               <a:ext uri="{C183D7F6-B498-43B3-948B-1728B52AA6E4}">
-                <adec:decorative xmlns:adec="http://schemas.microsoft.com/office/drawing/2017/decorative" xmlns="" val="1"/>
+                <adec:decorative xmlns="" xmlns:adec="http://schemas.microsoft.com/office/drawing/2017/decorative" val="1"/>
               </a:ext>
             </a:extLst>
           </p:cNvPr>
@@ -20353,7 +20340,7 @@
                 <a16:creationId xmlns:a16="http://schemas.microsoft.com/office/drawing/2014/main" id="{412E3267-7ABE-412B-8580-47EC0D1F61FE}"/>
               </a:ext>
               <a:ext uri="{C183D7F6-B498-43B3-948B-1728B52AA6E4}">
-                <adec:decorative xmlns:adec="http://schemas.microsoft.com/office/drawing/2017/decorative" xmlns="" val="1"/>
+                <adec:decorative xmlns="" xmlns:adec="http://schemas.microsoft.com/office/drawing/2017/decorative" val="1"/>
               </a:ext>
             </a:extLst>
           </p:cNvPr>
@@ -20397,7 +20384,7 @@
                 <a16:creationId xmlns:a16="http://schemas.microsoft.com/office/drawing/2014/main" id="{20B62C5A-2250-4380-AB23-DB87446CCED0}"/>
               </a:ext>
               <a:ext uri="{C183D7F6-B498-43B3-948B-1728B52AA6E4}">
-                <adec:decorative xmlns:adec="http://schemas.microsoft.com/office/drawing/2017/decorative" xmlns="" val="1"/>
+                <adec:decorative xmlns="" xmlns:adec="http://schemas.microsoft.com/office/drawing/2017/decorative" val="1"/>
               </a:ext>
             </a:extLst>
           </p:cNvPr>
@@ -20441,7 +20428,7 @@
                 <a16:creationId xmlns:a16="http://schemas.microsoft.com/office/drawing/2014/main" id="{D42CF425-7213-4F89-B0FF-4C2BDDD9C680}"/>
               </a:ext>
               <a:ext uri="{C183D7F6-B498-43B3-948B-1728B52AA6E4}">
-                <adec:decorative xmlns:adec="http://schemas.microsoft.com/office/drawing/2017/decorative" xmlns="" val="1"/>
+                <adec:decorative xmlns="" xmlns:adec="http://schemas.microsoft.com/office/drawing/2017/decorative" val="1"/>
               </a:ext>
             </a:extLst>
           </p:cNvPr>
@@ -20521,7 +20508,7 @@
                 <a16:creationId xmlns:a16="http://schemas.microsoft.com/office/drawing/2014/main" id="{D35DA97D-88F8-4249-B650-4FC9FD50A382}"/>
               </a:ext>
               <a:ext uri="{C183D7F6-B498-43B3-948B-1728B52AA6E4}">
-                <adec:decorative xmlns:adec="http://schemas.microsoft.com/office/drawing/2017/decorative" xmlns="" val="1"/>
+                <adec:decorative xmlns="" xmlns:adec="http://schemas.microsoft.com/office/drawing/2017/decorative" val="1"/>
               </a:ext>
             </a:extLst>
           </p:cNvPr>
@@ -20565,7 +20552,7 @@
                 <a16:creationId xmlns:a16="http://schemas.microsoft.com/office/drawing/2014/main" id="{43F38673-6E30-4BAE-AC67-0B283EBF4291}"/>
               </a:ext>
               <a:ext uri="{C183D7F6-B498-43B3-948B-1728B52AA6E4}">
-                <adec:decorative xmlns:adec="http://schemas.microsoft.com/office/drawing/2017/decorative" xmlns="" val="1"/>
+                <adec:decorative xmlns="" xmlns:adec="http://schemas.microsoft.com/office/drawing/2017/decorative" val="1"/>
               </a:ext>
             </a:extLst>
           </p:cNvPr>
@@ -20609,7 +20596,7 @@
                 <a16:creationId xmlns:a16="http://schemas.microsoft.com/office/drawing/2014/main" id="{202A25CB-1ED1-4C87-AB49-8D3BC684D1CE}"/>
               </a:ext>
               <a:ext uri="{C183D7F6-B498-43B3-948B-1728B52AA6E4}">
-                <adec:decorative xmlns:adec="http://schemas.microsoft.com/office/drawing/2017/decorative" xmlns="" val="1"/>
+                <adec:decorative xmlns="" xmlns:adec="http://schemas.microsoft.com/office/drawing/2017/decorative" val="1"/>
               </a:ext>
             </a:extLst>
           </p:cNvPr>
@@ -20691,7 +20678,7 @@
                 <a16:creationId xmlns:a16="http://schemas.microsoft.com/office/drawing/2014/main" id="{3484F10F-334C-431A-8E30-B66B496C56E8}"/>
               </a:ext>
               <a:ext uri="{C183D7F6-B498-43B3-948B-1728B52AA6E4}">
-                <adec:decorative xmlns:adec="http://schemas.microsoft.com/office/drawing/2017/decorative" xmlns="" val="1"/>
+                <adec:decorative xmlns="" xmlns:adec="http://schemas.microsoft.com/office/drawing/2017/decorative" val="1"/>
               </a:ext>
             </a:extLst>
           </p:cNvPr>
@@ -21157,7 +21144,7 @@
                 <a16:creationId xmlns:a16="http://schemas.microsoft.com/office/drawing/2014/main" id="{AEA0BB24-2B23-4B19-996F-58DA607EE280}"/>
               </a:ext>
               <a:ext uri="{C183D7F6-B498-43B3-948B-1728B52AA6E4}">
-                <adec:decorative xmlns:adec="http://schemas.microsoft.com/office/drawing/2017/decorative" xmlns="" val="1"/>
+                <adec:decorative xmlns="" xmlns:adec="http://schemas.microsoft.com/office/drawing/2017/decorative" val="1"/>
               </a:ext>
             </a:extLst>
           </p:cNvPr>
